--- a/CS2/Arduino入門：Arduino IDE 言語篇.pptx
+++ b/CS2/Arduino入門：Arduino IDE 言語篇.pptx
@@ -3818,12 +3818,12 @@
         <a:fontRef idx="minor"/>
       </dsp:style>
       <dsp:txBody>
-        <a:bodyPr spcFirstLastPara="0" vert="horz" wrap="square" lIns="113792" tIns="20320" rIns="113792" bIns="20320" numCol="1" spcCol="1270" anchor="ctr" anchorCtr="0">
+        <a:bodyPr spcFirstLastPara="0" vert="horz" wrap="square" lIns="106680" tIns="19050" rIns="106680" bIns="19050" numCol="1" spcCol="1270" anchor="ctr" anchorCtr="0">
           <a:noAutofit/>
         </a:bodyPr>
         <a:lstStyle/>
         <a:p>
-          <a:pPr lvl="0" algn="ctr" defTabSz="711200">
+          <a:pPr lvl="0" algn="ctr" defTabSz="666750">
             <a:lnSpc>
               <a:spcPct val="90000"/>
             </a:lnSpc>
@@ -3834,7 +3834,7 @@
               <a:spcPct val="35000"/>
             </a:spcAft>
           </a:pPr>
-          <a:endParaRPr kumimoji="1" lang="ja-JP" altLang="en-US" sz="1600" kern="1200" dirty="0"/>
+          <a:endParaRPr kumimoji="1" lang="ja-JP" altLang="en-US" sz="1500" kern="1200" dirty="0"/>
         </a:p>
       </dsp:txBody>
       <dsp:txXfrm>
@@ -3975,12 +3975,12 @@
         <a:fontRef idx="minor"/>
       </dsp:style>
       <dsp:txBody>
-        <a:bodyPr spcFirstLastPara="0" vert="horz" wrap="square" lIns="113792" tIns="20320" rIns="113792" bIns="20320" numCol="1" spcCol="1270" anchor="ctr" anchorCtr="0">
+        <a:bodyPr spcFirstLastPara="0" vert="horz" wrap="square" lIns="106680" tIns="19050" rIns="106680" bIns="19050" numCol="1" spcCol="1270" anchor="ctr" anchorCtr="0">
           <a:noAutofit/>
         </a:bodyPr>
         <a:lstStyle/>
         <a:p>
-          <a:pPr lvl="0" algn="ctr" defTabSz="711200">
+          <a:pPr lvl="0" algn="ctr" defTabSz="666750">
             <a:lnSpc>
               <a:spcPct val="90000"/>
             </a:lnSpc>
@@ -3991,7 +3991,7 @@
               <a:spcPct val="35000"/>
             </a:spcAft>
           </a:pPr>
-          <a:endParaRPr kumimoji="1" lang="ja-JP" altLang="en-US" sz="1600" kern="1200" dirty="0"/>
+          <a:endParaRPr kumimoji="1" lang="ja-JP" altLang="en-US" sz="1500" kern="1200" dirty="0"/>
         </a:p>
       </dsp:txBody>
       <dsp:txXfrm>
@@ -4127,12 +4127,12 @@
         <a:fontRef idx="minor"/>
       </dsp:style>
       <dsp:txBody>
-        <a:bodyPr spcFirstLastPara="0" vert="horz" wrap="square" lIns="113792" tIns="20320" rIns="113792" bIns="20320" numCol="1" spcCol="1270" anchor="ctr" anchorCtr="0">
+        <a:bodyPr spcFirstLastPara="0" vert="horz" wrap="square" lIns="106680" tIns="19050" rIns="106680" bIns="19050" numCol="1" spcCol="1270" anchor="ctr" anchorCtr="0">
           <a:noAutofit/>
         </a:bodyPr>
         <a:lstStyle/>
         <a:p>
-          <a:pPr lvl="0" algn="ctr" defTabSz="711200">
+          <a:pPr lvl="0" algn="ctr" defTabSz="666750">
             <a:lnSpc>
               <a:spcPct val="90000"/>
             </a:lnSpc>
@@ -4144,14 +4144,14 @@
             </a:spcAft>
           </a:pPr>
           <a:r>
-            <a:rPr kumimoji="1" lang="en-US" altLang="ja-JP" sz="1600" kern="1200" dirty="0" smtClean="0"/>
+            <a:rPr kumimoji="1" lang="en-US" altLang="ja-JP" sz="1500" kern="1200" dirty="0" smtClean="0"/>
             <a:t>OS</a:t>
           </a:r>
           <a:r>
-            <a:rPr kumimoji="1" lang="ja-JP" altLang="en-US" sz="1600" kern="1200" dirty="0" smtClean="0"/>
+            <a:rPr kumimoji="1" lang="ja-JP" altLang="en-US" sz="1500" kern="1200" dirty="0" smtClean="0"/>
             <a:t>が必要な場合自分で書く</a:t>
           </a:r>
-          <a:endParaRPr kumimoji="1" lang="ja-JP" altLang="en-US" sz="1600" kern="1200" dirty="0"/>
+          <a:endParaRPr kumimoji="1" lang="ja-JP" altLang="en-US" sz="1500" kern="1200" dirty="0"/>
         </a:p>
       </dsp:txBody>
       <dsp:txXfrm>
@@ -4287,12 +4287,12 @@
         <a:fontRef idx="minor"/>
       </dsp:style>
       <dsp:txBody>
-        <a:bodyPr spcFirstLastPara="0" vert="horz" wrap="square" lIns="113792" tIns="20320" rIns="113792" bIns="20320" numCol="1" spcCol="1270" anchor="ctr" anchorCtr="0">
+        <a:bodyPr spcFirstLastPara="0" vert="horz" wrap="square" lIns="106680" tIns="19050" rIns="106680" bIns="19050" numCol="1" spcCol="1270" anchor="ctr" anchorCtr="0">
           <a:noAutofit/>
         </a:bodyPr>
         <a:lstStyle/>
         <a:p>
-          <a:pPr lvl="0" algn="ctr" defTabSz="711200">
+          <a:pPr lvl="0" algn="ctr" defTabSz="666750">
             <a:lnSpc>
               <a:spcPct val="90000"/>
             </a:lnSpc>
@@ -4304,10 +4304,10 @@
             </a:spcAft>
           </a:pPr>
           <a:r>
-            <a:rPr kumimoji="1" lang="ja-JP" altLang="en-US" sz="1600" kern="1200" dirty="0" smtClean="0"/>
+            <a:rPr kumimoji="1" lang="ja-JP" altLang="en-US" sz="1500" kern="1200" dirty="0" smtClean="0"/>
             <a:t>コンパイルしてバイナリファイルを生成</a:t>
           </a:r>
-          <a:endParaRPr kumimoji="1" lang="ja-JP" altLang="en-US" sz="1600" kern="1200" dirty="0"/>
+          <a:endParaRPr kumimoji="1" lang="ja-JP" altLang="en-US" sz="1500" kern="1200" dirty="0"/>
         </a:p>
       </dsp:txBody>
       <dsp:txXfrm>
@@ -4443,12 +4443,12 @@
         <a:fontRef idx="minor"/>
       </dsp:style>
       <dsp:txBody>
-        <a:bodyPr spcFirstLastPara="0" vert="horz" wrap="square" lIns="113792" tIns="20320" rIns="113792" bIns="20320" numCol="1" spcCol="1270" anchor="ctr" anchorCtr="0">
+        <a:bodyPr spcFirstLastPara="0" vert="horz" wrap="square" lIns="106680" tIns="19050" rIns="106680" bIns="19050" numCol="1" spcCol="1270" anchor="ctr" anchorCtr="0">
           <a:noAutofit/>
         </a:bodyPr>
         <a:lstStyle/>
         <a:p>
-          <a:pPr lvl="0" algn="ctr" defTabSz="711200">
+          <a:pPr lvl="0" algn="ctr" defTabSz="666750">
             <a:lnSpc>
               <a:spcPct val="90000"/>
             </a:lnSpc>
@@ -4460,10 +4460,10 @@
             </a:spcAft>
           </a:pPr>
           <a:r>
-            <a:rPr kumimoji="1" lang="ja-JP" altLang="en-US" sz="1600" kern="1200" dirty="0" smtClean="0"/>
+            <a:rPr kumimoji="1" lang="ja-JP" altLang="en-US" sz="1500" kern="1200" dirty="0" smtClean="0"/>
             <a:t>エディタでテキストファイルを編集</a:t>
           </a:r>
-          <a:endParaRPr kumimoji="1" lang="ja-JP" altLang="en-US" sz="1600" kern="1200" dirty="0"/>
+          <a:endParaRPr kumimoji="1" lang="ja-JP" altLang="en-US" sz="1500" kern="1200" dirty="0"/>
         </a:p>
       </dsp:txBody>
       <dsp:txXfrm>
@@ -7358,7 +7358,7 @@
               <a:pPr>
                 <a:defRPr/>
               </a:pPr>
-              <a:t>13/01/15</a:t>
+              <a:t>1/16/2013</a:t>
             </a:fld>
             <a:endParaRPr dirty="0"/>
           </a:p>
@@ -7577,7 +7577,7 @@
               <a:pPr>
                 <a:defRPr/>
               </a:pPr>
-              <a:t>13/01/15</a:t>
+              <a:t>1/16/2013</a:t>
             </a:fld>
             <a:endParaRPr/>
           </a:p>
@@ -8182,13 +8182,13 @@
   <p:clrMapOvr>
     <a:masterClrMapping/>
   </p:clrMapOvr>
-  <p:transition xmlns:p14="http://schemas.microsoft.com/office/powerpoint/2010/main" spd="slow">
+  <p:transition spd="slow">
     <p:wipe dir="d"/>
   </p:transition>
   <p:timing>
     <p:tnLst>
       <p:par>
-        <p:cTn xmlns:p14="http://schemas.microsoft.com/office/powerpoint/2010/main" id="1" dur="indefinite" restart="never" nodeType="tmRoot">
+        <p:cTn id="1" dur="indefinite" restart="never" nodeType="tmRoot">
           <p:childTnLst>
             <p:seq concurrent="1" nextAc="seek">
               <p:cTn id="2" dur="indefinite" nodeType="mainSeq">
@@ -8342,7 +8342,7 @@
               <a:pPr>
                 <a:defRPr kumimoji="0"/>
               </a:pPr>
-              <a:t>13/01/15</a:t>
+              <a:t>1/16/2013</a:t>
             </a:fld>
             <a:endParaRPr kumimoji="0"/>
           </a:p>
@@ -8412,7 +8412,7 @@
   <p:clrMapOvr>
     <a:masterClrMapping/>
   </p:clrMapOvr>
-  <p:transition xmlns:p14="http://schemas.microsoft.com/office/powerpoint/2010/main" spd="slow">
+  <p:transition spd="slow">
     <p:wipe dir="d"/>
   </p:transition>
 </p:sldLayout>
@@ -8462,7 +8462,7 @@
               <a:pPr>
                 <a:defRPr kumimoji="0"/>
               </a:pPr>
-              <a:t>13/01/15</a:t>
+              <a:t>1/16/2013</a:t>
             </a:fld>
             <a:endParaRPr kumimoji="0"/>
           </a:p>
@@ -8532,7 +8532,7 @@
   <p:clrMapOvr>
     <a:masterClrMapping/>
   </p:clrMapOvr>
-  <p:transition xmlns:p14="http://schemas.microsoft.com/office/powerpoint/2010/main" spd="slow">
+  <p:transition spd="slow">
     <p:wipe dir="d"/>
   </p:transition>
 </p:sldLayout>
@@ -8614,7 +8614,7 @@
               <a:pPr>
                 <a:defRPr kumimoji="0"/>
               </a:pPr>
-              <a:t>13/01/15</a:t>
+              <a:t>1/16/2013</a:t>
             </a:fld>
             <a:endParaRPr kumimoji="0"/>
           </a:p>
@@ -8684,7 +8684,7 @@
   <p:clrMapOvr>
     <a:masterClrMapping/>
   </p:clrMapOvr>
-  <p:transition xmlns:p14="http://schemas.microsoft.com/office/powerpoint/2010/main" spd="slow">
+  <p:transition spd="slow">
     <p:wipe dir="d"/>
   </p:transition>
 </p:sldLayout>
@@ -8871,7 +8871,7 @@
               <a:pPr>
                 <a:defRPr kumimoji="0"/>
               </a:pPr>
-              <a:t>13/01/15</a:t>
+              <a:t>1/16/2013</a:t>
             </a:fld>
             <a:endParaRPr kumimoji="0" dirty="0"/>
           </a:p>
@@ -8941,13 +8941,13 @@
   <p:clrMapOvr>
     <a:masterClrMapping/>
   </p:clrMapOvr>
-  <p:transition xmlns:p14="http://schemas.microsoft.com/office/powerpoint/2010/main" spd="slow">
+  <p:transition spd="slow">
     <p:wipe dir="d"/>
   </p:transition>
   <p:timing>
     <p:tnLst>
       <p:par>
-        <p:cTn xmlns:p14="http://schemas.microsoft.com/office/powerpoint/2010/main" id="1" dur="indefinite" restart="never" nodeType="tmRoot">
+        <p:cTn id="1" dur="indefinite" restart="never" nodeType="tmRoot">
           <p:childTnLst>
             <p:seq concurrent="1" nextAc="seek">
               <p:cTn id="2" dur="indefinite" nodeType="mainSeq">
@@ -9239,7 +9239,7 @@
               <a:pPr>
                 <a:defRPr kumimoji="0"/>
               </a:pPr>
-              <a:t>13/01/15</a:t>
+              <a:t>1/16/2013</a:t>
             </a:fld>
             <a:endParaRPr kumimoji="0"/>
           </a:p>
@@ -9309,13 +9309,13 @@
   <p:clrMapOvr>
     <a:masterClrMapping/>
   </p:clrMapOvr>
-  <p:transition xmlns:p14="http://schemas.microsoft.com/office/powerpoint/2010/main" spd="slow">
+  <p:transition spd="slow">
     <p:wipe dir="d"/>
   </p:transition>
   <p:timing>
     <p:tnLst>
       <p:par>
-        <p:cTn xmlns:p14="http://schemas.microsoft.com/office/powerpoint/2010/main" id="1" dur="indefinite" restart="never" nodeType="tmRoot"/>
+        <p:cTn id="1" dur="indefinite" restart="never" nodeType="tmRoot"/>
       </p:par>
     </p:tnLst>
   </p:timing>
@@ -9624,7 +9624,7 @@
               <a:pPr>
                 <a:defRPr kumimoji="0"/>
               </a:pPr>
-              <a:t>13/01/15</a:t>
+              <a:t>1/16/2013</a:t>
             </a:fld>
             <a:endParaRPr kumimoji="0"/>
           </a:p>
@@ -9694,7 +9694,7 @@
   <p:clrMapOvr>
     <a:masterClrMapping/>
   </p:clrMapOvr>
-  <p:transition xmlns:p14="http://schemas.microsoft.com/office/powerpoint/2010/main" spd="slow">
+  <p:transition spd="slow">
     <p:wipe dir="d"/>
   </p:transition>
 </p:sldLayout>
@@ -10136,7 +10136,7 @@
               <a:pPr>
                 <a:defRPr kumimoji="0"/>
               </a:pPr>
-              <a:t>13/01/15</a:t>
+              <a:t>1/16/2013</a:t>
             </a:fld>
             <a:endParaRPr kumimoji="0"/>
           </a:p>
@@ -10206,7 +10206,7 @@
   <p:clrMapOvr>
     <a:masterClrMapping/>
   </p:clrMapOvr>
-  <p:transition xmlns:p14="http://schemas.microsoft.com/office/powerpoint/2010/main" spd="slow">
+  <p:transition spd="slow">
     <p:wipe dir="d"/>
   </p:transition>
 </p:sldLayout>
@@ -10471,7 +10471,7 @@
               <a:pPr>
                 <a:defRPr kumimoji="0"/>
               </a:pPr>
-              <a:t>13/01/15</a:t>
+              <a:t>1/16/2013</a:t>
             </a:fld>
             <a:endParaRPr kumimoji="0"/>
           </a:p>
@@ -10541,7 +10541,7 @@
   <p:clrMapOvr>
     <a:masterClrMapping/>
   </p:clrMapOvr>
-  <p:transition xmlns:p14="http://schemas.microsoft.com/office/powerpoint/2010/main" spd="slow">
+  <p:transition spd="slow">
     <p:wipe dir="d"/>
   </p:transition>
 </p:sldLayout>
@@ -10757,7 +10757,7 @@
               <a:pPr>
                 <a:defRPr kumimoji="0"/>
               </a:pPr>
-              <a:t>13/01/15</a:t>
+              <a:t>1/16/2013</a:t>
             </a:fld>
             <a:endParaRPr kumimoji="0"/>
           </a:p>
@@ -10827,7 +10827,7 @@
   <p:clrMapOvr>
     <a:masterClrMapping/>
   </p:clrMapOvr>
-  <p:transition xmlns:p14="http://schemas.microsoft.com/office/powerpoint/2010/main" spd="slow">
+  <p:transition spd="slow">
     <p:wipe dir="d"/>
   </p:transition>
 </p:sldLayout>
@@ -10985,7 +10985,7 @@
               <a:pPr>
                 <a:defRPr kumimoji="0"/>
               </a:pPr>
-              <a:t>13/01/15</a:t>
+              <a:t>1/16/2013</a:t>
             </a:fld>
             <a:endParaRPr kumimoji="0"/>
           </a:p>
@@ -11055,7 +11055,7 @@
   <p:clrMapOvr>
     <a:masterClrMapping/>
   </p:clrMapOvr>
-  <p:transition xmlns:p14="http://schemas.microsoft.com/office/powerpoint/2010/main" spd="slow">
+  <p:transition spd="slow">
     <p:wipe dir="d"/>
   </p:transition>
 </p:sldLayout>
@@ -11223,7 +11223,7 @@
               <a:pPr>
                 <a:defRPr kumimoji="0"/>
               </a:pPr>
-              <a:t>13/01/15</a:t>
+              <a:t>1/16/2013</a:t>
             </a:fld>
             <a:endParaRPr kumimoji="0"/>
           </a:p>
@@ -11293,7 +11293,7 @@
   <p:clrMapOvr>
     <a:masterClrMapping/>
   </p:clrMapOvr>
-  <p:transition xmlns:p14="http://schemas.microsoft.com/office/powerpoint/2010/main" spd="slow">
+  <p:transition spd="slow">
     <p:wipe dir="d"/>
   </p:transition>
 </p:sldLayout>
@@ -11433,11 +11433,7 @@
             <a:pPr lvl="0" eaLnBrk="1" latinLnBrk="0" hangingPunct="1"/>
             <a:r>
               <a:rPr kumimoji="0" lang="ja-JP" altLang="en-US" dirty="0" smtClean="0"/>
-              <a:t>マスター </a:t>
-            </a:r>
-            <a:r>
-              <a:rPr kumimoji="0" lang="ja-JP" altLang="en-US" dirty="0" smtClean="0"/>
-              <a:t>テキストの書式設定</a:t>
+              <a:t>マスター テキストの書式設定</a:t>
             </a:r>
           </a:p>
           <a:p>
@@ -11552,7 +11548,7 @@
               <a:pPr>
                 <a:defRPr kumimoji="0"/>
               </a:pPr>
-              <a:t>13/01/15</a:t>
+              <a:t>1/16/2013</a:t>
             </a:fld>
             <a:endParaRPr kumimoji="0"/>
           </a:p>
@@ -11710,13 +11706,13 @@
     <p:sldLayoutId id="2147483653" r:id="rId11"/>
     <p:sldLayoutId id="2147483665" r:id="rId12"/>
   </p:sldLayoutIdLst>
-  <p:transition xmlns:p14="http://schemas.microsoft.com/office/powerpoint/2010/main" spd="slow">
+  <p:transition spd="slow">
     <p:wipe dir="d"/>
   </p:transition>
   <p:timing>
     <p:tnLst>
       <p:par>
-        <p:cTn xmlns:p14="http://schemas.microsoft.com/office/powerpoint/2010/main" id="1" dur="indefinite" restart="never" nodeType="tmRoot"/>
+        <p:cTn id="1" dur="indefinite" restart="never" nodeType="tmRoot"/>
       </p:par>
     </p:tnLst>
   </p:timing>
@@ -12362,9 +12358,16 @@
   <p:clrMapOvr>
     <a:masterClrMapping/>
   </p:clrMapOvr>
-  <p:transition xmlns:p14="http://schemas.microsoft.com/office/powerpoint/2010/main" spd="slow">
+  <p:transition spd="slow">
     <p:wipe dir="d"/>
   </p:transition>
+  <p:timing>
+    <p:tnLst>
+      <p:par>
+        <p:cTn id="1" dur="indefinite" restart="never" nodeType="tmRoot"/>
+      </p:par>
+    </p:tnLst>
+  </p:timing>
 </p:sld>
 </file>
 
@@ -13254,7 +13257,7 @@
   <p:clrMapOvr>
     <a:masterClrMapping/>
   </p:clrMapOvr>
-  <p:transition xmlns:p14="http://schemas.microsoft.com/office/powerpoint/2010/main" spd="slow">
+  <p:transition spd="slow">
     <p:wipe dir="d"/>
   </p:transition>
 </p:sld>
@@ -13354,7 +13357,7 @@
   <p:clrMapOvr>
     <a:masterClrMapping/>
   </p:clrMapOvr>
-  <p:transition xmlns:p14="http://schemas.microsoft.com/office/powerpoint/2010/main" spd="slow">
+  <p:transition spd="slow">
     <p:wipe dir="d"/>
   </p:transition>
 </p:sld>
@@ -16546,7 +16549,7 @@
   <p:clrMapOvr>
     <a:masterClrMapping/>
   </p:clrMapOvr>
-  <p:transition xmlns:p14="http://schemas.microsoft.com/office/powerpoint/2010/main" spd="slow">
+  <p:transition spd="slow">
     <p:wipe dir="d"/>
   </p:transition>
 </p:sld>
@@ -19458,7 +19461,7 @@
   <p:clrMapOvr>
     <a:masterClrMapping/>
   </p:clrMapOvr>
-  <p:transition xmlns:p14="http://schemas.microsoft.com/office/powerpoint/2010/main" spd="slow">
+  <p:transition spd="slow">
     <p:wipe dir="d"/>
   </p:transition>
 </p:sld>
@@ -22293,7 +22296,7 @@
   <p:clrMapOvr>
     <a:masterClrMapping/>
   </p:clrMapOvr>
-  <p:transition xmlns:p14="http://schemas.microsoft.com/office/powerpoint/2010/main" spd="slow">
+  <p:transition spd="slow">
     <p:wipe dir="d"/>
   </p:transition>
 </p:sld>
@@ -23919,7 +23922,7 @@
   <p:clrMapOvr>
     <a:masterClrMapping/>
   </p:clrMapOvr>
-  <p:transition xmlns:p14="http://schemas.microsoft.com/office/powerpoint/2010/main" spd="slow">
+  <p:transition spd="slow">
     <p:wipe dir="d"/>
   </p:transition>
 </p:sld>
@@ -24094,7 +24097,7 @@
   <p:clrMapOvr>
     <a:masterClrMapping/>
   </p:clrMapOvr>
-  <p:transition xmlns:p14="http://schemas.microsoft.com/office/powerpoint/2010/main" spd="slow">
+  <p:transition spd="slow">
     <p:wipe dir="d"/>
   </p:transition>
 </p:sld>
@@ -24186,15 +24189,7 @@
             </a:pPr>
             <a:r>
               <a:rPr kumimoji="1" lang="ja-JP" altLang="en-US" dirty="0" smtClean="0"/>
-              <a:t>スケッチを</a:t>
-            </a:r>
-            <a:r>
-              <a:rPr kumimoji="1" lang="ja-JP" altLang="en-US" dirty="0" smtClean="0"/>
-              <a:t>書く</a:t>
-            </a:r>
-            <a:r>
-              <a:rPr kumimoji="1" lang="ja-JP" altLang="en-US" dirty="0" smtClean="0"/>
-              <a:t>／開く</a:t>
+              <a:t>スケッチを書く／開く</a:t>
             </a:r>
             <a:endParaRPr kumimoji="1" lang="en-US" altLang="ja-JP" dirty="0" smtClean="0"/>
           </a:p>
@@ -24210,11 +24205,7 @@
             </a:r>
             <a:r>
               <a:rPr kumimoji="1" lang="en-US" altLang="ja-JP" dirty="0" smtClean="0"/>
-              <a:t> </a:t>
-            </a:r>
-            <a:r>
-              <a:rPr kumimoji="1" lang="en-US" altLang="ja-JP" dirty="0" smtClean="0"/>
-              <a:t>&gt; Examples </a:t>
+              <a:t> &gt; Examples </a:t>
             </a:r>
             <a:r>
               <a:rPr kumimoji="1" lang="ja-JP" altLang="en-US" dirty="0" smtClean="0"/>
@@ -24222,11 +24213,7 @@
             </a:r>
             <a:r>
               <a:rPr kumimoji="1" lang="en-US" altLang="ja-JP" dirty="0" smtClean="0"/>
-              <a:t>&gt; </a:t>
-            </a:r>
-            <a:r>
-              <a:rPr kumimoji="1" lang="en-US" altLang="ja-JP" dirty="0" smtClean="0"/>
-              <a:t>01. Basics &gt; Blink  </a:t>
+              <a:t>&gt; 01. Basics &gt; Blink  </a:t>
             </a:r>
             <a:r>
               <a:rPr kumimoji="1" lang="ja-JP" altLang="en-US" dirty="0" smtClean="0"/>
@@ -24256,19 +24243,7 @@
             </a:r>
             <a:r>
               <a:rPr kumimoji="1" lang="ja-JP" altLang="en-US" dirty="0" smtClean="0"/>
-              <a:t>ボタンで、プログラムをボードに</a:t>
-            </a:r>
-            <a:r>
-              <a:rPr kumimoji="1" lang="ja-JP" altLang="en-US" dirty="0" smtClean="0"/>
-              <a:t>書き込</a:t>
-            </a:r>
-            <a:r>
-              <a:rPr kumimoji="1" lang="ja-JP" altLang="en-US" dirty="0" smtClean="0"/>
-              <a:t>む</a:t>
-            </a:r>
-            <a:r>
-              <a:rPr kumimoji="1" lang="ja-JP" altLang="en-US" dirty="0" smtClean="0"/>
-              <a:t>．</a:t>
+              <a:t>ボタンで、プログラムをボードに書き込む．</a:t>
             </a:r>
             <a:endParaRPr kumimoji="1" lang="en-US" altLang="ja-JP" dirty="0" smtClean="0"/>
           </a:p>
@@ -24292,7 +24267,7 @@
   <p:clrMapOvr>
     <a:masterClrMapping/>
   </p:clrMapOvr>
-  <p:transition xmlns:p14="http://schemas.microsoft.com/office/powerpoint/2010/main" spd="slow">
+  <p:transition spd="slow">
     <p:wipe dir="d"/>
   </p:transition>
 </p:sld>
@@ -24438,7 +24413,7 @@
   <p:clrMapOvr>
     <a:masterClrMapping/>
   </p:clrMapOvr>
-  <p:transition xmlns:p14="http://schemas.microsoft.com/office/powerpoint/2010/main" spd="slow">
+  <p:transition spd="slow">
     <p:wipe dir="d"/>
   </p:transition>
 </p:sld>
@@ -24602,7 +24577,7 @@
   <p:clrMapOvr>
     <a:masterClrMapping/>
   </p:clrMapOvr>
-  <p:transition xmlns:p14="http://schemas.microsoft.com/office/powerpoint/2010/main" spd="slow">
+  <p:transition spd="slow">
     <p:wipe dir="d"/>
   </p:transition>
 </p:sld>
@@ -24642,11 +24617,7 @@
           <a:p>
             <a:r>
               <a:rPr kumimoji="1" lang="ja-JP" altLang="en-US" dirty="0" smtClean="0"/>
-              <a:t>５．デジタル出力１ビットで</a:t>
-            </a:r>
-            <a:r>
-              <a:rPr kumimoji="1" lang="ja-JP" altLang="en-US" dirty="0" smtClean="0"/>
-              <a:t>できること</a:t>
+              <a:t>５．デジタル出力１ビットでできること</a:t>
             </a:r>
             <a:endParaRPr kumimoji="1" lang="ja-JP" altLang="en-US" dirty="0"/>
           </a:p>
@@ -24748,7 +24719,7 @@
   <p:clrMapOvr>
     <a:masterClrMapping/>
   </p:clrMapOvr>
-  <p:transition xmlns:p14="http://schemas.microsoft.com/office/powerpoint/2010/main" spd="slow">
+  <p:transition spd="slow">
     <p:wipe dir="d"/>
   </p:transition>
 </p:sld>
@@ -24854,11 +24825,7 @@
             </a:r>
             <a:r>
               <a:rPr kumimoji="1" lang="ja-JP" altLang="en-US" dirty="0" smtClean="0"/>
-              <a:t>マイコンボードに</a:t>
-            </a:r>
-            <a:r>
-              <a:rPr kumimoji="1" lang="ja-JP" altLang="en-US" dirty="0" smtClean="0"/>
-              <a:t>書き込む</a:t>
+              <a:t>マイコンボードに書き込む</a:t>
             </a:r>
             <a:endParaRPr kumimoji="1" lang="ja-JP" altLang="en-US" dirty="0"/>
           </a:p>
@@ -24869,15 +24836,7 @@
             </a:r>
             <a:r>
               <a:rPr kumimoji="1" lang="ja-JP" altLang="en-US" dirty="0" smtClean="0"/>
-              <a:t>シリアル</a:t>
-            </a:r>
-            <a:r>
-              <a:rPr kumimoji="1" lang="ja-JP" altLang="en-US" dirty="0" smtClean="0"/>
-              <a:t>モニタウィンドウ</a:t>
-            </a:r>
-            <a:r>
-              <a:rPr kumimoji="1" lang="ja-JP" altLang="en-US" dirty="0" smtClean="0"/>
-              <a:t>を開く</a:t>
+              <a:t>シリアルモニタウィンドウを開く</a:t>
             </a:r>
             <a:endParaRPr kumimoji="1" lang="en-US" altLang="ja-JP" dirty="0" smtClean="0"/>
           </a:p>
@@ -24912,7 +24871,7 @@
   <p:clrMapOvr>
     <a:masterClrMapping/>
   </p:clrMapOvr>
-  <p:transition xmlns:p14="http://schemas.microsoft.com/office/powerpoint/2010/main" spd="slow">
+  <p:transition spd="slow">
     <p:wipe dir="d"/>
   </p:transition>
 </p:sld>
@@ -25035,11 +24994,7 @@
             </a:r>
             <a:r>
               <a:rPr kumimoji="1" lang="en-US" altLang="ja-JP" dirty="0" smtClean="0"/>
-              <a:t>) </a:t>
-            </a:r>
-            <a:r>
-              <a:rPr kumimoji="1" lang="en-US" altLang="ja-JP" dirty="0" smtClean="0"/>
-              <a:t>･･･</a:t>
+              <a:t>) ･･･</a:t>
             </a:r>
             <a:r>
               <a:rPr kumimoji="1" lang="ja-JP" altLang="en-US" dirty="0" smtClean="0"/>
@@ -25131,9 +25086,16 @@
   <p:clrMapOvr>
     <a:masterClrMapping/>
   </p:clrMapOvr>
-  <p:transition xmlns:p14="http://schemas.microsoft.com/office/powerpoint/2010/main" spd="slow">
+  <p:transition spd="slow">
     <p:wipe dir="d"/>
   </p:transition>
+  <p:timing>
+    <p:tnLst>
+      <p:par>
+        <p:cTn id="1" dur="indefinite" restart="never" nodeType="tmRoot"/>
+      </p:par>
+    </p:tnLst>
+  </p:timing>
 </p:sld>
 </file>
 
@@ -25204,15 +25166,27 @@
             </a:r>
             <a:r>
               <a:rPr kumimoji="1" lang="ja-JP" altLang="en-US" dirty="0" smtClean="0"/>
-              <a:t>と出力するプログラムを書いてみよ</a:t>
+              <a:t>と出力するプログラムを書いて</a:t>
+            </a:r>
+            <a:r>
+              <a:rPr kumimoji="1" lang="ja-JP" altLang="en-US" dirty="0" smtClean="0"/>
+              <a:t>みよ</a:t>
+            </a:r>
+            <a:r>
+              <a:rPr kumimoji="1" lang="ja-JP" altLang="en-US" dirty="0"/>
+              <a:t>う</a:t>
             </a:r>
             <a:endParaRPr kumimoji="1" lang="en-US" altLang="ja-JP" dirty="0" smtClean="0"/>
           </a:p>
           <a:p>
             <a:pPr lvl="1"/>
             <a:r>
+              <a:rPr kumimoji="1" lang="ja-JP" altLang="en-US" smtClean="0"/>
+              <a:t>計算</a:t>
+            </a:r>
+            <a:r>
               <a:rPr kumimoji="1" lang="ja-JP" altLang="en-US" dirty="0" smtClean="0"/>
-              <a:t>ほかにも、計算の結果を出力したり、</a:t>
+              <a:t>の結果を出力したり、</a:t>
             </a:r>
             <a:r>
               <a:rPr kumimoji="1" lang="en-US" altLang="ja-JP" dirty="0" smtClean="0"/>
@@ -25262,9 +25236,16 @@
   <p:clrMapOvr>
     <a:masterClrMapping/>
   </p:clrMapOvr>
-  <p:transition xmlns:p14="http://schemas.microsoft.com/office/powerpoint/2010/main" spd="slow">
+  <p:transition spd="slow">
     <p:wipe dir="d"/>
   </p:transition>
+  <p:timing>
+    <p:tnLst>
+      <p:par>
+        <p:cTn id="1" dur="indefinite" restart="never" nodeType="tmRoot"/>
+      </p:par>
+    </p:tnLst>
+  </p:timing>
 </p:sld>
 </file>
 

--- a/CS2/Arduino入門：Arduino IDE 言語篇.pptx
+++ b/CS2/Arduino入門：Arduino IDE 言語篇.pptx
@@ -5,10 +5,10 @@
     <p:sldMasterId id="2147483648" r:id="rId1"/>
   </p:sldMasterIdLst>
   <p:notesMasterIdLst>
-    <p:notesMasterId r:id="rId17"/>
+    <p:notesMasterId r:id="rId24"/>
   </p:notesMasterIdLst>
   <p:handoutMasterIdLst>
-    <p:handoutMasterId r:id="rId18"/>
+    <p:handoutMasterId r:id="rId25"/>
   </p:handoutMasterIdLst>
   <p:sldIdLst>
     <p:sldId id="256" r:id="rId2"/>
@@ -16,16 +16,23 @@
     <p:sldId id="259" r:id="rId4"/>
     <p:sldId id="258" r:id="rId5"/>
     <p:sldId id="261" r:id="rId6"/>
-    <p:sldId id="262" r:id="rId7"/>
-    <p:sldId id="270" r:id="rId8"/>
-    <p:sldId id="271" r:id="rId9"/>
-    <p:sldId id="272" r:id="rId10"/>
-    <p:sldId id="264" r:id="rId11"/>
-    <p:sldId id="265" r:id="rId12"/>
-    <p:sldId id="266" r:id="rId13"/>
-    <p:sldId id="267" r:id="rId14"/>
-    <p:sldId id="268" r:id="rId15"/>
-    <p:sldId id="269" r:id="rId16"/>
+    <p:sldId id="273" r:id="rId7"/>
+    <p:sldId id="275" r:id="rId8"/>
+    <p:sldId id="274" r:id="rId9"/>
+    <p:sldId id="262" r:id="rId10"/>
+    <p:sldId id="270" r:id="rId11"/>
+    <p:sldId id="271" r:id="rId12"/>
+    <p:sldId id="272" r:id="rId13"/>
+    <p:sldId id="276" r:id="rId14"/>
+    <p:sldId id="277" r:id="rId15"/>
+    <p:sldId id="278" r:id="rId16"/>
+    <p:sldId id="279" r:id="rId17"/>
+    <p:sldId id="264" r:id="rId18"/>
+    <p:sldId id="265" r:id="rId19"/>
+    <p:sldId id="266" r:id="rId20"/>
+    <p:sldId id="267" r:id="rId21"/>
+    <p:sldId id="268" r:id="rId22"/>
+    <p:sldId id="269" r:id="rId23"/>
   </p:sldIdLst>
   <p:sldSz cx="9144000" cy="6858000" type="screen4x3"/>
   <p:notesSz cx="6858000" cy="9144000"/>
@@ -3818,12 +3825,12 @@
         <a:fontRef idx="minor"/>
       </dsp:style>
       <dsp:txBody>
-        <a:bodyPr spcFirstLastPara="0" vert="horz" wrap="square" lIns="106680" tIns="19050" rIns="106680" bIns="19050" numCol="1" spcCol="1270" anchor="ctr" anchorCtr="0">
+        <a:bodyPr spcFirstLastPara="0" vert="horz" wrap="square" lIns="113792" tIns="20320" rIns="113792" bIns="20320" numCol="1" spcCol="1270" anchor="ctr" anchorCtr="0">
           <a:noAutofit/>
         </a:bodyPr>
         <a:lstStyle/>
         <a:p>
-          <a:pPr lvl="0" algn="ctr" defTabSz="666750">
+          <a:pPr lvl="0" algn="ctr" defTabSz="711200">
             <a:lnSpc>
               <a:spcPct val="90000"/>
             </a:lnSpc>
@@ -3834,7 +3841,7 @@
               <a:spcPct val="35000"/>
             </a:spcAft>
           </a:pPr>
-          <a:endParaRPr kumimoji="1" lang="ja-JP" altLang="en-US" sz="1500" kern="1200" dirty="0"/>
+          <a:endParaRPr kumimoji="1" lang="ja-JP" altLang="en-US" sz="1600" kern="1200" dirty="0"/>
         </a:p>
       </dsp:txBody>
       <dsp:txXfrm>
@@ -3975,12 +3982,12 @@
         <a:fontRef idx="minor"/>
       </dsp:style>
       <dsp:txBody>
-        <a:bodyPr spcFirstLastPara="0" vert="horz" wrap="square" lIns="106680" tIns="19050" rIns="106680" bIns="19050" numCol="1" spcCol="1270" anchor="ctr" anchorCtr="0">
+        <a:bodyPr spcFirstLastPara="0" vert="horz" wrap="square" lIns="113792" tIns="20320" rIns="113792" bIns="20320" numCol="1" spcCol="1270" anchor="ctr" anchorCtr="0">
           <a:noAutofit/>
         </a:bodyPr>
         <a:lstStyle/>
         <a:p>
-          <a:pPr lvl="0" algn="ctr" defTabSz="666750">
+          <a:pPr lvl="0" algn="ctr" defTabSz="711200">
             <a:lnSpc>
               <a:spcPct val="90000"/>
             </a:lnSpc>
@@ -3991,7 +3998,7 @@
               <a:spcPct val="35000"/>
             </a:spcAft>
           </a:pPr>
-          <a:endParaRPr kumimoji="1" lang="ja-JP" altLang="en-US" sz="1500" kern="1200" dirty="0"/>
+          <a:endParaRPr kumimoji="1" lang="ja-JP" altLang="en-US" sz="1600" kern="1200" dirty="0"/>
         </a:p>
       </dsp:txBody>
       <dsp:txXfrm>
@@ -4127,12 +4134,12 @@
         <a:fontRef idx="minor"/>
       </dsp:style>
       <dsp:txBody>
-        <a:bodyPr spcFirstLastPara="0" vert="horz" wrap="square" lIns="106680" tIns="19050" rIns="106680" bIns="19050" numCol="1" spcCol="1270" anchor="ctr" anchorCtr="0">
+        <a:bodyPr spcFirstLastPara="0" vert="horz" wrap="square" lIns="113792" tIns="20320" rIns="113792" bIns="20320" numCol="1" spcCol="1270" anchor="ctr" anchorCtr="0">
           <a:noAutofit/>
         </a:bodyPr>
         <a:lstStyle/>
         <a:p>
-          <a:pPr lvl="0" algn="ctr" defTabSz="666750">
+          <a:pPr lvl="0" algn="ctr" defTabSz="711200">
             <a:lnSpc>
               <a:spcPct val="90000"/>
             </a:lnSpc>
@@ -4144,14 +4151,14 @@
             </a:spcAft>
           </a:pPr>
           <a:r>
-            <a:rPr kumimoji="1" lang="en-US" altLang="ja-JP" sz="1500" kern="1200" dirty="0" smtClean="0"/>
+            <a:rPr kumimoji="1" lang="en-US" altLang="ja-JP" sz="1600" kern="1200" dirty="0" smtClean="0"/>
             <a:t>OS</a:t>
           </a:r>
           <a:r>
-            <a:rPr kumimoji="1" lang="ja-JP" altLang="en-US" sz="1500" kern="1200" dirty="0" smtClean="0"/>
+            <a:rPr kumimoji="1" lang="ja-JP" altLang="en-US" sz="1600" kern="1200" dirty="0" smtClean="0"/>
             <a:t>が必要な場合自分で書く</a:t>
           </a:r>
-          <a:endParaRPr kumimoji="1" lang="ja-JP" altLang="en-US" sz="1500" kern="1200" dirty="0"/>
+          <a:endParaRPr kumimoji="1" lang="ja-JP" altLang="en-US" sz="1600" kern="1200" dirty="0"/>
         </a:p>
       </dsp:txBody>
       <dsp:txXfrm>
@@ -4287,12 +4294,12 @@
         <a:fontRef idx="minor"/>
       </dsp:style>
       <dsp:txBody>
-        <a:bodyPr spcFirstLastPara="0" vert="horz" wrap="square" lIns="106680" tIns="19050" rIns="106680" bIns="19050" numCol="1" spcCol="1270" anchor="ctr" anchorCtr="0">
+        <a:bodyPr spcFirstLastPara="0" vert="horz" wrap="square" lIns="113792" tIns="20320" rIns="113792" bIns="20320" numCol="1" spcCol="1270" anchor="ctr" anchorCtr="0">
           <a:noAutofit/>
         </a:bodyPr>
         <a:lstStyle/>
         <a:p>
-          <a:pPr lvl="0" algn="ctr" defTabSz="666750">
+          <a:pPr lvl="0" algn="ctr" defTabSz="711200">
             <a:lnSpc>
               <a:spcPct val="90000"/>
             </a:lnSpc>
@@ -4304,10 +4311,10 @@
             </a:spcAft>
           </a:pPr>
           <a:r>
-            <a:rPr kumimoji="1" lang="ja-JP" altLang="en-US" sz="1500" kern="1200" dirty="0" smtClean="0"/>
+            <a:rPr kumimoji="1" lang="ja-JP" altLang="en-US" sz="1600" kern="1200" dirty="0" smtClean="0"/>
             <a:t>コンパイルしてバイナリファイルを生成</a:t>
           </a:r>
-          <a:endParaRPr kumimoji="1" lang="ja-JP" altLang="en-US" sz="1500" kern="1200" dirty="0"/>
+          <a:endParaRPr kumimoji="1" lang="ja-JP" altLang="en-US" sz="1600" kern="1200" dirty="0"/>
         </a:p>
       </dsp:txBody>
       <dsp:txXfrm>
@@ -4443,12 +4450,12 @@
         <a:fontRef idx="minor"/>
       </dsp:style>
       <dsp:txBody>
-        <a:bodyPr spcFirstLastPara="0" vert="horz" wrap="square" lIns="106680" tIns="19050" rIns="106680" bIns="19050" numCol="1" spcCol="1270" anchor="ctr" anchorCtr="0">
+        <a:bodyPr spcFirstLastPara="0" vert="horz" wrap="square" lIns="113792" tIns="20320" rIns="113792" bIns="20320" numCol="1" spcCol="1270" anchor="ctr" anchorCtr="0">
           <a:noAutofit/>
         </a:bodyPr>
         <a:lstStyle/>
         <a:p>
-          <a:pPr lvl="0" algn="ctr" defTabSz="666750">
+          <a:pPr lvl="0" algn="ctr" defTabSz="711200">
             <a:lnSpc>
               <a:spcPct val="90000"/>
             </a:lnSpc>
@@ -4460,10 +4467,10 @@
             </a:spcAft>
           </a:pPr>
           <a:r>
-            <a:rPr kumimoji="1" lang="ja-JP" altLang="en-US" sz="1500" kern="1200" dirty="0" smtClean="0"/>
+            <a:rPr kumimoji="1" lang="ja-JP" altLang="en-US" sz="1600" kern="1200" dirty="0" smtClean="0"/>
             <a:t>エディタでテキストファイルを編集</a:t>
           </a:r>
-          <a:endParaRPr kumimoji="1" lang="ja-JP" altLang="en-US" sz="1500" kern="1200" dirty="0"/>
+          <a:endParaRPr kumimoji="1" lang="ja-JP" altLang="en-US" sz="1600" kern="1200" dirty="0"/>
         </a:p>
       </dsp:txBody>
       <dsp:txXfrm>
@@ -7358,7 +7365,7 @@
               <a:pPr>
                 <a:defRPr/>
               </a:pPr>
-              <a:t>1/16/2013</a:t>
+              <a:t>13/01/17</a:t>
             </a:fld>
             <a:endParaRPr dirty="0"/>
           </a:p>
@@ -7577,7 +7584,7 @@
               <a:pPr>
                 <a:defRPr/>
               </a:pPr>
-              <a:t>1/16/2013</a:t>
+              <a:t>13/01/17</a:t>
             </a:fld>
             <a:endParaRPr/>
           </a:p>
@@ -8182,13 +8189,13 @@
   <p:clrMapOvr>
     <a:masterClrMapping/>
   </p:clrMapOvr>
-  <p:transition spd="slow">
+  <p:transition xmlns:p14="http://schemas.microsoft.com/office/powerpoint/2010/main" spd="slow">
     <p:wipe dir="d"/>
   </p:transition>
   <p:timing>
     <p:tnLst>
       <p:par>
-        <p:cTn id="1" dur="indefinite" restart="never" nodeType="tmRoot">
+        <p:cTn xmlns:p14="http://schemas.microsoft.com/office/powerpoint/2010/main" id="1" dur="indefinite" restart="never" nodeType="tmRoot">
           <p:childTnLst>
             <p:seq concurrent="1" nextAc="seek">
               <p:cTn id="2" dur="indefinite" nodeType="mainSeq">
@@ -8342,7 +8349,7 @@
               <a:pPr>
                 <a:defRPr kumimoji="0"/>
               </a:pPr>
-              <a:t>1/16/2013</a:t>
+              <a:t>13/01/17</a:t>
             </a:fld>
             <a:endParaRPr kumimoji="0"/>
           </a:p>
@@ -8412,7 +8419,7 @@
   <p:clrMapOvr>
     <a:masterClrMapping/>
   </p:clrMapOvr>
-  <p:transition spd="slow">
+  <p:transition xmlns:p14="http://schemas.microsoft.com/office/powerpoint/2010/main" spd="slow">
     <p:wipe dir="d"/>
   </p:transition>
 </p:sldLayout>
@@ -8462,7 +8469,7 @@
               <a:pPr>
                 <a:defRPr kumimoji="0"/>
               </a:pPr>
-              <a:t>1/16/2013</a:t>
+              <a:t>13/01/17</a:t>
             </a:fld>
             <a:endParaRPr kumimoji="0"/>
           </a:p>
@@ -8532,7 +8539,7 @@
   <p:clrMapOvr>
     <a:masterClrMapping/>
   </p:clrMapOvr>
-  <p:transition spd="slow">
+  <p:transition xmlns:p14="http://schemas.microsoft.com/office/powerpoint/2010/main" spd="slow">
     <p:wipe dir="d"/>
   </p:transition>
 </p:sldLayout>
@@ -8614,7 +8621,7 @@
               <a:pPr>
                 <a:defRPr kumimoji="0"/>
               </a:pPr>
-              <a:t>1/16/2013</a:t>
+              <a:t>13/01/17</a:t>
             </a:fld>
             <a:endParaRPr kumimoji="0"/>
           </a:p>
@@ -8684,7 +8691,7 @@
   <p:clrMapOvr>
     <a:masterClrMapping/>
   </p:clrMapOvr>
-  <p:transition spd="slow">
+  <p:transition xmlns:p14="http://schemas.microsoft.com/office/powerpoint/2010/main" spd="slow">
     <p:wipe dir="d"/>
   </p:transition>
 </p:sldLayout>
@@ -8871,7 +8878,7 @@
               <a:pPr>
                 <a:defRPr kumimoji="0"/>
               </a:pPr>
-              <a:t>1/16/2013</a:t>
+              <a:t>13/01/17</a:t>
             </a:fld>
             <a:endParaRPr kumimoji="0" dirty="0"/>
           </a:p>
@@ -8941,13 +8948,13 @@
   <p:clrMapOvr>
     <a:masterClrMapping/>
   </p:clrMapOvr>
-  <p:transition spd="slow">
+  <p:transition xmlns:p14="http://schemas.microsoft.com/office/powerpoint/2010/main" spd="slow">
     <p:wipe dir="d"/>
   </p:transition>
   <p:timing>
     <p:tnLst>
       <p:par>
-        <p:cTn id="1" dur="indefinite" restart="never" nodeType="tmRoot">
+        <p:cTn xmlns:p14="http://schemas.microsoft.com/office/powerpoint/2010/main" id="1" dur="indefinite" restart="never" nodeType="tmRoot">
           <p:childTnLst>
             <p:seq concurrent="1" nextAc="seek">
               <p:cTn id="2" dur="indefinite" nodeType="mainSeq">
@@ -9239,7 +9246,7 @@
               <a:pPr>
                 <a:defRPr kumimoji="0"/>
               </a:pPr>
-              <a:t>1/16/2013</a:t>
+              <a:t>13/01/17</a:t>
             </a:fld>
             <a:endParaRPr kumimoji="0"/>
           </a:p>
@@ -9309,13 +9316,13 @@
   <p:clrMapOvr>
     <a:masterClrMapping/>
   </p:clrMapOvr>
-  <p:transition spd="slow">
+  <p:transition xmlns:p14="http://schemas.microsoft.com/office/powerpoint/2010/main" spd="slow">
     <p:wipe dir="d"/>
   </p:transition>
   <p:timing>
     <p:tnLst>
       <p:par>
-        <p:cTn id="1" dur="indefinite" restart="never" nodeType="tmRoot"/>
+        <p:cTn xmlns:p14="http://schemas.microsoft.com/office/powerpoint/2010/main" id="1" dur="indefinite" restart="never" nodeType="tmRoot"/>
       </p:par>
     </p:tnLst>
   </p:timing>
@@ -9624,7 +9631,7 @@
               <a:pPr>
                 <a:defRPr kumimoji="0"/>
               </a:pPr>
-              <a:t>1/16/2013</a:t>
+              <a:t>13/01/17</a:t>
             </a:fld>
             <a:endParaRPr kumimoji="0"/>
           </a:p>
@@ -9694,7 +9701,7 @@
   <p:clrMapOvr>
     <a:masterClrMapping/>
   </p:clrMapOvr>
-  <p:transition spd="slow">
+  <p:transition xmlns:p14="http://schemas.microsoft.com/office/powerpoint/2010/main" spd="slow">
     <p:wipe dir="d"/>
   </p:transition>
 </p:sldLayout>
@@ -10136,7 +10143,7 @@
               <a:pPr>
                 <a:defRPr kumimoji="0"/>
               </a:pPr>
-              <a:t>1/16/2013</a:t>
+              <a:t>13/01/17</a:t>
             </a:fld>
             <a:endParaRPr kumimoji="0"/>
           </a:p>
@@ -10206,7 +10213,7 @@
   <p:clrMapOvr>
     <a:masterClrMapping/>
   </p:clrMapOvr>
-  <p:transition spd="slow">
+  <p:transition xmlns:p14="http://schemas.microsoft.com/office/powerpoint/2010/main" spd="slow">
     <p:wipe dir="d"/>
   </p:transition>
 </p:sldLayout>
@@ -10471,7 +10478,7 @@
               <a:pPr>
                 <a:defRPr kumimoji="0"/>
               </a:pPr>
-              <a:t>1/16/2013</a:t>
+              <a:t>13/01/17</a:t>
             </a:fld>
             <a:endParaRPr kumimoji="0"/>
           </a:p>
@@ -10541,7 +10548,7 @@
   <p:clrMapOvr>
     <a:masterClrMapping/>
   </p:clrMapOvr>
-  <p:transition spd="slow">
+  <p:transition xmlns:p14="http://schemas.microsoft.com/office/powerpoint/2010/main" spd="slow">
     <p:wipe dir="d"/>
   </p:transition>
 </p:sldLayout>
@@ -10757,7 +10764,7 @@
               <a:pPr>
                 <a:defRPr kumimoji="0"/>
               </a:pPr>
-              <a:t>1/16/2013</a:t>
+              <a:t>13/01/17</a:t>
             </a:fld>
             <a:endParaRPr kumimoji="0"/>
           </a:p>
@@ -10827,7 +10834,7 @@
   <p:clrMapOvr>
     <a:masterClrMapping/>
   </p:clrMapOvr>
-  <p:transition spd="slow">
+  <p:transition xmlns:p14="http://schemas.microsoft.com/office/powerpoint/2010/main" spd="slow">
     <p:wipe dir="d"/>
   </p:transition>
 </p:sldLayout>
@@ -10985,7 +10992,7 @@
               <a:pPr>
                 <a:defRPr kumimoji="0"/>
               </a:pPr>
-              <a:t>1/16/2013</a:t>
+              <a:t>13/01/17</a:t>
             </a:fld>
             <a:endParaRPr kumimoji="0"/>
           </a:p>
@@ -11055,7 +11062,7 @@
   <p:clrMapOvr>
     <a:masterClrMapping/>
   </p:clrMapOvr>
-  <p:transition spd="slow">
+  <p:transition xmlns:p14="http://schemas.microsoft.com/office/powerpoint/2010/main" spd="slow">
     <p:wipe dir="d"/>
   </p:transition>
 </p:sldLayout>
@@ -11223,7 +11230,7 @@
               <a:pPr>
                 <a:defRPr kumimoji="0"/>
               </a:pPr>
-              <a:t>1/16/2013</a:t>
+              <a:t>13/01/17</a:t>
             </a:fld>
             <a:endParaRPr kumimoji="0"/>
           </a:p>
@@ -11293,7 +11300,7 @@
   <p:clrMapOvr>
     <a:masterClrMapping/>
   </p:clrMapOvr>
-  <p:transition spd="slow">
+  <p:transition xmlns:p14="http://schemas.microsoft.com/office/powerpoint/2010/main" spd="slow">
     <p:wipe dir="d"/>
   </p:transition>
 </p:sldLayout>
@@ -11548,7 +11555,7 @@
               <a:pPr>
                 <a:defRPr kumimoji="0"/>
               </a:pPr>
-              <a:t>1/16/2013</a:t>
+              <a:t>13/01/17</a:t>
             </a:fld>
             <a:endParaRPr kumimoji="0"/>
           </a:p>
@@ -11706,13 +11713,13 @@
     <p:sldLayoutId id="2147483653" r:id="rId11"/>
     <p:sldLayoutId id="2147483665" r:id="rId12"/>
   </p:sldLayoutIdLst>
-  <p:transition spd="slow">
+  <p:transition xmlns:p14="http://schemas.microsoft.com/office/powerpoint/2010/main" spd="slow">
     <p:wipe dir="d"/>
   </p:transition>
   <p:timing>
     <p:tnLst>
       <p:par>
-        <p:cTn id="1" dur="indefinite" restart="never" nodeType="tmRoot"/>
+        <p:cTn xmlns:p14="http://schemas.microsoft.com/office/powerpoint/2010/main" id="1" dur="indefinite" restart="never" nodeType="tmRoot"/>
       </p:par>
     </p:tnLst>
   </p:timing>
@@ -12358,13 +12365,13 @@
   <p:clrMapOvr>
     <a:masterClrMapping/>
   </p:clrMapOvr>
-  <p:transition spd="slow">
+  <p:transition xmlns:p14="http://schemas.microsoft.com/office/powerpoint/2010/main" spd="slow">
     <p:wipe dir="d"/>
   </p:transition>
   <p:timing>
     <p:tnLst>
       <p:par>
-        <p:cTn id="1" dur="indefinite" restart="never" nodeType="tmRoot"/>
+        <p:cTn xmlns:p14="http://schemas.microsoft.com/office/powerpoint/2010/main" id="1" dur="indefinite" restart="never" nodeType="tmRoot"/>
       </p:par>
     </p:tnLst>
   </p:timing>
@@ -12372,6 +12379,912 @@
 </file>
 
 <file path=ppt/slides/slide10.xml><?xml version="1.0" encoding="utf-8"?>
+<p:sld xmlns:a="http://schemas.openxmlformats.org/drawingml/2006/main" xmlns:r="http://schemas.openxmlformats.org/officeDocument/2006/relationships" xmlns:p="http://schemas.openxmlformats.org/presentationml/2006/main">
+  <p:cSld>
+    <p:spTree>
+      <p:nvGrpSpPr>
+        <p:cNvPr id="1" name=""/>
+        <p:cNvGrpSpPr/>
+        <p:nvPr/>
+      </p:nvGrpSpPr>
+      <p:grpSpPr>
+        <a:xfrm>
+          <a:off x="0" y="0"/>
+          <a:ext cx="0" cy="0"/>
+          <a:chOff x="0" y="0"/>
+          <a:chExt cx="0" cy="0"/>
+        </a:xfrm>
+      </p:grpSpPr>
+      <p:sp>
+        <p:nvSpPr>
+          <p:cNvPr id="2" name="タイトル 1"/>
+          <p:cNvSpPr>
+            <a:spLocks noGrp="1"/>
+          </p:cNvSpPr>
+          <p:nvPr>
+            <p:ph type="title"/>
+          </p:nvPr>
+        </p:nvSpPr>
+        <p:spPr/>
+        <p:txBody>
+          <a:bodyPr/>
+          <a:lstStyle/>
+          <a:p>
+            <a:r>
+              <a:rPr kumimoji="1" lang="ja-JP" altLang="en-US" dirty="0"/>
+              <a:t>６．シリアルポートで文字通信</a:t>
+            </a:r>
+          </a:p>
+        </p:txBody>
+      </p:sp>
+      <p:sp>
+        <p:nvSpPr>
+          <p:cNvPr id="3" name="コンテンツ プレースホルダー 2"/>
+          <p:cNvSpPr>
+            <a:spLocks noGrp="1"/>
+          </p:cNvSpPr>
+          <p:nvPr>
+            <p:ph idx="1"/>
+          </p:nvPr>
+        </p:nvSpPr>
+        <p:spPr/>
+        <p:txBody>
+          <a:bodyPr>
+            <a:normAutofit fontScale="92500" lnSpcReduction="10000"/>
+          </a:bodyPr>
+          <a:lstStyle/>
+          <a:p>
+            <a:r>
+              <a:rPr kumimoji="1" lang="ja-JP" altLang="en-US" dirty="0"/>
+              <a:t>ＰＣと文字通信する</a:t>
+            </a:r>
+          </a:p>
+          <a:p>
+            <a:pPr lvl="1"/>
+            <a:r>
+              <a:rPr kumimoji="1" lang="en-US" altLang="ja-JP" dirty="0" smtClean="0"/>
+              <a:t>Files </a:t>
+            </a:r>
+            <a:r>
+              <a:rPr kumimoji="1" lang="ja-JP" altLang="en-US" dirty="0"/>
+              <a:t>ファイル</a:t>
+            </a:r>
+            <a:r>
+              <a:rPr kumimoji="1" lang="en-US" altLang="ja-JP" dirty="0"/>
+              <a:t>&gt; Examples</a:t>
+            </a:r>
+            <a:r>
+              <a:rPr kumimoji="1" lang="ja-JP" altLang="en-US" dirty="0"/>
+              <a:t>スケッチの例 </a:t>
+            </a:r>
+            <a:r>
+              <a:rPr kumimoji="1" lang="en-US" altLang="ja-JP" dirty="0"/>
+              <a:t>&gt; 04.Communication&gt; ASCII Table  </a:t>
+            </a:r>
+            <a:r>
+              <a:rPr kumimoji="1" lang="ja-JP" altLang="en-US" dirty="0"/>
+              <a:t>を開く</a:t>
+            </a:r>
+          </a:p>
+          <a:p>
+            <a:pPr lvl="1"/>
+            <a:r>
+              <a:rPr kumimoji="1" lang="ja-JP" altLang="en-US" dirty="0" smtClean="0"/>
+              <a:t>プログラムを</a:t>
+            </a:r>
+            <a:r>
+              <a:rPr kumimoji="1" lang="en-US" altLang="ja-JP" dirty="0" smtClean="0"/>
+              <a:t> Upload </a:t>
+            </a:r>
+            <a:r>
+              <a:rPr kumimoji="1" lang="ja-JP" altLang="en-US" dirty="0" smtClean="0"/>
+              <a:t>マイコンボードに書き込む</a:t>
+            </a:r>
+            <a:endParaRPr kumimoji="1" lang="ja-JP" altLang="en-US" dirty="0"/>
+          </a:p>
+          <a:p>
+            <a:r>
+              <a:rPr kumimoji="1" lang="en-US" altLang="ja-JP" dirty="0" smtClean="0"/>
+              <a:t>Terminal </a:t>
+            </a:r>
+            <a:r>
+              <a:rPr kumimoji="1" lang="ja-JP" altLang="en-US" dirty="0" smtClean="0"/>
+              <a:t>シリアルモニタ</a:t>
+            </a:r>
+            <a:r>
+              <a:rPr kumimoji="1" lang="ja-JP" altLang="en-US" dirty="0" smtClean="0"/>
+              <a:t>ボタンをクリックして</a:t>
+            </a:r>
+            <a:r>
+              <a:rPr kumimoji="1" lang="en-US" altLang="ja-JP" dirty="0" smtClean="0"/>
+              <a:t/>
+            </a:r>
+            <a:br>
+              <a:rPr kumimoji="1" lang="en-US" altLang="ja-JP" dirty="0" smtClean="0"/>
+            </a:br>
+            <a:r>
+              <a:rPr kumimoji="1" lang="ja-JP" altLang="en-US" dirty="0" smtClean="0"/>
+              <a:t>ウィンドウ</a:t>
+            </a:r>
+            <a:r>
+              <a:rPr kumimoji="1" lang="ja-JP" altLang="en-US" dirty="0" smtClean="0"/>
+              <a:t>を開く</a:t>
+            </a:r>
+            <a:endParaRPr kumimoji="1" lang="en-US" altLang="ja-JP" dirty="0" smtClean="0"/>
+          </a:p>
+          <a:p>
+            <a:pPr lvl="1"/>
+            <a:r>
+              <a:rPr kumimoji="1" lang="ja-JP" altLang="en-US" dirty="0" smtClean="0"/>
+              <a:t>ウィンドウ右下のＰＣ側通信速度（ボーレート）を確認．</a:t>
+            </a:r>
+            <a:r>
+              <a:rPr kumimoji="1" lang="en-US" altLang="ja-JP" dirty="0" smtClean="0"/>
+              <a:t/>
+            </a:r>
+            <a:br>
+              <a:rPr kumimoji="1" lang="en-US" altLang="ja-JP" dirty="0" smtClean="0"/>
+            </a:br>
+            <a:r>
+              <a:rPr kumimoji="1" lang="ja-JP" altLang="en-US" dirty="0" smtClean="0"/>
+              <a:t>マイコン側と速度が違うと文字化けする</a:t>
+            </a:r>
+            <a:endParaRPr kumimoji="1" lang="en-US" altLang="ja-JP" dirty="0" smtClean="0"/>
+          </a:p>
+        </p:txBody>
+      </p:sp>
+      <p:pic>
+        <p:nvPicPr>
+          <p:cNvPr id="4" name="図 3"/>
+          <p:cNvPicPr>
+            <a:picLocks noChangeAspect="1"/>
+          </p:cNvPicPr>
+          <p:nvPr/>
+        </p:nvPicPr>
+        <p:blipFill>
+          <a:blip r:embed="rId2"/>
+          <a:stretch>
+            <a:fillRect/>
+          </a:stretch>
+        </p:blipFill>
+        <p:spPr>
+          <a:xfrm>
+            <a:off x="4932040" y="3645024"/>
+            <a:ext cx="266700" cy="266700"/>
+          </a:xfrm>
+          <a:prstGeom prst="rect">
+            <a:avLst/>
+          </a:prstGeom>
+        </p:spPr>
+      </p:pic>
+    </p:spTree>
+    <p:extLst>
+      <p:ext uri="{BB962C8B-B14F-4D97-AF65-F5344CB8AC3E}">
+        <p14:creationId xmlns:p14="http://schemas.microsoft.com/office/powerpoint/2010/main" val="1087895294"/>
+      </p:ext>
+    </p:extLst>
+  </p:cSld>
+  <p:clrMapOvr>
+    <a:masterClrMapping/>
+  </p:clrMapOvr>
+  <p:transition xmlns:p14="http://schemas.microsoft.com/office/powerpoint/2010/main" spd="slow">
+    <p:wipe dir="d"/>
+  </p:transition>
+</p:sld>
+</file>
+
+<file path=ppt/slides/slide11.xml><?xml version="1.0" encoding="utf-8"?>
+<p:sld xmlns:a="http://schemas.openxmlformats.org/drawingml/2006/main" xmlns:r="http://schemas.openxmlformats.org/officeDocument/2006/relationships" xmlns:p="http://schemas.openxmlformats.org/presentationml/2006/main">
+  <p:cSld>
+    <p:spTree>
+      <p:nvGrpSpPr>
+        <p:cNvPr id="1" name=""/>
+        <p:cNvGrpSpPr/>
+        <p:nvPr/>
+      </p:nvGrpSpPr>
+      <p:grpSpPr>
+        <a:xfrm>
+          <a:off x="0" y="0"/>
+          <a:ext cx="0" cy="0"/>
+          <a:chOff x="0" y="0"/>
+          <a:chExt cx="0" cy="0"/>
+        </a:xfrm>
+      </p:grpSpPr>
+      <p:sp>
+        <p:nvSpPr>
+          <p:cNvPr id="2" name="タイトル 1"/>
+          <p:cNvSpPr>
+            <a:spLocks noGrp="1"/>
+          </p:cNvSpPr>
+          <p:nvPr>
+            <p:ph type="title"/>
+          </p:nvPr>
+        </p:nvSpPr>
+        <p:spPr/>
+        <p:txBody>
+          <a:bodyPr/>
+          <a:lstStyle/>
+          <a:p>
+            <a:r>
+              <a:rPr kumimoji="1" lang="ja-JP" altLang="en-US" dirty="0" smtClean="0"/>
+              <a:t>７．シリアルポートの使い方</a:t>
+            </a:r>
+            <a:endParaRPr kumimoji="1" lang="ja-JP" altLang="en-US" dirty="0"/>
+          </a:p>
+        </p:txBody>
+      </p:sp>
+      <p:sp>
+        <p:nvSpPr>
+          <p:cNvPr id="3" name="コンテンツ プレースホルダー 2"/>
+          <p:cNvSpPr>
+            <a:spLocks noGrp="1"/>
+          </p:cNvSpPr>
+          <p:nvPr>
+            <p:ph idx="1"/>
+          </p:nvPr>
+        </p:nvSpPr>
+        <p:spPr/>
+        <p:txBody>
+          <a:bodyPr>
+            <a:normAutofit fontScale="92500" lnSpcReduction="10000"/>
+          </a:bodyPr>
+          <a:lstStyle/>
+          <a:p>
+            <a:r>
+              <a:rPr kumimoji="1" lang="en-US" altLang="ja-JP" dirty="0" smtClean="0"/>
+              <a:t>setup() </a:t>
+            </a:r>
+            <a:r>
+              <a:rPr kumimoji="1" lang="ja-JP" altLang="en-US" dirty="0" smtClean="0"/>
+              <a:t>でポートの通信速度を</a:t>
+            </a:r>
+            <a:r>
+              <a:rPr kumimoji="1" lang="ja-JP" altLang="en-US" dirty="0" smtClean="0"/>
+              <a:t>セット</a:t>
+            </a:r>
+            <a:endParaRPr kumimoji="1" lang="en-US" altLang="ja-JP" dirty="0" smtClean="0"/>
+          </a:p>
+          <a:p>
+            <a:pPr lvl="1"/>
+            <a:r>
+              <a:rPr kumimoji="1" lang="en-US" altLang="ja-JP" dirty="0" err="1" smtClean="0"/>
+              <a:t>Serial.begin</a:t>
+            </a:r>
+            <a:r>
+              <a:rPr kumimoji="1" lang="en-US" altLang="ja-JP" dirty="0" smtClean="0"/>
+              <a:t>(</a:t>
+            </a:r>
+            <a:r>
+              <a:rPr kumimoji="1" lang="ja-JP" altLang="en-US" dirty="0" smtClean="0"/>
+              <a:t>ボーレート</a:t>
+            </a:r>
+            <a:r>
+              <a:rPr kumimoji="1" lang="en-US" altLang="ja-JP" dirty="0" smtClean="0"/>
+              <a:t>)</a:t>
+            </a:r>
+            <a:br>
+              <a:rPr kumimoji="1" lang="en-US" altLang="ja-JP" dirty="0" smtClean="0"/>
+            </a:br>
+            <a:r>
+              <a:rPr kumimoji="1" lang="ja-JP" altLang="en-US" dirty="0" smtClean="0"/>
+              <a:t>ボーレートはシリアルモニタのメニューから選ぶ</a:t>
+            </a:r>
+            <a:endParaRPr kumimoji="1" lang="en-US" altLang="ja-JP" dirty="0" smtClean="0"/>
+          </a:p>
+          <a:p>
+            <a:r>
+              <a:rPr kumimoji="1" lang="ja-JP" altLang="en-US" dirty="0" smtClean="0"/>
+              <a:t>オープン</a:t>
+            </a:r>
+            <a:r>
+              <a:rPr kumimoji="1" lang="ja-JP" altLang="en-US" dirty="0" smtClean="0"/>
+              <a:t>した</a:t>
+            </a:r>
+            <a:r>
+              <a:rPr kumimoji="1" lang="ja-JP" altLang="en-US" dirty="0" smtClean="0"/>
+              <a:t>後</a:t>
+            </a:r>
+            <a:r>
+              <a:rPr kumimoji="1" lang="ja-JP" altLang="en-US" dirty="0" smtClean="0"/>
+              <a:t>は</a:t>
+            </a:r>
+            <a:r>
+              <a:rPr kumimoji="1" lang="ja-JP" altLang="en-US" dirty="0" smtClean="0"/>
+              <a:t>自由</a:t>
+            </a:r>
+            <a:r>
+              <a:rPr kumimoji="1" lang="ja-JP" altLang="en-US" dirty="0" smtClean="0"/>
+              <a:t>に使用</a:t>
+            </a:r>
+            <a:endParaRPr kumimoji="1" lang="en-US" altLang="ja-JP" dirty="0" smtClean="0"/>
+          </a:p>
+          <a:p>
+            <a:pPr lvl="1"/>
+            <a:r>
+              <a:rPr kumimoji="1" lang="en-US" altLang="ja-JP" dirty="0" err="1" smtClean="0"/>
+              <a:t>Serial.print</a:t>
+            </a:r>
+            <a:r>
+              <a:rPr kumimoji="1" lang="en-US" altLang="ja-JP" dirty="0" smtClean="0"/>
+              <a:t>(</a:t>
+            </a:r>
+            <a:r>
+              <a:rPr kumimoji="1" lang="ja-JP" altLang="en-US" dirty="0" smtClean="0"/>
+              <a:t>変数</a:t>
+            </a:r>
+            <a:r>
+              <a:rPr kumimoji="1" lang="en-US" altLang="ja-JP" dirty="0" smtClean="0"/>
+              <a:t>) ･･･</a:t>
+            </a:r>
+            <a:r>
+              <a:rPr kumimoji="1" lang="ja-JP" altLang="en-US" dirty="0" smtClean="0"/>
+              <a:t>改行なし</a:t>
+            </a:r>
+            <a:endParaRPr kumimoji="1" lang="en-US" altLang="ja-JP" dirty="0" smtClean="0"/>
+          </a:p>
+          <a:p>
+            <a:pPr lvl="1"/>
+            <a:r>
+              <a:rPr kumimoji="1" lang="en-US" altLang="ja-JP" dirty="0" err="1" smtClean="0"/>
+              <a:t>Serial.println</a:t>
+            </a:r>
+            <a:r>
+              <a:rPr kumimoji="1" lang="en-US" altLang="ja-JP" dirty="0" smtClean="0"/>
+              <a:t>(</a:t>
+            </a:r>
+            <a:r>
+              <a:rPr kumimoji="1" lang="ja-JP" altLang="en-US" dirty="0" smtClean="0"/>
+              <a:t>変数</a:t>
+            </a:r>
+            <a:r>
+              <a:rPr kumimoji="1" lang="en-US" altLang="ja-JP" dirty="0" smtClean="0"/>
+              <a:t>) ･･･</a:t>
+            </a:r>
+            <a:r>
+              <a:rPr kumimoji="1" lang="ja-JP" altLang="en-US" dirty="0" smtClean="0"/>
+              <a:t>改行つき</a:t>
+            </a:r>
+            <a:endParaRPr kumimoji="1" lang="en-US" altLang="ja-JP" dirty="0" smtClean="0"/>
+          </a:p>
+          <a:p>
+            <a:pPr lvl="1"/>
+            <a:r>
+              <a:rPr kumimoji="1" lang="ja-JP" altLang="en-US" dirty="0" smtClean="0"/>
+              <a:t>変数には、整数</a:t>
+            </a:r>
+            <a:r>
+              <a:rPr kumimoji="1" lang="en-US" altLang="ja-JP" dirty="0" smtClean="0"/>
+              <a:t> char, </a:t>
+            </a:r>
+            <a:r>
+              <a:rPr kumimoji="1" lang="en-US" altLang="ja-JP" dirty="0" err="1" smtClean="0"/>
+              <a:t>int</a:t>
+            </a:r>
+            <a:r>
+              <a:rPr kumimoji="1" lang="en-US" altLang="ja-JP" dirty="0" smtClean="0"/>
+              <a:t>, long, </a:t>
+            </a:r>
+            <a:r>
+              <a:rPr kumimoji="1" lang="ja-JP" altLang="en-US" dirty="0" smtClean="0"/>
+              <a:t>浮動小数点数</a:t>
+            </a:r>
+            <a:r>
+              <a:rPr kumimoji="1" lang="en-US" altLang="ja-JP" dirty="0" smtClean="0"/>
+              <a:t> float </a:t>
+            </a:r>
+            <a:r>
+              <a:rPr kumimoji="1" lang="ja-JP" altLang="en-US" dirty="0" smtClean="0"/>
+              <a:t>が使える．整数の場合，二進</a:t>
+            </a:r>
+            <a:r>
+              <a:rPr kumimoji="1" lang="en-US" altLang="ja-JP" dirty="0" smtClean="0"/>
+              <a:t> DEC</a:t>
+            </a:r>
+            <a:r>
+              <a:rPr kumimoji="1" lang="ja-JP" altLang="en-US" dirty="0" smtClean="0"/>
+              <a:t>，十六進</a:t>
+            </a:r>
+            <a:r>
+              <a:rPr kumimoji="1" lang="en-US" altLang="ja-JP" dirty="0" smtClean="0"/>
+              <a:t> HEX </a:t>
+            </a:r>
+            <a:r>
+              <a:rPr kumimoji="1" lang="ja-JP" altLang="en-US" dirty="0" smtClean="0"/>
+              <a:t>など基数を指定できる</a:t>
+            </a:r>
+            <a:endParaRPr kumimoji="1" lang="ja-JP" altLang="en-US" dirty="0"/>
+          </a:p>
+        </p:txBody>
+      </p:sp>
+    </p:spTree>
+    <p:extLst>
+      <p:ext uri="{BB962C8B-B14F-4D97-AF65-F5344CB8AC3E}">
+        <p14:creationId xmlns:p14="http://schemas.microsoft.com/office/powerpoint/2010/main" val="1754774250"/>
+      </p:ext>
+    </p:extLst>
+  </p:cSld>
+  <p:clrMapOvr>
+    <a:masterClrMapping/>
+  </p:clrMapOvr>
+  <p:transition xmlns:p14="http://schemas.microsoft.com/office/powerpoint/2010/main" spd="slow">
+    <p:wipe dir="d"/>
+  </p:transition>
+  <p:timing>
+    <p:tnLst>
+      <p:par>
+        <p:cTn xmlns:p14="http://schemas.microsoft.com/office/powerpoint/2010/main" id="1" dur="indefinite" restart="never" nodeType="tmRoot"/>
+      </p:par>
+    </p:tnLst>
+  </p:timing>
+</p:sld>
+</file>
+
+<file path=ppt/slides/slide12.xml><?xml version="1.0" encoding="utf-8"?>
+<p:sld xmlns:a="http://schemas.openxmlformats.org/drawingml/2006/main" xmlns:r="http://schemas.openxmlformats.org/officeDocument/2006/relationships" xmlns:p="http://schemas.openxmlformats.org/presentationml/2006/main">
+  <p:cSld>
+    <p:spTree>
+      <p:nvGrpSpPr>
+        <p:cNvPr id="1" name=""/>
+        <p:cNvGrpSpPr/>
+        <p:nvPr/>
+      </p:nvGrpSpPr>
+      <p:grpSpPr>
+        <a:xfrm>
+          <a:off x="0" y="0"/>
+          <a:ext cx="0" cy="0"/>
+          <a:chOff x="0" y="0"/>
+          <a:chExt cx="0" cy="0"/>
+        </a:xfrm>
+      </p:grpSpPr>
+      <p:sp>
+        <p:nvSpPr>
+          <p:cNvPr id="2" name="タイトル 1"/>
+          <p:cNvSpPr>
+            <a:spLocks noGrp="1"/>
+          </p:cNvSpPr>
+          <p:nvPr>
+            <p:ph type="title"/>
+          </p:nvPr>
+        </p:nvSpPr>
+        <p:spPr/>
+        <p:txBody>
+          <a:bodyPr/>
+          <a:lstStyle/>
+          <a:p>
+            <a:r>
+              <a:rPr kumimoji="1" lang="ja-JP" altLang="en-US" dirty="0" smtClean="0"/>
+              <a:t>８．シリアルポートを使ったプログラム</a:t>
+            </a:r>
+            <a:endParaRPr kumimoji="1" lang="ja-JP" altLang="en-US" dirty="0"/>
+          </a:p>
+        </p:txBody>
+      </p:sp>
+      <p:sp>
+        <p:nvSpPr>
+          <p:cNvPr id="3" name="コンテンツ プレースホルダー 2"/>
+          <p:cNvSpPr>
+            <a:spLocks noGrp="1"/>
+          </p:cNvSpPr>
+          <p:nvPr>
+            <p:ph idx="1"/>
+          </p:nvPr>
+        </p:nvSpPr>
+        <p:spPr/>
+        <p:txBody>
+          <a:bodyPr>
+            <a:normAutofit/>
+          </a:bodyPr>
+          <a:lstStyle/>
+          <a:p>
+            <a:r>
+              <a:rPr kumimoji="1" lang="ja-JP" altLang="en-US" dirty="0" smtClean="0"/>
+              <a:t>シリアルモニタに</a:t>
+            </a:r>
+            <a:r>
+              <a:rPr kumimoji="1" lang="en-US" altLang="ja-JP" dirty="0" smtClean="0"/>
+              <a:t> Hello world! </a:t>
+            </a:r>
+            <a:r>
+              <a:rPr kumimoji="1" lang="ja-JP" altLang="en-US" dirty="0" smtClean="0"/>
+              <a:t>と出力するプログラムを書いてみよ</a:t>
+            </a:r>
+            <a:r>
+              <a:rPr kumimoji="1" lang="ja-JP" altLang="en-US" dirty="0"/>
+              <a:t>う</a:t>
+            </a:r>
+            <a:endParaRPr kumimoji="1" lang="en-US" altLang="ja-JP" dirty="0" smtClean="0"/>
+          </a:p>
+          <a:p>
+            <a:pPr lvl="1"/>
+            <a:r>
+              <a:rPr kumimoji="1" lang="ja-JP" altLang="en-US" dirty="0" smtClean="0"/>
+              <a:t>計算の結果を出力したり、</a:t>
+            </a:r>
+            <a:r>
+              <a:rPr kumimoji="1" lang="en-US" altLang="ja-JP" dirty="0" smtClean="0"/>
+              <a:t/>
+            </a:r>
+            <a:br>
+              <a:rPr kumimoji="1" lang="en-US" altLang="ja-JP" dirty="0" smtClean="0"/>
+            </a:br>
+            <a:r>
+              <a:rPr kumimoji="1" lang="ja-JP" altLang="en-US" dirty="0" smtClean="0"/>
+              <a:t>ミリ秒カウンタの値を出力してみよう</a:t>
+            </a:r>
+            <a:endParaRPr kumimoji="1" lang="en-US" altLang="ja-JP" dirty="0" smtClean="0"/>
+          </a:p>
+          <a:p>
+            <a:r>
+              <a:rPr kumimoji="1" lang="ja-JP" altLang="en-US" dirty="0" smtClean="0"/>
+              <a:t>受信の手順をサンプルでみてみよう</a:t>
+            </a:r>
+            <a:endParaRPr kumimoji="1" lang="en-US" altLang="ja-JP" dirty="0" smtClean="0"/>
+          </a:p>
+          <a:p>
+            <a:pPr lvl="1"/>
+            <a:r>
+              <a:rPr kumimoji="1" lang="en-US" altLang="ja-JP" dirty="0" err="1" smtClean="0"/>
+              <a:t>MorseCoder</a:t>
+            </a:r>
+            <a:r>
+              <a:rPr kumimoji="1" lang="en-US" altLang="ja-JP" dirty="0" smtClean="0"/>
+              <a:t> ･･･</a:t>
+            </a:r>
+            <a:r>
+              <a:rPr kumimoji="1" lang="ja-JP" altLang="en-US" dirty="0" smtClean="0"/>
+              <a:t>受け取った文字のモールス信号を光と音で発信</a:t>
+            </a:r>
+            <a:endParaRPr kumimoji="1" lang="en-US" altLang="ja-JP" dirty="0" smtClean="0"/>
+          </a:p>
+        </p:txBody>
+      </p:sp>
+      <p:pic>
+        <p:nvPicPr>
+          <p:cNvPr id="4" name="図 3"/>
+          <p:cNvPicPr>
+            <a:picLocks noChangeAspect="1"/>
+          </p:cNvPicPr>
+          <p:nvPr/>
+        </p:nvPicPr>
+        <p:blipFill rotWithShape="1">
+          <a:blip r:embed="rId2"/>
+          <a:srcRect r="69908" b="38679"/>
+          <a:stretch/>
+        </p:blipFill>
+        <p:spPr>
+          <a:xfrm>
+            <a:off x="6660232" y="2276872"/>
+            <a:ext cx="2082800" cy="1651000"/>
+          </a:xfrm>
+          <a:prstGeom prst="rect">
+            <a:avLst/>
+          </a:prstGeom>
+        </p:spPr>
+      </p:pic>
+    </p:spTree>
+    <p:extLst>
+      <p:ext uri="{BB962C8B-B14F-4D97-AF65-F5344CB8AC3E}">
+        <p14:creationId xmlns:p14="http://schemas.microsoft.com/office/powerpoint/2010/main" val="3112854070"/>
+      </p:ext>
+    </p:extLst>
+  </p:cSld>
+  <p:clrMapOvr>
+    <a:masterClrMapping/>
+  </p:clrMapOvr>
+  <p:transition xmlns:p14="http://schemas.microsoft.com/office/powerpoint/2010/main" spd="slow">
+    <p:wipe dir="d"/>
+  </p:transition>
+  <p:timing>
+    <p:tnLst>
+      <p:par>
+        <p:cTn xmlns:p14="http://schemas.microsoft.com/office/powerpoint/2010/main" id="1" dur="indefinite" restart="never" nodeType="tmRoot"/>
+      </p:par>
+    </p:tnLst>
+  </p:timing>
+</p:sld>
+</file>
+
+<file path=ppt/slides/slide13.xml><?xml version="1.0" encoding="utf-8"?>
+<p:sld xmlns:a="http://schemas.openxmlformats.org/drawingml/2006/main" xmlns:r="http://schemas.openxmlformats.org/officeDocument/2006/relationships" xmlns:p="http://schemas.openxmlformats.org/presentationml/2006/main">
+  <p:cSld>
+    <p:spTree>
+      <p:nvGrpSpPr>
+        <p:cNvPr id="1" name=""/>
+        <p:cNvGrpSpPr/>
+        <p:nvPr/>
+      </p:nvGrpSpPr>
+      <p:grpSpPr>
+        <a:xfrm>
+          <a:off x="0" y="0"/>
+          <a:ext cx="0" cy="0"/>
+          <a:chOff x="0" y="0"/>
+          <a:chExt cx="0" cy="0"/>
+        </a:xfrm>
+      </p:grpSpPr>
+      <p:sp>
+        <p:nvSpPr>
+          <p:cNvPr id="2" name="タイトル 1"/>
+          <p:cNvSpPr>
+            <a:spLocks noGrp="1"/>
+          </p:cNvSpPr>
+          <p:nvPr>
+            <p:ph type="title"/>
+          </p:nvPr>
+        </p:nvSpPr>
+        <p:spPr/>
+        <p:txBody>
+          <a:bodyPr/>
+          <a:lstStyle/>
+          <a:p>
+            <a:r>
+              <a:rPr kumimoji="1" lang="ja-JP" altLang="en-US" dirty="0" smtClean="0"/>
+              <a:t>９．デジタル入力</a:t>
+            </a:r>
+            <a:endParaRPr kumimoji="1" lang="ja-JP" altLang="en-US" dirty="0"/>
+          </a:p>
+        </p:txBody>
+      </p:sp>
+      <p:sp>
+        <p:nvSpPr>
+          <p:cNvPr id="3" name="コンテンツ プレースホルダー 2"/>
+          <p:cNvSpPr>
+            <a:spLocks noGrp="1"/>
+          </p:cNvSpPr>
+          <p:nvPr>
+            <p:ph idx="1"/>
+          </p:nvPr>
+        </p:nvSpPr>
+        <p:spPr/>
+        <p:txBody>
+          <a:bodyPr/>
+          <a:lstStyle/>
+          <a:p>
+            <a:endParaRPr kumimoji="1" lang="ja-JP" altLang="en-US"/>
+          </a:p>
+        </p:txBody>
+      </p:sp>
+    </p:spTree>
+    <p:extLst>
+      <p:ext uri="{BB962C8B-B14F-4D97-AF65-F5344CB8AC3E}">
+        <p14:creationId xmlns:p14="http://schemas.microsoft.com/office/powerpoint/2010/main" val="2392502862"/>
+      </p:ext>
+    </p:extLst>
+  </p:cSld>
+  <p:clrMapOvr>
+    <a:masterClrMapping/>
+  </p:clrMapOvr>
+  <p:transition xmlns:p14="http://schemas.microsoft.com/office/powerpoint/2010/main" spd="slow">
+    <p:wipe dir="d"/>
+  </p:transition>
+</p:sld>
+</file>
+
+<file path=ppt/slides/slide14.xml><?xml version="1.0" encoding="utf-8"?>
+<p:sld xmlns:a="http://schemas.openxmlformats.org/drawingml/2006/main" xmlns:r="http://schemas.openxmlformats.org/officeDocument/2006/relationships" xmlns:p="http://schemas.openxmlformats.org/presentationml/2006/main">
+  <p:cSld>
+    <p:spTree>
+      <p:nvGrpSpPr>
+        <p:cNvPr id="1" name=""/>
+        <p:cNvGrpSpPr/>
+        <p:nvPr/>
+      </p:nvGrpSpPr>
+      <p:grpSpPr>
+        <a:xfrm>
+          <a:off x="0" y="0"/>
+          <a:ext cx="0" cy="0"/>
+          <a:chOff x="0" y="0"/>
+          <a:chExt cx="0" cy="0"/>
+        </a:xfrm>
+      </p:grpSpPr>
+      <p:sp>
+        <p:nvSpPr>
+          <p:cNvPr id="2" name="タイトル 1"/>
+          <p:cNvSpPr>
+            <a:spLocks noGrp="1"/>
+          </p:cNvSpPr>
+          <p:nvPr>
+            <p:ph type="title"/>
+          </p:nvPr>
+        </p:nvSpPr>
+        <p:spPr/>
+        <p:txBody>
+          <a:bodyPr/>
+          <a:lstStyle/>
+          <a:p>
+            <a:r>
+              <a:rPr kumimoji="1" lang="ja-JP" altLang="en-US" dirty="0" smtClean="0"/>
+              <a:t>１０．アナログ入力</a:t>
+            </a:r>
+            <a:endParaRPr kumimoji="1" lang="ja-JP" altLang="en-US" dirty="0"/>
+          </a:p>
+        </p:txBody>
+      </p:sp>
+      <p:sp>
+        <p:nvSpPr>
+          <p:cNvPr id="3" name="コンテンツ プレースホルダー 2"/>
+          <p:cNvSpPr>
+            <a:spLocks noGrp="1"/>
+          </p:cNvSpPr>
+          <p:nvPr>
+            <p:ph idx="1"/>
+          </p:nvPr>
+        </p:nvSpPr>
+        <p:spPr/>
+        <p:txBody>
+          <a:bodyPr/>
+          <a:lstStyle/>
+          <a:p>
+            <a:endParaRPr kumimoji="1" lang="ja-JP" altLang="en-US"/>
+          </a:p>
+        </p:txBody>
+      </p:sp>
+    </p:spTree>
+    <p:extLst>
+      <p:ext uri="{BB962C8B-B14F-4D97-AF65-F5344CB8AC3E}">
+        <p14:creationId xmlns:p14="http://schemas.microsoft.com/office/powerpoint/2010/main" val="3245829769"/>
+      </p:ext>
+    </p:extLst>
+  </p:cSld>
+  <p:clrMapOvr>
+    <a:masterClrMapping/>
+  </p:clrMapOvr>
+  <p:transition xmlns:p14="http://schemas.microsoft.com/office/powerpoint/2010/main" spd="slow">
+    <p:wipe dir="d"/>
+  </p:transition>
+</p:sld>
+</file>
+
+<file path=ppt/slides/slide15.xml><?xml version="1.0" encoding="utf-8"?>
+<p:sld xmlns:a="http://schemas.openxmlformats.org/drawingml/2006/main" xmlns:r="http://schemas.openxmlformats.org/officeDocument/2006/relationships" xmlns:p="http://schemas.openxmlformats.org/presentationml/2006/main">
+  <p:cSld>
+    <p:spTree>
+      <p:nvGrpSpPr>
+        <p:cNvPr id="1" name=""/>
+        <p:cNvGrpSpPr/>
+        <p:nvPr/>
+      </p:nvGrpSpPr>
+      <p:grpSpPr>
+        <a:xfrm>
+          <a:off x="0" y="0"/>
+          <a:ext cx="0" cy="0"/>
+          <a:chOff x="0" y="0"/>
+          <a:chExt cx="0" cy="0"/>
+        </a:xfrm>
+      </p:grpSpPr>
+      <p:sp>
+        <p:nvSpPr>
+          <p:cNvPr id="2" name="タイトル 1"/>
+          <p:cNvSpPr>
+            <a:spLocks noGrp="1"/>
+          </p:cNvSpPr>
+          <p:nvPr>
+            <p:ph type="title"/>
+          </p:nvPr>
+        </p:nvSpPr>
+        <p:spPr/>
+        <p:txBody>
+          <a:bodyPr/>
+          <a:lstStyle/>
+          <a:p>
+            <a:r>
+              <a:rPr kumimoji="1" lang="ja-JP" altLang="en-US" dirty="0" smtClean="0"/>
+              <a:t>１１．アナログ（ＰＷＭ）出力</a:t>
+            </a:r>
+            <a:endParaRPr kumimoji="1" lang="ja-JP" altLang="en-US" dirty="0"/>
+          </a:p>
+        </p:txBody>
+      </p:sp>
+      <p:sp>
+        <p:nvSpPr>
+          <p:cNvPr id="3" name="コンテンツ プレースホルダー 2"/>
+          <p:cNvSpPr>
+            <a:spLocks noGrp="1"/>
+          </p:cNvSpPr>
+          <p:nvPr>
+            <p:ph idx="1"/>
+          </p:nvPr>
+        </p:nvSpPr>
+        <p:spPr/>
+        <p:txBody>
+          <a:bodyPr/>
+          <a:lstStyle/>
+          <a:p>
+            <a:endParaRPr kumimoji="1" lang="ja-JP" altLang="en-US"/>
+          </a:p>
+        </p:txBody>
+      </p:sp>
+    </p:spTree>
+    <p:extLst>
+      <p:ext uri="{BB962C8B-B14F-4D97-AF65-F5344CB8AC3E}">
+        <p14:creationId xmlns:p14="http://schemas.microsoft.com/office/powerpoint/2010/main" val="2736891580"/>
+      </p:ext>
+    </p:extLst>
+  </p:cSld>
+  <p:clrMapOvr>
+    <a:masterClrMapping/>
+  </p:clrMapOvr>
+  <p:transition xmlns:p14="http://schemas.microsoft.com/office/powerpoint/2010/main" spd="slow">
+    <p:wipe dir="d"/>
+  </p:transition>
+</p:sld>
+</file>
+
+<file path=ppt/slides/slide16.xml><?xml version="1.0" encoding="utf-8"?>
+<p:sld xmlns:a="http://schemas.openxmlformats.org/drawingml/2006/main" xmlns:r="http://schemas.openxmlformats.org/officeDocument/2006/relationships" xmlns:p="http://schemas.openxmlformats.org/presentationml/2006/main">
+  <p:cSld>
+    <p:spTree>
+      <p:nvGrpSpPr>
+        <p:cNvPr id="1" name=""/>
+        <p:cNvGrpSpPr/>
+        <p:nvPr/>
+      </p:nvGrpSpPr>
+      <p:grpSpPr>
+        <a:xfrm>
+          <a:off x="0" y="0"/>
+          <a:ext cx="0" cy="0"/>
+          <a:chOff x="0" y="0"/>
+          <a:chExt cx="0" cy="0"/>
+        </a:xfrm>
+      </p:grpSpPr>
+      <p:sp>
+        <p:nvSpPr>
+          <p:cNvPr id="2" name="タイトル 1"/>
+          <p:cNvSpPr>
+            <a:spLocks noGrp="1"/>
+          </p:cNvSpPr>
+          <p:nvPr>
+            <p:ph type="title"/>
+          </p:nvPr>
+        </p:nvSpPr>
+        <p:spPr/>
+        <p:txBody>
+          <a:bodyPr/>
+          <a:lstStyle/>
+          <a:p>
+            <a:r>
+              <a:rPr kumimoji="1" lang="ja-JP" altLang="en-US" smtClean="0"/>
+              <a:t>例のカタログ</a:t>
+            </a:r>
+            <a:endParaRPr kumimoji="1" lang="ja-JP" altLang="en-US"/>
+          </a:p>
+        </p:txBody>
+      </p:sp>
+      <p:sp>
+        <p:nvSpPr>
+          <p:cNvPr id="3" name="コンテンツ プレースホルダー 2"/>
+          <p:cNvSpPr>
+            <a:spLocks noGrp="1"/>
+          </p:cNvSpPr>
+          <p:nvPr>
+            <p:ph idx="1"/>
+          </p:nvPr>
+        </p:nvSpPr>
+        <p:spPr/>
+        <p:txBody>
+          <a:bodyPr/>
+          <a:lstStyle/>
+          <a:p>
+            <a:endParaRPr kumimoji="1" lang="ja-JP" altLang="en-US"/>
+          </a:p>
+        </p:txBody>
+      </p:sp>
+    </p:spTree>
+    <p:extLst>
+      <p:ext uri="{BB962C8B-B14F-4D97-AF65-F5344CB8AC3E}">
+        <p14:creationId xmlns:p14="http://schemas.microsoft.com/office/powerpoint/2010/main" val="3296879273"/>
+      </p:ext>
+    </p:extLst>
+  </p:cSld>
+  <p:clrMapOvr>
+    <a:masterClrMapping/>
+  </p:clrMapOvr>
+  <p:transition xmlns:p14="http://schemas.microsoft.com/office/powerpoint/2010/main" spd="slow">
+    <p:wipe dir="d"/>
+  </p:transition>
+</p:sld>
+</file>
+
+<file path=ppt/slides/slide17.xml><?xml version="1.0" encoding="utf-8"?>
 <p:sld xmlns:a="http://schemas.openxmlformats.org/drawingml/2006/main" xmlns:r="http://schemas.openxmlformats.org/officeDocument/2006/relationships" xmlns:p="http://schemas.openxmlformats.org/presentationml/2006/main">
   <p:cSld>
     <p:spTree>
@@ -13257,13 +14170,13 @@
   <p:clrMapOvr>
     <a:masterClrMapping/>
   </p:clrMapOvr>
-  <p:transition spd="slow">
+  <p:transition xmlns:p14="http://schemas.microsoft.com/office/powerpoint/2010/main" spd="slow">
     <p:wipe dir="d"/>
   </p:transition>
 </p:sld>
 </file>
 
-<file path=ppt/slides/slide11.xml><?xml version="1.0" encoding="utf-8"?>
+<file path=ppt/slides/slide18.xml><?xml version="1.0" encoding="utf-8"?>
 <p:sld xmlns:a="http://schemas.openxmlformats.org/drawingml/2006/main" xmlns:r="http://schemas.openxmlformats.org/officeDocument/2006/relationships" xmlns:p="http://schemas.openxmlformats.org/presentationml/2006/main">
   <p:cSld>
     <p:spTree>
@@ -13357,13 +14270,13 @@
   <p:clrMapOvr>
     <a:masterClrMapping/>
   </p:clrMapOvr>
-  <p:transition spd="slow">
+  <p:transition xmlns:p14="http://schemas.microsoft.com/office/powerpoint/2010/main" spd="slow">
     <p:wipe dir="d"/>
   </p:transition>
 </p:sld>
 </file>
 
-<file path=ppt/slides/slide12.xml><?xml version="1.0" encoding="utf-8"?>
+<file path=ppt/slides/slide19.xml><?xml version="1.0" encoding="utf-8"?>
 <p:sld xmlns:a="http://schemas.openxmlformats.org/drawingml/2006/main" xmlns:r="http://schemas.openxmlformats.org/officeDocument/2006/relationships" xmlns:p="http://schemas.openxmlformats.org/presentationml/2006/main">
   <p:cSld>
     <p:spTree>
@@ -15629,7 +16542,7 @@
         </p:nvGrpSpPr>
         <p:grpSpPr>
           <a:xfrm>
-            <a:off x="5076056" y="4437112"/>
+            <a:off x="5724128" y="4437112"/>
             <a:ext cx="2376263" cy="432048"/>
             <a:chOff x="5580112" y="4509120"/>
             <a:chExt cx="2376263" cy="432048"/>
@@ -16539,6 +17452,462 @@
           </a:p>
         </p:txBody>
       </p:sp>
+      <p:grpSp>
+        <p:nvGrpSpPr>
+          <p:cNvPr id="32" name="図形グループ 31"/>
+          <p:cNvGrpSpPr/>
+          <p:nvPr/>
+        </p:nvGrpSpPr>
+        <p:grpSpPr>
+          <a:xfrm>
+            <a:off x="3563888" y="5157192"/>
+            <a:ext cx="1268462" cy="965200"/>
+            <a:chOff x="3563888" y="5157192"/>
+            <a:chExt cx="1268462" cy="965200"/>
+          </a:xfrm>
+        </p:grpSpPr>
+        <p:grpSp>
+          <p:nvGrpSpPr>
+            <p:cNvPr id="28" name="図形グループ 27"/>
+            <p:cNvGrpSpPr/>
+            <p:nvPr/>
+          </p:nvGrpSpPr>
+          <p:grpSpPr>
+            <a:xfrm>
+              <a:off x="3563888" y="5157192"/>
+              <a:ext cx="720080" cy="936104"/>
+              <a:chOff x="4788024" y="4293096"/>
+              <a:chExt cx="720080" cy="936104"/>
+            </a:xfrm>
+          </p:grpSpPr>
+          <p:cxnSp>
+            <p:nvCxnSpPr>
+              <p:cNvPr id="54" name="直線コネクタ 53"/>
+              <p:cNvCxnSpPr/>
+              <p:nvPr/>
+            </p:nvCxnSpPr>
+            <p:spPr>
+              <a:xfrm>
+                <a:off x="5148064" y="5013176"/>
+                <a:ext cx="0" cy="216024"/>
+              </a:xfrm>
+              <a:prstGeom prst="line">
+                <a:avLst/>
+              </a:prstGeom>
+              <a:ln>
+                <a:solidFill>
+                  <a:schemeClr val="tx2"/>
+                </a:solidFill>
+              </a:ln>
+            </p:spPr>
+            <p:style>
+              <a:lnRef idx="2">
+                <a:schemeClr val="accent1"/>
+              </a:lnRef>
+              <a:fillRef idx="0">
+                <a:schemeClr val="accent1"/>
+              </a:fillRef>
+              <a:effectRef idx="1">
+                <a:schemeClr val="accent1"/>
+              </a:effectRef>
+              <a:fontRef idx="minor">
+                <a:schemeClr val="tx1"/>
+              </a:fontRef>
+            </p:style>
+          </p:cxnSp>
+          <p:sp>
+            <p:nvSpPr>
+              <p:cNvPr id="56" name="フリーフォーム 55"/>
+              <p:cNvSpPr/>
+              <p:nvPr/>
+            </p:nvSpPr>
+            <p:spPr>
+              <a:xfrm>
+                <a:off x="4860032" y="4653136"/>
+                <a:ext cx="576064" cy="216024"/>
+              </a:xfrm>
+              <a:custGeom>
+                <a:avLst/>
+                <a:gdLst>
+                  <a:gd name="connsiteX0" fmla="*/ 0 w 965200"/>
+                  <a:gd name="connsiteY0" fmla="*/ 16933 h 2463800"/>
+                  <a:gd name="connsiteX1" fmla="*/ 0 w 965200"/>
+                  <a:gd name="connsiteY1" fmla="*/ 2455333 h 2463800"/>
+                  <a:gd name="connsiteX2" fmla="*/ 965200 w 965200"/>
+                  <a:gd name="connsiteY2" fmla="*/ 2463800 h 2463800"/>
+                  <a:gd name="connsiteX3" fmla="*/ 965200 w 965200"/>
+                  <a:gd name="connsiteY3" fmla="*/ 0 h 2463800"/>
+                  <a:gd name="connsiteX4" fmla="*/ 0 w 965200"/>
+                  <a:gd name="connsiteY4" fmla="*/ 16933 h 2463800"/>
+                  <a:gd name="connsiteX0" fmla="*/ 0 w 965200"/>
+                  <a:gd name="connsiteY0" fmla="*/ 0 h 2446867"/>
+                  <a:gd name="connsiteX1" fmla="*/ 0 w 965200"/>
+                  <a:gd name="connsiteY1" fmla="*/ 2438400 h 2446867"/>
+                  <a:gd name="connsiteX2" fmla="*/ 965200 w 965200"/>
+                  <a:gd name="connsiteY2" fmla="*/ 2446867 h 2446867"/>
+                  <a:gd name="connsiteX3" fmla="*/ 965200 w 965200"/>
+                  <a:gd name="connsiteY3" fmla="*/ 8467 h 2446867"/>
+                  <a:gd name="connsiteX4" fmla="*/ 0 w 965200"/>
+                  <a:gd name="connsiteY4" fmla="*/ 0 h 2446867"/>
+                  <a:gd name="connsiteX0" fmla="*/ 0 w 965200"/>
+                  <a:gd name="connsiteY0" fmla="*/ 0 h 2438400"/>
+                  <a:gd name="connsiteX1" fmla="*/ 0 w 965200"/>
+                  <a:gd name="connsiteY1" fmla="*/ 2429933 h 2438400"/>
+                  <a:gd name="connsiteX2" fmla="*/ 965200 w 965200"/>
+                  <a:gd name="connsiteY2" fmla="*/ 2438400 h 2438400"/>
+                  <a:gd name="connsiteX3" fmla="*/ 965200 w 965200"/>
+                  <a:gd name="connsiteY3" fmla="*/ 0 h 2438400"/>
+                  <a:gd name="connsiteX4" fmla="*/ 0 w 965200"/>
+                  <a:gd name="connsiteY4" fmla="*/ 0 h 2438400"/>
+                </a:gdLst>
+                <a:ahLst/>
+                <a:cxnLst>
+                  <a:cxn ang="0">
+                    <a:pos x="connsiteX0" y="connsiteY0"/>
+                  </a:cxn>
+                  <a:cxn ang="0">
+                    <a:pos x="connsiteX1" y="connsiteY1"/>
+                  </a:cxn>
+                  <a:cxn ang="0">
+                    <a:pos x="connsiteX2" y="connsiteY2"/>
+                  </a:cxn>
+                  <a:cxn ang="0">
+                    <a:pos x="connsiteX3" y="connsiteY3"/>
+                  </a:cxn>
+                  <a:cxn ang="0">
+                    <a:pos x="connsiteX4" y="connsiteY4"/>
+                  </a:cxn>
+                </a:cxnLst>
+                <a:rect l="l" t="t" r="r" b="b"/>
+                <a:pathLst>
+                  <a:path w="965200" h="2438400">
+                    <a:moveTo>
+                      <a:pt x="0" y="0"/>
+                    </a:moveTo>
+                    <a:lnTo>
+                      <a:pt x="0" y="2429933"/>
+                    </a:lnTo>
+                    <a:lnTo>
+                      <a:pt x="965200" y="2438400"/>
+                    </a:lnTo>
+                    <a:lnTo>
+                      <a:pt x="965200" y="0"/>
+                    </a:lnTo>
+                    <a:lnTo>
+                      <a:pt x="0" y="0"/>
+                    </a:lnTo>
+                    <a:close/>
+                  </a:path>
+                </a:pathLst>
+              </a:custGeom>
+              <a:noFill/>
+              <a:ln w="28575" cmpd="sng">
+                <a:solidFill>
+                  <a:schemeClr val="tx2"/>
+                </a:solidFill>
+              </a:ln>
+            </p:spPr>
+            <p:style>
+              <a:lnRef idx="1">
+                <a:schemeClr val="accent1"/>
+              </a:lnRef>
+              <a:fillRef idx="3">
+                <a:schemeClr val="accent1"/>
+              </a:fillRef>
+              <a:effectRef idx="2">
+                <a:schemeClr val="accent1"/>
+              </a:effectRef>
+              <a:fontRef idx="minor">
+                <a:schemeClr val="lt1"/>
+              </a:fontRef>
+            </p:style>
+            <p:txBody>
+              <a:bodyPr rtlCol="0" anchor="ctr"/>
+              <a:lstStyle/>
+              <a:p>
+                <a:pPr algn="ctr"/>
+                <a:endParaRPr kumimoji="1" lang="ja-JP" altLang="en-US"/>
+              </a:p>
+            </p:txBody>
+          </p:sp>
+          <p:cxnSp>
+            <p:nvCxnSpPr>
+              <p:cNvPr id="58" name="直線コネクタ 57"/>
+              <p:cNvCxnSpPr/>
+              <p:nvPr/>
+            </p:nvCxnSpPr>
+            <p:spPr>
+              <a:xfrm>
+                <a:off x="5148064" y="4293096"/>
+                <a:ext cx="0" cy="216024"/>
+              </a:xfrm>
+              <a:prstGeom prst="line">
+                <a:avLst/>
+              </a:prstGeom>
+              <a:ln>
+                <a:solidFill>
+                  <a:schemeClr val="tx2"/>
+                </a:solidFill>
+              </a:ln>
+            </p:spPr>
+            <p:style>
+              <a:lnRef idx="2">
+                <a:schemeClr val="accent1"/>
+              </a:lnRef>
+              <a:fillRef idx="0">
+                <a:schemeClr val="accent1"/>
+              </a:fillRef>
+              <a:effectRef idx="1">
+                <a:schemeClr val="accent1"/>
+              </a:effectRef>
+              <a:fontRef idx="minor">
+                <a:schemeClr val="tx1"/>
+              </a:fontRef>
+            </p:style>
+          </p:cxnSp>
+          <p:cxnSp>
+            <p:nvCxnSpPr>
+              <p:cNvPr id="59" name="直線コネクタ 58"/>
+              <p:cNvCxnSpPr/>
+              <p:nvPr/>
+            </p:nvCxnSpPr>
+            <p:spPr>
+              <a:xfrm>
+                <a:off x="4788024" y="4509120"/>
+                <a:ext cx="720080" cy="0"/>
+              </a:xfrm>
+              <a:prstGeom prst="line">
+                <a:avLst/>
+              </a:prstGeom>
+              <a:ln>
+                <a:solidFill>
+                  <a:schemeClr val="tx2"/>
+                </a:solidFill>
+              </a:ln>
+            </p:spPr>
+            <p:style>
+              <a:lnRef idx="2">
+                <a:schemeClr val="accent1"/>
+              </a:lnRef>
+              <a:fillRef idx="0">
+                <a:schemeClr val="accent1"/>
+              </a:fillRef>
+              <a:effectRef idx="1">
+                <a:schemeClr val="accent1"/>
+              </a:effectRef>
+              <a:fontRef idx="minor">
+                <a:schemeClr val="tx1"/>
+              </a:fontRef>
+            </p:style>
+          </p:cxnSp>
+          <p:cxnSp>
+            <p:nvCxnSpPr>
+              <p:cNvPr id="60" name="直線コネクタ 59"/>
+              <p:cNvCxnSpPr/>
+              <p:nvPr/>
+            </p:nvCxnSpPr>
+            <p:spPr>
+              <a:xfrm>
+                <a:off x="4788024" y="5013176"/>
+                <a:ext cx="720080" cy="0"/>
+              </a:xfrm>
+              <a:prstGeom prst="line">
+                <a:avLst/>
+              </a:prstGeom>
+              <a:ln>
+                <a:solidFill>
+                  <a:schemeClr val="tx2"/>
+                </a:solidFill>
+              </a:ln>
+            </p:spPr>
+            <p:style>
+              <a:lnRef idx="2">
+                <a:schemeClr val="accent1"/>
+              </a:lnRef>
+              <a:fillRef idx="0">
+                <a:schemeClr val="accent1"/>
+              </a:fillRef>
+              <a:effectRef idx="1">
+                <a:schemeClr val="accent1"/>
+              </a:effectRef>
+              <a:fontRef idx="minor">
+                <a:schemeClr val="tx1"/>
+              </a:fontRef>
+            </p:style>
+          </p:cxnSp>
+        </p:grpSp>
+        <p:sp>
+          <p:nvSpPr>
+            <p:cNvPr id="29" name="フリーフォーム 28"/>
+            <p:cNvSpPr/>
+            <p:nvPr/>
+          </p:nvSpPr>
+          <p:spPr>
+            <a:xfrm>
+              <a:off x="4572000" y="5157192"/>
+              <a:ext cx="260350" cy="965200"/>
+            </a:xfrm>
+            <a:custGeom>
+              <a:avLst/>
+              <a:gdLst>
+                <a:gd name="connsiteX0" fmla="*/ 0 w 279400"/>
+                <a:gd name="connsiteY0" fmla="*/ 304800 h 952500"/>
+                <a:gd name="connsiteX1" fmla="*/ 279400 w 279400"/>
+                <a:gd name="connsiteY1" fmla="*/ 0 h 952500"/>
+                <a:gd name="connsiteX2" fmla="*/ 266700 w 279400"/>
+                <a:gd name="connsiteY2" fmla="*/ 952500 h 952500"/>
+                <a:gd name="connsiteX3" fmla="*/ 12700 w 279400"/>
+                <a:gd name="connsiteY3" fmla="*/ 622300 h 952500"/>
+                <a:gd name="connsiteX4" fmla="*/ 0 w 279400"/>
+                <a:gd name="connsiteY4" fmla="*/ 304800 h 952500"/>
+                <a:gd name="connsiteX0" fmla="*/ 0 w 273050"/>
+                <a:gd name="connsiteY0" fmla="*/ 317500 h 965200"/>
+                <a:gd name="connsiteX1" fmla="*/ 273050 w 273050"/>
+                <a:gd name="connsiteY1" fmla="*/ 0 h 965200"/>
+                <a:gd name="connsiteX2" fmla="*/ 266700 w 273050"/>
+                <a:gd name="connsiteY2" fmla="*/ 965200 h 965200"/>
+                <a:gd name="connsiteX3" fmla="*/ 12700 w 273050"/>
+                <a:gd name="connsiteY3" fmla="*/ 635000 h 965200"/>
+                <a:gd name="connsiteX4" fmla="*/ 0 w 273050"/>
+                <a:gd name="connsiteY4" fmla="*/ 317500 h 965200"/>
+                <a:gd name="connsiteX0" fmla="*/ 6350 w 260350"/>
+                <a:gd name="connsiteY0" fmla="*/ 304800 h 965200"/>
+                <a:gd name="connsiteX1" fmla="*/ 260350 w 260350"/>
+                <a:gd name="connsiteY1" fmla="*/ 0 h 965200"/>
+                <a:gd name="connsiteX2" fmla="*/ 254000 w 260350"/>
+                <a:gd name="connsiteY2" fmla="*/ 965200 h 965200"/>
+                <a:gd name="connsiteX3" fmla="*/ 0 w 260350"/>
+                <a:gd name="connsiteY3" fmla="*/ 635000 h 965200"/>
+                <a:gd name="connsiteX4" fmla="*/ 6350 w 260350"/>
+                <a:gd name="connsiteY4" fmla="*/ 304800 h 965200"/>
+                <a:gd name="connsiteX0" fmla="*/ 6350 w 260350"/>
+                <a:gd name="connsiteY0" fmla="*/ 285750 h 965200"/>
+                <a:gd name="connsiteX1" fmla="*/ 260350 w 260350"/>
+                <a:gd name="connsiteY1" fmla="*/ 0 h 965200"/>
+                <a:gd name="connsiteX2" fmla="*/ 254000 w 260350"/>
+                <a:gd name="connsiteY2" fmla="*/ 965200 h 965200"/>
+                <a:gd name="connsiteX3" fmla="*/ 0 w 260350"/>
+                <a:gd name="connsiteY3" fmla="*/ 635000 h 965200"/>
+                <a:gd name="connsiteX4" fmla="*/ 6350 w 260350"/>
+                <a:gd name="connsiteY4" fmla="*/ 285750 h 965200"/>
+              </a:gdLst>
+              <a:ahLst/>
+              <a:cxnLst>
+                <a:cxn ang="0">
+                  <a:pos x="connsiteX0" y="connsiteY0"/>
+                </a:cxn>
+                <a:cxn ang="0">
+                  <a:pos x="connsiteX1" y="connsiteY1"/>
+                </a:cxn>
+                <a:cxn ang="0">
+                  <a:pos x="connsiteX2" y="connsiteY2"/>
+                </a:cxn>
+                <a:cxn ang="0">
+                  <a:pos x="connsiteX3" y="connsiteY3"/>
+                </a:cxn>
+                <a:cxn ang="0">
+                  <a:pos x="connsiteX4" y="connsiteY4"/>
+                </a:cxn>
+              </a:cxnLst>
+              <a:rect l="l" t="t" r="r" b="b"/>
+              <a:pathLst>
+                <a:path w="260350" h="965200">
+                  <a:moveTo>
+                    <a:pt x="6350" y="285750"/>
+                  </a:moveTo>
+                  <a:lnTo>
+                    <a:pt x="260350" y="0"/>
+                  </a:lnTo>
+                  <a:cubicBezTo>
+                    <a:pt x="258233" y="321733"/>
+                    <a:pt x="256117" y="643467"/>
+                    <a:pt x="254000" y="965200"/>
+                  </a:cubicBezTo>
+                  <a:lnTo>
+                    <a:pt x="0" y="635000"/>
+                  </a:lnTo>
+                  <a:lnTo>
+                    <a:pt x="6350" y="285750"/>
+                  </a:lnTo>
+                  <a:close/>
+                </a:path>
+              </a:pathLst>
+            </a:custGeom>
+            <a:noFill/>
+            <a:ln w="28575" cmpd="sng">
+              <a:solidFill>
+                <a:schemeClr val="tx2"/>
+              </a:solidFill>
+            </a:ln>
+          </p:spPr>
+          <p:style>
+            <a:lnRef idx="1">
+              <a:schemeClr val="accent1"/>
+            </a:lnRef>
+            <a:fillRef idx="3">
+              <a:schemeClr val="accent1"/>
+            </a:fillRef>
+            <a:effectRef idx="2">
+              <a:schemeClr val="accent1"/>
+            </a:effectRef>
+            <a:fontRef idx="minor">
+              <a:schemeClr val="lt1"/>
+            </a:fontRef>
+          </p:style>
+          <p:txBody>
+            <a:bodyPr rtlCol="0" anchor="ctr"/>
+            <a:lstStyle/>
+            <a:p>
+              <a:pPr algn="ctr"/>
+              <a:endParaRPr kumimoji="1" lang="ja-JP" altLang="en-US"/>
+            </a:p>
+          </p:txBody>
+        </p:sp>
+        <p:sp>
+          <p:nvSpPr>
+            <p:cNvPr id="30" name="正方形/長方形 29"/>
+            <p:cNvSpPr/>
+            <p:nvPr/>
+          </p:nvSpPr>
+          <p:spPr>
+            <a:xfrm>
+              <a:off x="4355976" y="5445224"/>
+              <a:ext cx="216024" cy="360040"/>
+            </a:xfrm>
+            <a:prstGeom prst="rect">
+              <a:avLst/>
+            </a:prstGeom>
+            <a:noFill/>
+            <a:ln w="28575" cmpd="sng">
+              <a:solidFill>
+                <a:srgbClr val="1F497D"/>
+              </a:solidFill>
+            </a:ln>
+          </p:spPr>
+          <p:style>
+            <a:lnRef idx="1">
+              <a:schemeClr val="accent1"/>
+            </a:lnRef>
+            <a:fillRef idx="3">
+              <a:schemeClr val="accent1"/>
+            </a:fillRef>
+            <a:effectRef idx="2">
+              <a:schemeClr val="accent1"/>
+            </a:effectRef>
+            <a:fontRef idx="minor">
+              <a:schemeClr val="lt1"/>
+            </a:fontRef>
+          </p:style>
+          <p:txBody>
+            <a:bodyPr rtlCol="0" anchor="ctr"/>
+            <a:lstStyle/>
+            <a:p>
+              <a:pPr algn="ctr"/>
+              <a:endParaRPr kumimoji="1" lang="ja-JP" altLang="en-US"/>
+            </a:p>
+          </p:txBody>
+        </p:sp>
+      </p:grpSp>
     </p:spTree>
     <p:extLst>
       <p:ext uri="{BB962C8B-B14F-4D97-AF65-F5344CB8AC3E}">
@@ -16549,13 +17918,188 @@
   <p:clrMapOvr>
     <a:masterClrMapping/>
   </p:clrMapOvr>
-  <p:transition spd="slow">
+  <p:transition xmlns:p14="http://schemas.microsoft.com/office/powerpoint/2010/main" spd="slow">
     <p:wipe dir="d"/>
   </p:transition>
 </p:sld>
 </file>
 
-<file path=ppt/slides/slide13.xml><?xml version="1.0" encoding="utf-8"?>
+<file path=ppt/slides/slide2.xml><?xml version="1.0" encoding="utf-8"?>
+<p:sld xmlns:a="http://schemas.openxmlformats.org/drawingml/2006/main" xmlns:r="http://schemas.openxmlformats.org/officeDocument/2006/relationships" xmlns:p="http://schemas.openxmlformats.org/presentationml/2006/main">
+  <p:cSld>
+    <p:spTree>
+      <p:nvGrpSpPr>
+        <p:cNvPr id="1" name=""/>
+        <p:cNvGrpSpPr/>
+        <p:nvPr/>
+      </p:nvGrpSpPr>
+      <p:grpSpPr>
+        <a:xfrm>
+          <a:off x="0" y="0"/>
+          <a:ext cx="0" cy="0"/>
+          <a:chOff x="0" y="0"/>
+          <a:chExt cx="0" cy="0"/>
+        </a:xfrm>
+      </p:grpSpPr>
+      <p:sp>
+        <p:nvSpPr>
+          <p:cNvPr id="2" name="タイトル 1"/>
+          <p:cNvSpPr>
+            <a:spLocks noGrp="1"/>
+          </p:cNvSpPr>
+          <p:nvPr>
+            <p:ph type="title"/>
+          </p:nvPr>
+        </p:nvSpPr>
+        <p:spPr/>
+        <p:txBody>
+          <a:bodyPr/>
+          <a:lstStyle/>
+          <a:p>
+            <a:r>
+              <a:rPr kumimoji="1" lang="ja-JP" altLang="en-US" dirty="0" smtClean="0"/>
+              <a:t>２．</a:t>
+            </a:r>
+            <a:r>
+              <a:rPr kumimoji="1" lang="en-US" altLang="ja-JP" dirty="0" err="1" smtClean="0"/>
+              <a:t>Arduino</a:t>
+            </a:r>
+            <a:r>
+              <a:rPr kumimoji="1" lang="en-US" altLang="ja-JP" dirty="0" smtClean="0"/>
+              <a:t> </a:t>
+            </a:r>
+            <a:r>
+              <a:rPr kumimoji="1" lang="ja-JP" altLang="en-US" dirty="0" smtClean="0"/>
+              <a:t>ボードの接続テスト</a:t>
+            </a:r>
+            <a:endParaRPr kumimoji="1" lang="ja-JP" altLang="en-US" dirty="0"/>
+          </a:p>
+        </p:txBody>
+      </p:sp>
+      <p:sp>
+        <p:nvSpPr>
+          <p:cNvPr id="3" name="コンテンツ プレースホルダー 2"/>
+          <p:cNvSpPr>
+            <a:spLocks noGrp="1"/>
+          </p:cNvSpPr>
+          <p:nvPr>
+            <p:ph idx="1"/>
+          </p:nvPr>
+        </p:nvSpPr>
+        <p:spPr/>
+        <p:txBody>
+          <a:bodyPr>
+            <a:normAutofit fontScale="92500" lnSpcReduction="10000"/>
+          </a:bodyPr>
+          <a:lstStyle/>
+          <a:p>
+            <a:pPr>
+              <a:buFont typeface="+mj-ea"/>
+              <a:buAutoNum type="circleNumDbPlain"/>
+            </a:pPr>
+            <a:r>
+              <a:rPr kumimoji="1" lang="ja-JP" altLang="en-US" dirty="0" smtClean="0"/>
+              <a:t>ＵＳＢケーブルでＰＣと接続</a:t>
+            </a:r>
+            <a:endParaRPr kumimoji="1" lang="en-US" altLang="ja-JP" dirty="0" smtClean="0"/>
+          </a:p>
+          <a:p>
+            <a:pPr lvl="1"/>
+            <a:r>
+              <a:rPr kumimoji="1" lang="ja-JP" altLang="en-US" dirty="0" smtClean="0"/>
+              <a:t>ボードの電源がＯＮになり</a:t>
+            </a:r>
+            <a:r>
+              <a:rPr kumimoji="1" lang="en-US" altLang="ja-JP" dirty="0" smtClean="0"/>
+              <a:t> Power On </a:t>
+            </a:r>
+            <a:r>
+              <a:rPr kumimoji="1" lang="ja-JP" altLang="en-US" dirty="0" smtClean="0"/>
+              <a:t>ＬＥＤが点灯</a:t>
+            </a:r>
+            <a:endParaRPr kumimoji="1" lang="en-US" altLang="ja-JP" dirty="0" smtClean="0"/>
+          </a:p>
+          <a:p>
+            <a:pPr lvl="1"/>
+            <a:r>
+              <a:rPr kumimoji="1" lang="ja-JP" altLang="en-US" dirty="0" smtClean="0"/>
+              <a:t>プログラムが書き込まれている場合、動作がはじまる（ＬＥＤの点滅など）．</a:t>
+            </a:r>
+            <a:endParaRPr kumimoji="1" lang="en-US" altLang="ja-JP" dirty="0"/>
+          </a:p>
+          <a:p>
+            <a:pPr>
+              <a:buAutoNum type="circleNumDbPlain"/>
+            </a:pPr>
+            <a:r>
+              <a:rPr kumimoji="1" lang="en-US" altLang="ja-JP" dirty="0" err="1" smtClean="0"/>
+              <a:t>Arduino</a:t>
+            </a:r>
+            <a:r>
+              <a:rPr kumimoji="1" lang="en-US" altLang="ja-JP" dirty="0" smtClean="0"/>
+              <a:t> IDE </a:t>
+            </a:r>
+            <a:r>
+              <a:rPr kumimoji="1" lang="ja-JP" altLang="en-US" dirty="0" smtClean="0"/>
+              <a:t>でシリアルポートを確かめる</a:t>
+            </a:r>
+            <a:endParaRPr kumimoji="1" lang="en-US" altLang="ja-JP" dirty="0"/>
+          </a:p>
+          <a:p>
+            <a:pPr lvl="1"/>
+            <a:r>
+              <a:rPr kumimoji="1" lang="ja-JP" altLang="en-US" dirty="0" smtClean="0"/>
+              <a:t>シリアルポートのリストに新しいＣＯＭポートが出現</a:t>
+            </a:r>
+            <a:endParaRPr kumimoji="1" lang="en-US" altLang="ja-JP" dirty="0" smtClean="0"/>
+          </a:p>
+          <a:p>
+            <a:pPr lvl="1"/>
+            <a:r>
+              <a:rPr kumimoji="1" lang="ja-JP" altLang="en-US" dirty="0" smtClean="0"/>
+              <a:t>番号</a:t>
+            </a:r>
+            <a:r>
+              <a:rPr kumimoji="1" lang="en-US" altLang="ja-JP" dirty="0"/>
+              <a:t>??</a:t>
+            </a:r>
+            <a:r>
+              <a:rPr kumimoji="1" lang="ja-JP" altLang="en-US" dirty="0"/>
+              <a:t>は決まっていないので、</a:t>
+            </a:r>
+            <a:r>
+              <a:rPr kumimoji="1" lang="ja-JP" altLang="en-US" dirty="0" smtClean="0"/>
+              <a:t>接続後メニューにあらわれる番号</a:t>
+            </a:r>
+            <a:r>
+              <a:rPr kumimoji="1" lang="ja-JP" altLang="en-US" dirty="0"/>
+              <a:t>をおぼえて</a:t>
+            </a:r>
+            <a:r>
+              <a:rPr kumimoji="1" lang="ja-JP" altLang="en-US" dirty="0" smtClean="0"/>
+              <a:t>おく</a:t>
+            </a:r>
+            <a:endParaRPr kumimoji="1" lang="en-US" altLang="ja-JP" dirty="0"/>
+          </a:p>
+        </p:txBody>
+      </p:sp>
+    </p:spTree>
+    <p:extLst>
+      <p:ext uri="{BB962C8B-B14F-4D97-AF65-F5344CB8AC3E}">
+        <p14:creationId xmlns:p14="http://schemas.microsoft.com/office/powerpoint/2010/main" val="1995283640"/>
+      </p:ext>
+    </p:extLst>
+  </p:cSld>
+  <p:clrMapOvr>
+    <a:masterClrMapping/>
+  </p:clrMapOvr>
+  <p:transition xmlns:p14="http://schemas.microsoft.com/office/powerpoint/2010/main" spd="slow">
+    <p:wipe dir="d"/>
+  </p:transition>
+</p:sld>
+</file>
+
+<file path=ppt/slides/slide20.xml><?xml version="1.0" encoding="utf-8"?>
 <p:sld xmlns:a="http://schemas.openxmlformats.org/drawingml/2006/main" xmlns:r="http://schemas.openxmlformats.org/officeDocument/2006/relationships" xmlns:p="http://schemas.openxmlformats.org/presentationml/2006/main">
   <p:cSld>
     <p:spTree>
@@ -19461,13 +21005,13 @@
   <p:clrMapOvr>
     <a:masterClrMapping/>
   </p:clrMapOvr>
-  <p:transition spd="slow">
+  <p:transition xmlns:p14="http://schemas.microsoft.com/office/powerpoint/2010/main" spd="slow">
     <p:wipe dir="d"/>
   </p:transition>
 </p:sld>
 </file>
 
-<file path=ppt/slides/slide14.xml><?xml version="1.0" encoding="utf-8"?>
+<file path=ppt/slides/slide21.xml><?xml version="1.0" encoding="utf-8"?>
 <p:sld xmlns:a="http://schemas.openxmlformats.org/drawingml/2006/main" xmlns:r="http://schemas.openxmlformats.org/officeDocument/2006/relationships" xmlns:p="http://schemas.openxmlformats.org/presentationml/2006/main">
   <p:cSld>
     <p:spTree>
@@ -22296,13 +23840,13 @@
   <p:clrMapOvr>
     <a:masterClrMapping/>
   </p:clrMapOvr>
-  <p:transition spd="slow">
+  <p:transition xmlns:p14="http://schemas.microsoft.com/office/powerpoint/2010/main" spd="slow">
     <p:wipe dir="d"/>
   </p:transition>
 </p:sld>
 </file>
 
-<file path=ppt/slides/slide15.xml><?xml version="1.0" encoding="utf-8"?>
+<file path=ppt/slides/slide22.xml><?xml version="1.0" encoding="utf-8"?>
 <p:sld xmlns:a="http://schemas.openxmlformats.org/drawingml/2006/main" xmlns:r="http://schemas.openxmlformats.org/officeDocument/2006/relationships" xmlns:p="http://schemas.openxmlformats.org/presentationml/2006/main">
   <p:cSld>
     <p:spTree>
@@ -23922,182 +25466,7 @@
   <p:clrMapOvr>
     <a:masterClrMapping/>
   </p:clrMapOvr>
-  <p:transition spd="slow">
-    <p:wipe dir="d"/>
-  </p:transition>
-</p:sld>
-</file>
-
-<file path=ppt/slides/slide2.xml><?xml version="1.0" encoding="utf-8"?>
-<p:sld xmlns:a="http://schemas.openxmlformats.org/drawingml/2006/main" xmlns:r="http://schemas.openxmlformats.org/officeDocument/2006/relationships" xmlns:p="http://schemas.openxmlformats.org/presentationml/2006/main">
-  <p:cSld>
-    <p:spTree>
-      <p:nvGrpSpPr>
-        <p:cNvPr id="1" name=""/>
-        <p:cNvGrpSpPr/>
-        <p:nvPr/>
-      </p:nvGrpSpPr>
-      <p:grpSpPr>
-        <a:xfrm>
-          <a:off x="0" y="0"/>
-          <a:ext cx="0" cy="0"/>
-          <a:chOff x="0" y="0"/>
-          <a:chExt cx="0" cy="0"/>
-        </a:xfrm>
-      </p:grpSpPr>
-      <p:sp>
-        <p:nvSpPr>
-          <p:cNvPr id="2" name="タイトル 1"/>
-          <p:cNvSpPr>
-            <a:spLocks noGrp="1"/>
-          </p:cNvSpPr>
-          <p:nvPr>
-            <p:ph type="title"/>
-          </p:nvPr>
-        </p:nvSpPr>
-        <p:spPr/>
-        <p:txBody>
-          <a:bodyPr/>
-          <a:lstStyle/>
-          <a:p>
-            <a:r>
-              <a:rPr kumimoji="1" lang="ja-JP" altLang="en-US" dirty="0" smtClean="0"/>
-              <a:t>２．</a:t>
-            </a:r>
-            <a:r>
-              <a:rPr kumimoji="1" lang="en-US" altLang="ja-JP" dirty="0" err="1" smtClean="0"/>
-              <a:t>Arduino</a:t>
-            </a:r>
-            <a:r>
-              <a:rPr kumimoji="1" lang="en-US" altLang="ja-JP" dirty="0" smtClean="0"/>
-              <a:t> </a:t>
-            </a:r>
-            <a:r>
-              <a:rPr kumimoji="1" lang="ja-JP" altLang="en-US" dirty="0" smtClean="0"/>
-              <a:t>ボードの接続テスト</a:t>
-            </a:r>
-            <a:endParaRPr kumimoji="1" lang="ja-JP" altLang="en-US" dirty="0"/>
-          </a:p>
-        </p:txBody>
-      </p:sp>
-      <p:sp>
-        <p:nvSpPr>
-          <p:cNvPr id="3" name="コンテンツ プレースホルダー 2"/>
-          <p:cNvSpPr>
-            <a:spLocks noGrp="1"/>
-          </p:cNvSpPr>
-          <p:nvPr>
-            <p:ph idx="1"/>
-          </p:nvPr>
-        </p:nvSpPr>
-        <p:spPr/>
-        <p:txBody>
-          <a:bodyPr>
-            <a:normAutofit fontScale="92500" lnSpcReduction="10000"/>
-          </a:bodyPr>
-          <a:lstStyle/>
-          <a:p>
-            <a:pPr>
-              <a:buFont typeface="+mj-ea"/>
-              <a:buAutoNum type="circleNumDbPlain"/>
-            </a:pPr>
-            <a:r>
-              <a:rPr kumimoji="1" lang="ja-JP" altLang="en-US" dirty="0" smtClean="0"/>
-              <a:t>ＵＳＢケーブルでＰＣと接続</a:t>
-            </a:r>
-            <a:endParaRPr kumimoji="1" lang="en-US" altLang="ja-JP" dirty="0" smtClean="0"/>
-          </a:p>
-          <a:p>
-            <a:pPr lvl="1"/>
-            <a:r>
-              <a:rPr kumimoji="1" lang="ja-JP" altLang="en-US" dirty="0" smtClean="0"/>
-              <a:t>ボードの電源がＯＮになり</a:t>
-            </a:r>
-            <a:r>
-              <a:rPr kumimoji="1" lang="en-US" altLang="ja-JP" dirty="0" smtClean="0"/>
-              <a:t> Power On </a:t>
-            </a:r>
-            <a:r>
-              <a:rPr kumimoji="1" lang="ja-JP" altLang="en-US" dirty="0" smtClean="0"/>
-              <a:t>ＬＥＤが点灯</a:t>
-            </a:r>
-            <a:endParaRPr kumimoji="1" lang="en-US" altLang="ja-JP" dirty="0" smtClean="0"/>
-          </a:p>
-          <a:p>
-            <a:pPr lvl="1"/>
-            <a:r>
-              <a:rPr kumimoji="1" lang="ja-JP" altLang="en-US" dirty="0" smtClean="0"/>
-              <a:t>プログラムが書き込まれている場合、動作がはじまる（ＬＥＤの点滅など）．</a:t>
-            </a:r>
-            <a:endParaRPr kumimoji="1" lang="en-US" altLang="ja-JP" dirty="0"/>
-          </a:p>
-          <a:p>
-            <a:pPr>
-              <a:buAutoNum type="circleNumDbPlain"/>
-            </a:pPr>
-            <a:r>
-              <a:rPr kumimoji="1" lang="en-US" altLang="ja-JP" dirty="0" err="1" smtClean="0"/>
-              <a:t>Arduino</a:t>
-            </a:r>
-            <a:r>
-              <a:rPr kumimoji="1" lang="en-US" altLang="ja-JP" dirty="0" smtClean="0"/>
-              <a:t> IDE </a:t>
-            </a:r>
-            <a:r>
-              <a:rPr kumimoji="1" lang="ja-JP" altLang="en-US" dirty="0" smtClean="0"/>
-              <a:t>でシリアルポートを確かめる</a:t>
-            </a:r>
-            <a:endParaRPr kumimoji="1" lang="en-US" altLang="ja-JP" dirty="0"/>
-          </a:p>
-          <a:p>
-            <a:pPr lvl="1"/>
-            <a:r>
-              <a:rPr kumimoji="1" lang="ja-JP" altLang="en-US" dirty="0" smtClean="0"/>
-              <a:t>シリアルポートのリストに新しいＣＯＭポートが出現</a:t>
-            </a:r>
-            <a:endParaRPr kumimoji="1" lang="en-US" altLang="ja-JP" dirty="0" smtClean="0"/>
-          </a:p>
-          <a:p>
-            <a:pPr lvl="1"/>
-            <a:r>
-              <a:rPr kumimoji="1" lang="ja-JP" altLang="en-US" dirty="0" smtClean="0"/>
-              <a:t>番号</a:t>
-            </a:r>
-            <a:r>
-              <a:rPr kumimoji="1" lang="en-US" altLang="ja-JP" dirty="0"/>
-              <a:t>??</a:t>
-            </a:r>
-            <a:r>
-              <a:rPr kumimoji="1" lang="ja-JP" altLang="en-US" dirty="0"/>
-              <a:t>は決まっていないので、</a:t>
-            </a:r>
-            <a:r>
-              <a:rPr kumimoji="1" lang="ja-JP" altLang="en-US" dirty="0" smtClean="0"/>
-              <a:t>接続後メニューにあらわれる番号</a:t>
-            </a:r>
-            <a:r>
-              <a:rPr kumimoji="1" lang="ja-JP" altLang="en-US" dirty="0"/>
-              <a:t>をおぼえて</a:t>
-            </a:r>
-            <a:r>
-              <a:rPr kumimoji="1" lang="ja-JP" altLang="en-US" dirty="0" smtClean="0"/>
-              <a:t>おく</a:t>
-            </a:r>
-            <a:endParaRPr kumimoji="1" lang="en-US" altLang="ja-JP" dirty="0"/>
-          </a:p>
-        </p:txBody>
-      </p:sp>
-    </p:spTree>
-    <p:extLst>
-      <p:ext uri="{BB962C8B-B14F-4D97-AF65-F5344CB8AC3E}">
-        <p14:creationId xmlns:p14="http://schemas.microsoft.com/office/powerpoint/2010/main" val="1995283640"/>
-      </p:ext>
-    </p:extLst>
-  </p:cSld>
-  <p:clrMapOvr>
-    <a:masterClrMapping/>
-  </p:clrMapOvr>
-  <p:transition spd="slow">
+  <p:transition xmlns:p14="http://schemas.microsoft.com/office/powerpoint/2010/main" spd="slow">
     <p:wipe dir="d"/>
   </p:transition>
 </p:sld>
@@ -24257,6 +25626,30 @@
           </a:p>
         </p:txBody>
       </p:sp>
+      <p:pic>
+        <p:nvPicPr>
+          <p:cNvPr id="4" name="図 3"/>
+          <p:cNvPicPr>
+            <a:picLocks noChangeAspect="1"/>
+          </p:cNvPicPr>
+          <p:nvPr/>
+        </p:nvPicPr>
+        <p:blipFill>
+          <a:blip r:embed="rId2"/>
+          <a:stretch>
+            <a:fillRect/>
+          </a:stretch>
+        </p:blipFill>
+        <p:spPr>
+          <a:xfrm>
+            <a:off x="7092280" y="4437112"/>
+            <a:ext cx="292100" cy="292100"/>
+          </a:xfrm>
+          <a:prstGeom prst="rect">
+            <a:avLst/>
+          </a:prstGeom>
+        </p:spPr>
+      </p:pic>
     </p:spTree>
     <p:extLst>
       <p:ext uri="{BB962C8B-B14F-4D97-AF65-F5344CB8AC3E}">
@@ -24267,7 +25660,7 @@
   <p:clrMapOvr>
     <a:masterClrMapping/>
   </p:clrMapOvr>
-  <p:transition spd="slow">
+  <p:transition xmlns:p14="http://schemas.microsoft.com/office/powerpoint/2010/main" spd="slow">
     <p:wipe dir="d"/>
   </p:transition>
 </p:sld>
@@ -24413,7 +25806,7 @@
   <p:clrMapOvr>
     <a:masterClrMapping/>
   </p:clrMapOvr>
-  <p:transition spd="slow">
+  <p:transition xmlns:p14="http://schemas.microsoft.com/office/powerpoint/2010/main" spd="slow">
     <p:wipe dir="d"/>
   </p:transition>
 </p:sld>
@@ -24577,7 +25970,7 @@
   <p:clrMapOvr>
     <a:masterClrMapping/>
   </p:clrMapOvr>
-  <p:transition spd="slow">
+  <p:transition xmlns:p14="http://schemas.microsoft.com/office/powerpoint/2010/main" spd="slow">
     <p:wipe dir="d"/>
   </p:transition>
 </p:sld>
@@ -24602,7 +25995,7 @@
       </p:grpSpPr>
       <p:sp>
         <p:nvSpPr>
-          <p:cNvPr id="2" name="タイトル 1"/>
+          <p:cNvPr id="4" name="タイトル 3"/>
           <p:cNvSpPr>
             <a:spLocks noGrp="1"/>
           </p:cNvSpPr>
@@ -24616,110 +26009,3015 @@
           <a:lstStyle/>
           <a:p>
             <a:r>
+              <a:rPr lang="en-US" altLang="ja-JP" dirty="0" smtClean="0"/>
+              <a:t>LED </a:t>
+            </a:r>
+            <a:r>
+              <a:rPr lang="ja-JP" altLang="en-US" dirty="0" smtClean="0"/>
+              <a:t>発光ダイオード</a:t>
+            </a:r>
+            <a:r>
               <a:rPr kumimoji="1" lang="ja-JP" altLang="en-US" dirty="0" smtClean="0"/>
-              <a:t>５．デジタル出力１ビットでできること</a:t>
+              <a:t>と</a:t>
+            </a:r>
+            <a:r>
+              <a:rPr lang="en-US" altLang="ja-JP" dirty="0" smtClean="0"/>
+              <a:t> </a:t>
+            </a:r>
+            <a:r>
+              <a:rPr lang="en-US" altLang="ja-JP" dirty="0" err="1" smtClean="0"/>
+              <a:t>Arduino</a:t>
+            </a:r>
+            <a:r>
+              <a:rPr lang="en-US" altLang="ja-JP" dirty="0" smtClean="0"/>
+              <a:t> </a:t>
+            </a:r>
+            <a:r>
+              <a:rPr lang="ja-JP" altLang="en-US" dirty="0" smtClean="0"/>
+              <a:t>デジタルピンの接続：回路図</a:t>
             </a:r>
             <a:endParaRPr kumimoji="1" lang="ja-JP" altLang="en-US" dirty="0"/>
+          </a:p>
+        </p:txBody>
+      </p:sp>
+      <p:grpSp>
+        <p:nvGrpSpPr>
+          <p:cNvPr id="47" name="図形グループ 46"/>
+          <p:cNvGrpSpPr/>
+          <p:nvPr/>
+        </p:nvGrpSpPr>
+        <p:grpSpPr>
+          <a:xfrm>
+            <a:off x="1619675" y="1988840"/>
+            <a:ext cx="3038819" cy="4104456"/>
+            <a:chOff x="4644011" y="1916832"/>
+            <a:chExt cx="3038819" cy="4104456"/>
+          </a:xfrm>
+        </p:grpSpPr>
+        <p:grpSp>
+          <p:nvGrpSpPr>
+            <p:cNvPr id="48" name="図形グループ 47"/>
+            <p:cNvGrpSpPr/>
+            <p:nvPr/>
+          </p:nvGrpSpPr>
+          <p:grpSpPr>
+            <a:xfrm>
+              <a:off x="6516216" y="4005064"/>
+              <a:ext cx="1166614" cy="1224136"/>
+              <a:chOff x="6012160" y="2492896"/>
+              <a:chExt cx="1166614" cy="1224136"/>
+            </a:xfrm>
+          </p:grpSpPr>
+          <p:cxnSp>
+            <p:nvCxnSpPr>
+              <p:cNvPr id="62" name="直線コネクタ 61"/>
+              <p:cNvCxnSpPr/>
+              <p:nvPr/>
+            </p:nvCxnSpPr>
+            <p:spPr>
+              <a:xfrm>
+                <a:off x="6300192" y="2492896"/>
+                <a:ext cx="0" cy="1224136"/>
+              </a:xfrm>
+              <a:prstGeom prst="line">
+                <a:avLst/>
+              </a:prstGeom>
+              <a:ln w="28575" cmpd="sng">
+                <a:solidFill>
+                  <a:schemeClr val="tx2"/>
+                </a:solidFill>
+              </a:ln>
+            </p:spPr>
+            <p:style>
+              <a:lnRef idx="2">
+                <a:schemeClr val="accent1"/>
+              </a:lnRef>
+              <a:fillRef idx="0">
+                <a:schemeClr val="accent1"/>
+              </a:fillRef>
+              <a:effectRef idx="1">
+                <a:schemeClr val="accent1"/>
+              </a:effectRef>
+              <a:fontRef idx="minor">
+                <a:schemeClr val="tx1"/>
+              </a:fontRef>
+            </p:style>
+          </p:cxnSp>
+          <p:sp>
+            <p:nvSpPr>
+              <p:cNvPr id="64" name="フリーフォーム 63"/>
+              <p:cNvSpPr/>
+              <p:nvPr/>
+            </p:nvSpPr>
+            <p:spPr>
+              <a:xfrm>
+                <a:off x="6012160" y="3212976"/>
+                <a:ext cx="576064" cy="72008"/>
+              </a:xfrm>
+              <a:custGeom>
+                <a:avLst/>
+                <a:gdLst>
+                  <a:gd name="connsiteX0" fmla="*/ 0 w 495300"/>
+                  <a:gd name="connsiteY0" fmla="*/ 0 h 76200"/>
+                  <a:gd name="connsiteX1" fmla="*/ 495300 w 495300"/>
+                  <a:gd name="connsiteY1" fmla="*/ 6350 h 76200"/>
+                  <a:gd name="connsiteX2" fmla="*/ 495300 w 495300"/>
+                  <a:gd name="connsiteY2" fmla="*/ 76200 h 76200"/>
+                  <a:gd name="connsiteX3" fmla="*/ 0 w 495300"/>
+                  <a:gd name="connsiteY3" fmla="*/ 69850 h 76200"/>
+                  <a:gd name="connsiteX4" fmla="*/ 0 w 495300"/>
+                  <a:gd name="connsiteY4" fmla="*/ 0 h 76200"/>
+                </a:gdLst>
+                <a:ahLst/>
+                <a:cxnLst>
+                  <a:cxn ang="0">
+                    <a:pos x="connsiteX0" y="connsiteY0"/>
+                  </a:cxn>
+                  <a:cxn ang="0">
+                    <a:pos x="connsiteX1" y="connsiteY1"/>
+                  </a:cxn>
+                  <a:cxn ang="0">
+                    <a:pos x="connsiteX2" y="connsiteY2"/>
+                  </a:cxn>
+                  <a:cxn ang="0">
+                    <a:pos x="connsiteX3" y="connsiteY3"/>
+                  </a:cxn>
+                  <a:cxn ang="0">
+                    <a:pos x="connsiteX4" y="connsiteY4"/>
+                  </a:cxn>
+                </a:cxnLst>
+                <a:rect l="l" t="t" r="r" b="b"/>
+                <a:pathLst>
+                  <a:path w="495300" h="76200">
+                    <a:moveTo>
+                      <a:pt x="0" y="0"/>
+                    </a:moveTo>
+                    <a:lnTo>
+                      <a:pt x="495300" y="6350"/>
+                    </a:lnTo>
+                    <a:lnTo>
+                      <a:pt x="495300" y="76200"/>
+                    </a:lnTo>
+                    <a:lnTo>
+                      <a:pt x="0" y="69850"/>
+                    </a:lnTo>
+                    <a:lnTo>
+                      <a:pt x="0" y="0"/>
+                    </a:lnTo>
+                    <a:close/>
+                  </a:path>
+                </a:pathLst>
+              </a:custGeom>
+              <a:solidFill>
+                <a:schemeClr val="tx2"/>
+              </a:solidFill>
+              <a:ln w="28575" cmpd="sng">
+                <a:solidFill>
+                  <a:schemeClr val="tx2"/>
+                </a:solidFill>
+              </a:ln>
+            </p:spPr>
+            <p:style>
+              <a:lnRef idx="1">
+                <a:schemeClr val="accent1"/>
+              </a:lnRef>
+              <a:fillRef idx="3">
+                <a:schemeClr val="accent1"/>
+              </a:fillRef>
+              <a:effectRef idx="2">
+                <a:schemeClr val="accent1"/>
+              </a:effectRef>
+              <a:fontRef idx="minor">
+                <a:schemeClr val="lt1"/>
+              </a:fontRef>
+            </p:style>
+            <p:txBody>
+              <a:bodyPr rtlCol="0" anchor="ctr"/>
+              <a:lstStyle/>
+              <a:p>
+                <a:pPr algn="ctr"/>
+                <a:endParaRPr kumimoji="1" lang="ja-JP" altLang="en-US"/>
+              </a:p>
+            </p:txBody>
+          </p:sp>
+          <p:sp>
+            <p:nvSpPr>
+              <p:cNvPr id="67" name="フリーフォーム 66"/>
+              <p:cNvSpPr/>
+              <p:nvPr/>
+            </p:nvSpPr>
+            <p:spPr>
+              <a:xfrm>
+                <a:off x="6588224" y="2996952"/>
+                <a:ext cx="590550" cy="184150"/>
+              </a:xfrm>
+              <a:custGeom>
+                <a:avLst/>
+                <a:gdLst>
+                  <a:gd name="connsiteX0" fmla="*/ 0 w 704850"/>
+                  <a:gd name="connsiteY0" fmla="*/ 177800 h 222250"/>
+                  <a:gd name="connsiteX1" fmla="*/ 342900 w 704850"/>
+                  <a:gd name="connsiteY1" fmla="*/ 0 h 222250"/>
+                  <a:gd name="connsiteX2" fmla="*/ 298450 w 704850"/>
+                  <a:gd name="connsiteY2" fmla="*/ 222250 h 222250"/>
+                  <a:gd name="connsiteX3" fmla="*/ 704850 w 704850"/>
+                  <a:gd name="connsiteY3" fmla="*/ 38100 h 222250"/>
+                  <a:gd name="connsiteX0" fmla="*/ 0 w 704850"/>
+                  <a:gd name="connsiteY0" fmla="*/ 139700 h 184150"/>
+                  <a:gd name="connsiteX1" fmla="*/ 330200 w 704850"/>
+                  <a:gd name="connsiteY1" fmla="*/ 6350 h 184150"/>
+                  <a:gd name="connsiteX2" fmla="*/ 298450 w 704850"/>
+                  <a:gd name="connsiteY2" fmla="*/ 184150 h 184150"/>
+                  <a:gd name="connsiteX3" fmla="*/ 704850 w 704850"/>
+                  <a:gd name="connsiteY3" fmla="*/ 0 h 184150"/>
+                  <a:gd name="connsiteX0" fmla="*/ 0 w 704850"/>
+                  <a:gd name="connsiteY0" fmla="*/ 165100 h 209550"/>
+                  <a:gd name="connsiteX1" fmla="*/ 330200 w 704850"/>
+                  <a:gd name="connsiteY1" fmla="*/ 0 h 209550"/>
+                  <a:gd name="connsiteX2" fmla="*/ 298450 w 704850"/>
+                  <a:gd name="connsiteY2" fmla="*/ 209550 h 209550"/>
+                  <a:gd name="connsiteX3" fmla="*/ 704850 w 704850"/>
+                  <a:gd name="connsiteY3" fmla="*/ 25400 h 209550"/>
+                  <a:gd name="connsiteX0" fmla="*/ 0 w 615950"/>
+                  <a:gd name="connsiteY0" fmla="*/ 165100 h 209550"/>
+                  <a:gd name="connsiteX1" fmla="*/ 330200 w 615950"/>
+                  <a:gd name="connsiteY1" fmla="*/ 0 h 209550"/>
+                  <a:gd name="connsiteX2" fmla="*/ 298450 w 615950"/>
+                  <a:gd name="connsiteY2" fmla="*/ 209550 h 209550"/>
+                  <a:gd name="connsiteX3" fmla="*/ 615950 w 615950"/>
+                  <a:gd name="connsiteY3" fmla="*/ 25400 h 209550"/>
+                  <a:gd name="connsiteX0" fmla="*/ 0 w 539750"/>
+                  <a:gd name="connsiteY0" fmla="*/ 171450 h 209550"/>
+                  <a:gd name="connsiteX1" fmla="*/ 254000 w 539750"/>
+                  <a:gd name="connsiteY1" fmla="*/ 0 h 209550"/>
+                  <a:gd name="connsiteX2" fmla="*/ 222250 w 539750"/>
+                  <a:gd name="connsiteY2" fmla="*/ 209550 h 209550"/>
+                  <a:gd name="connsiteX3" fmla="*/ 539750 w 539750"/>
+                  <a:gd name="connsiteY3" fmla="*/ 25400 h 209550"/>
+                  <a:gd name="connsiteX0" fmla="*/ 0 w 539750"/>
+                  <a:gd name="connsiteY0" fmla="*/ 146050 h 184150"/>
+                  <a:gd name="connsiteX1" fmla="*/ 260350 w 539750"/>
+                  <a:gd name="connsiteY1" fmla="*/ 6350 h 184150"/>
+                  <a:gd name="connsiteX2" fmla="*/ 222250 w 539750"/>
+                  <a:gd name="connsiteY2" fmla="*/ 184150 h 184150"/>
+                  <a:gd name="connsiteX3" fmla="*/ 539750 w 539750"/>
+                  <a:gd name="connsiteY3" fmla="*/ 0 h 184150"/>
+                  <a:gd name="connsiteX0" fmla="*/ 0 w 590550"/>
+                  <a:gd name="connsiteY0" fmla="*/ 146050 h 184150"/>
+                  <a:gd name="connsiteX1" fmla="*/ 260350 w 590550"/>
+                  <a:gd name="connsiteY1" fmla="*/ 6350 h 184150"/>
+                  <a:gd name="connsiteX2" fmla="*/ 222250 w 590550"/>
+                  <a:gd name="connsiteY2" fmla="*/ 184150 h 184150"/>
+                  <a:gd name="connsiteX3" fmla="*/ 590550 w 590550"/>
+                  <a:gd name="connsiteY3" fmla="*/ 0 h 184150"/>
+                </a:gdLst>
+                <a:ahLst/>
+                <a:cxnLst>
+                  <a:cxn ang="0">
+                    <a:pos x="connsiteX0" y="connsiteY0"/>
+                  </a:cxn>
+                  <a:cxn ang="0">
+                    <a:pos x="connsiteX1" y="connsiteY1"/>
+                  </a:cxn>
+                  <a:cxn ang="0">
+                    <a:pos x="connsiteX2" y="connsiteY2"/>
+                  </a:cxn>
+                  <a:cxn ang="0">
+                    <a:pos x="connsiteX3" y="connsiteY3"/>
+                  </a:cxn>
+                </a:cxnLst>
+                <a:rect l="l" t="t" r="r" b="b"/>
+                <a:pathLst>
+                  <a:path w="590550" h="184150">
+                    <a:moveTo>
+                      <a:pt x="0" y="146050"/>
+                    </a:moveTo>
+                    <a:lnTo>
+                      <a:pt x="260350" y="6350"/>
+                    </a:lnTo>
+                    <a:lnTo>
+                      <a:pt x="222250" y="184150"/>
+                    </a:lnTo>
+                    <a:lnTo>
+                      <a:pt x="590550" y="0"/>
+                    </a:lnTo>
+                  </a:path>
+                </a:pathLst>
+              </a:custGeom>
+              <a:ln>
+                <a:solidFill>
+                  <a:schemeClr val="tx2"/>
+                </a:solidFill>
+                <a:headEnd type="none"/>
+                <a:tailEnd type="arrow"/>
+              </a:ln>
+            </p:spPr>
+            <p:style>
+              <a:lnRef idx="2">
+                <a:schemeClr val="accent1"/>
+              </a:lnRef>
+              <a:fillRef idx="0">
+                <a:schemeClr val="accent1"/>
+              </a:fillRef>
+              <a:effectRef idx="1">
+                <a:schemeClr val="accent1"/>
+              </a:effectRef>
+              <a:fontRef idx="minor">
+                <a:schemeClr val="tx1"/>
+              </a:fontRef>
+            </p:style>
+            <p:txBody>
+              <a:bodyPr rtlCol="0" anchor="ctr"/>
+              <a:lstStyle/>
+              <a:p>
+                <a:pPr algn="ctr"/>
+                <a:endParaRPr kumimoji="1" lang="ja-JP" altLang="en-US">
+                  <a:ln w="38100" cmpd="sng">
+                    <a:solidFill>
+                      <a:schemeClr val="tx1"/>
+                    </a:solidFill>
+                  </a:ln>
+                </a:endParaRPr>
+              </a:p>
+            </p:txBody>
+          </p:sp>
+          <p:sp>
+            <p:nvSpPr>
+              <p:cNvPr id="69" name="フリーフォーム 68"/>
+              <p:cNvSpPr/>
+              <p:nvPr/>
+            </p:nvSpPr>
+            <p:spPr>
+              <a:xfrm>
+                <a:off x="6084168" y="2852936"/>
+                <a:ext cx="442423" cy="416983"/>
+              </a:xfrm>
+              <a:custGeom>
+                <a:avLst/>
+                <a:gdLst>
+                  <a:gd name="connsiteX0" fmla="*/ 0 w 474134"/>
+                  <a:gd name="connsiteY0" fmla="*/ 0 h 474133"/>
+                  <a:gd name="connsiteX1" fmla="*/ 474134 w 474134"/>
+                  <a:gd name="connsiteY1" fmla="*/ 16933 h 474133"/>
+                  <a:gd name="connsiteX2" fmla="*/ 254000 w 474134"/>
+                  <a:gd name="connsiteY2" fmla="*/ 474133 h 474133"/>
+                  <a:gd name="connsiteX3" fmla="*/ 0 w 474134"/>
+                  <a:gd name="connsiteY3" fmla="*/ 0 h 474133"/>
+                  <a:gd name="connsiteX0" fmla="*/ 0 w 491067"/>
+                  <a:gd name="connsiteY0" fmla="*/ 0 h 474133"/>
+                  <a:gd name="connsiteX1" fmla="*/ 491067 w 491067"/>
+                  <a:gd name="connsiteY1" fmla="*/ 8466 h 474133"/>
+                  <a:gd name="connsiteX2" fmla="*/ 254000 w 491067"/>
+                  <a:gd name="connsiteY2" fmla="*/ 474133 h 474133"/>
+                  <a:gd name="connsiteX3" fmla="*/ 0 w 491067"/>
+                  <a:gd name="connsiteY3" fmla="*/ 0 h 474133"/>
+                  <a:gd name="connsiteX0" fmla="*/ 0 w 491067"/>
+                  <a:gd name="connsiteY0" fmla="*/ 0 h 474133"/>
+                  <a:gd name="connsiteX1" fmla="*/ 491067 w 491067"/>
+                  <a:gd name="connsiteY1" fmla="*/ 2116 h 474133"/>
+                  <a:gd name="connsiteX2" fmla="*/ 254000 w 491067"/>
+                  <a:gd name="connsiteY2" fmla="*/ 474133 h 474133"/>
+                  <a:gd name="connsiteX3" fmla="*/ 0 w 491067"/>
+                  <a:gd name="connsiteY3" fmla="*/ 0 h 474133"/>
+                  <a:gd name="connsiteX0" fmla="*/ 0 w 446763"/>
+                  <a:gd name="connsiteY0" fmla="*/ 10584 h 472017"/>
+                  <a:gd name="connsiteX1" fmla="*/ 446763 w 446763"/>
+                  <a:gd name="connsiteY1" fmla="*/ 0 h 472017"/>
+                  <a:gd name="connsiteX2" fmla="*/ 209696 w 446763"/>
+                  <a:gd name="connsiteY2" fmla="*/ 472017 h 472017"/>
+                  <a:gd name="connsiteX3" fmla="*/ 0 w 446763"/>
+                  <a:gd name="connsiteY3" fmla="*/ 10584 h 472017"/>
+                  <a:gd name="connsiteX0" fmla="*/ 0 w 396921"/>
+                  <a:gd name="connsiteY0" fmla="*/ 0 h 461433"/>
+                  <a:gd name="connsiteX1" fmla="*/ 396921 w 396921"/>
+                  <a:gd name="connsiteY1" fmla="*/ 14816 h 461433"/>
+                  <a:gd name="connsiteX2" fmla="*/ 209696 w 396921"/>
+                  <a:gd name="connsiteY2" fmla="*/ 461433 h 461433"/>
+                  <a:gd name="connsiteX3" fmla="*/ 0 w 396921"/>
+                  <a:gd name="connsiteY3" fmla="*/ 0 h 461433"/>
+                  <a:gd name="connsiteX0" fmla="*/ 0 w 385845"/>
+                  <a:gd name="connsiteY0" fmla="*/ 0 h 448733"/>
+                  <a:gd name="connsiteX1" fmla="*/ 385845 w 385845"/>
+                  <a:gd name="connsiteY1" fmla="*/ 2116 h 448733"/>
+                  <a:gd name="connsiteX2" fmla="*/ 198620 w 385845"/>
+                  <a:gd name="connsiteY2" fmla="*/ 448733 h 448733"/>
+                  <a:gd name="connsiteX3" fmla="*/ 0 w 385845"/>
+                  <a:gd name="connsiteY3" fmla="*/ 0 h 448733"/>
+                  <a:gd name="connsiteX0" fmla="*/ 0 w 385845"/>
+                  <a:gd name="connsiteY0" fmla="*/ 0 h 416983"/>
+                  <a:gd name="connsiteX1" fmla="*/ 385845 w 385845"/>
+                  <a:gd name="connsiteY1" fmla="*/ 2116 h 416983"/>
+                  <a:gd name="connsiteX2" fmla="*/ 198620 w 385845"/>
+                  <a:gd name="connsiteY2" fmla="*/ 416983 h 416983"/>
+                  <a:gd name="connsiteX3" fmla="*/ 0 w 385845"/>
+                  <a:gd name="connsiteY3" fmla="*/ 0 h 416983"/>
+                </a:gdLst>
+                <a:ahLst/>
+                <a:cxnLst>
+                  <a:cxn ang="0">
+                    <a:pos x="connsiteX0" y="connsiteY0"/>
+                  </a:cxn>
+                  <a:cxn ang="0">
+                    <a:pos x="connsiteX1" y="connsiteY1"/>
+                  </a:cxn>
+                  <a:cxn ang="0">
+                    <a:pos x="connsiteX2" y="connsiteY2"/>
+                  </a:cxn>
+                  <a:cxn ang="0">
+                    <a:pos x="connsiteX3" y="connsiteY3"/>
+                  </a:cxn>
+                </a:cxnLst>
+                <a:rect l="l" t="t" r="r" b="b"/>
+                <a:pathLst>
+                  <a:path w="385845" h="416983">
+                    <a:moveTo>
+                      <a:pt x="0" y="0"/>
+                    </a:moveTo>
+                    <a:lnTo>
+                      <a:pt x="385845" y="2116"/>
+                    </a:lnTo>
+                    <a:lnTo>
+                      <a:pt x="198620" y="416983"/>
+                    </a:lnTo>
+                    <a:lnTo>
+                      <a:pt x="0" y="0"/>
+                    </a:lnTo>
+                    <a:close/>
+                  </a:path>
+                </a:pathLst>
+              </a:custGeom>
+              <a:solidFill>
+                <a:schemeClr val="tx2"/>
+              </a:solidFill>
+              <a:ln w="28575" cmpd="sng">
+                <a:solidFill>
+                  <a:schemeClr val="tx2"/>
+                </a:solidFill>
+              </a:ln>
+            </p:spPr>
+            <p:style>
+              <a:lnRef idx="1">
+                <a:schemeClr val="accent1"/>
+              </a:lnRef>
+              <a:fillRef idx="3">
+                <a:schemeClr val="accent1"/>
+              </a:fillRef>
+              <a:effectRef idx="2">
+                <a:schemeClr val="accent1"/>
+              </a:effectRef>
+              <a:fontRef idx="minor">
+                <a:schemeClr val="lt1"/>
+              </a:fontRef>
+            </p:style>
+            <p:txBody>
+              <a:bodyPr rtlCol="0" anchor="ctr"/>
+              <a:lstStyle/>
+              <a:p>
+                <a:pPr algn="ctr"/>
+                <a:endParaRPr kumimoji="1" lang="ja-JP" altLang="en-US"/>
+              </a:p>
+            </p:txBody>
+          </p:sp>
+        </p:grpSp>
+        <p:grpSp>
+          <p:nvGrpSpPr>
+            <p:cNvPr id="49" name="図形グループ 48"/>
+            <p:cNvGrpSpPr/>
+            <p:nvPr/>
+          </p:nvGrpSpPr>
+          <p:grpSpPr>
+            <a:xfrm flipH="1">
+              <a:off x="4644011" y="1916832"/>
+              <a:ext cx="2160236" cy="432048"/>
+              <a:chOff x="5580112" y="4509120"/>
+              <a:chExt cx="2160236" cy="432048"/>
+            </a:xfrm>
+          </p:grpSpPr>
+          <p:cxnSp>
+            <p:nvCxnSpPr>
+              <p:cNvPr id="59" name="直線コネクタ 58"/>
+              <p:cNvCxnSpPr/>
+              <p:nvPr/>
+            </p:nvCxnSpPr>
+            <p:spPr>
+              <a:xfrm>
+                <a:off x="5580112" y="4725144"/>
+                <a:ext cx="432048" cy="0"/>
+              </a:xfrm>
+              <a:prstGeom prst="line">
+                <a:avLst/>
+              </a:prstGeom>
+              <a:ln>
+                <a:solidFill>
+                  <a:srgbClr val="1F497D"/>
+                </a:solidFill>
+              </a:ln>
+            </p:spPr>
+            <p:style>
+              <a:lnRef idx="2">
+                <a:schemeClr val="accent1"/>
+              </a:lnRef>
+              <a:fillRef idx="0">
+                <a:schemeClr val="accent1"/>
+              </a:fillRef>
+              <a:effectRef idx="1">
+                <a:schemeClr val="accent1"/>
+              </a:effectRef>
+              <a:fontRef idx="minor">
+                <a:schemeClr val="tx1"/>
+              </a:fontRef>
+            </p:style>
+          </p:cxnSp>
+          <p:sp>
+            <p:nvSpPr>
+              <p:cNvPr id="60" name="フリーフォーム 59"/>
+              <p:cNvSpPr/>
+              <p:nvPr/>
+            </p:nvSpPr>
+            <p:spPr>
+              <a:xfrm rot="5400000" flipH="1">
+                <a:off x="6661246" y="3862065"/>
+                <a:ext cx="432048" cy="1726157"/>
+              </a:xfrm>
+              <a:custGeom>
+                <a:avLst/>
+                <a:gdLst>
+                  <a:gd name="connsiteX0" fmla="*/ 0 w 571500"/>
+                  <a:gd name="connsiteY0" fmla="*/ 0 h 273050"/>
+                  <a:gd name="connsiteX1" fmla="*/ 571500 w 571500"/>
+                  <a:gd name="connsiteY1" fmla="*/ 6350 h 273050"/>
+                  <a:gd name="connsiteX2" fmla="*/ 260350 w 571500"/>
+                  <a:gd name="connsiteY2" fmla="*/ 273050 h 273050"/>
+                  <a:gd name="connsiteX3" fmla="*/ 0 w 571500"/>
+                  <a:gd name="connsiteY3" fmla="*/ 0 h 273050"/>
+                  <a:gd name="connsiteX0" fmla="*/ 0 w 571500"/>
+                  <a:gd name="connsiteY0" fmla="*/ 0 h 266700"/>
+                  <a:gd name="connsiteX1" fmla="*/ 571500 w 571500"/>
+                  <a:gd name="connsiteY1" fmla="*/ 6350 h 266700"/>
+                  <a:gd name="connsiteX2" fmla="*/ 292100 w 571500"/>
+                  <a:gd name="connsiteY2" fmla="*/ 266700 h 266700"/>
+                  <a:gd name="connsiteX3" fmla="*/ 0 w 571500"/>
+                  <a:gd name="connsiteY3" fmla="*/ 0 h 266700"/>
+                  <a:gd name="connsiteX0" fmla="*/ 0 w 565150"/>
+                  <a:gd name="connsiteY0" fmla="*/ 74962 h 341662"/>
+                  <a:gd name="connsiteX1" fmla="*/ 565150 w 565150"/>
+                  <a:gd name="connsiteY1" fmla="*/ 0 h 341662"/>
+                  <a:gd name="connsiteX2" fmla="*/ 292100 w 565150"/>
+                  <a:gd name="connsiteY2" fmla="*/ 341662 h 341662"/>
+                  <a:gd name="connsiteX3" fmla="*/ 0 w 565150"/>
+                  <a:gd name="connsiteY3" fmla="*/ 74962 h 341662"/>
+                  <a:gd name="connsiteX0" fmla="*/ 0 w 488950"/>
+                  <a:gd name="connsiteY0" fmla="*/ 426 h 341662"/>
+                  <a:gd name="connsiteX1" fmla="*/ 488950 w 488950"/>
+                  <a:gd name="connsiteY1" fmla="*/ 0 h 341662"/>
+                  <a:gd name="connsiteX2" fmla="*/ 215900 w 488950"/>
+                  <a:gd name="connsiteY2" fmla="*/ 341662 h 341662"/>
+                  <a:gd name="connsiteX3" fmla="*/ 0 w 488950"/>
+                  <a:gd name="connsiteY3" fmla="*/ 426 h 341662"/>
+                  <a:gd name="connsiteX0" fmla="*/ 0 w 488950"/>
+                  <a:gd name="connsiteY0" fmla="*/ 426 h 343347"/>
+                  <a:gd name="connsiteX1" fmla="*/ 488950 w 488950"/>
+                  <a:gd name="connsiteY1" fmla="*/ 0 h 343347"/>
+                  <a:gd name="connsiteX2" fmla="*/ 244645 w 488950"/>
+                  <a:gd name="connsiteY2" fmla="*/ 343347 h 343347"/>
+                  <a:gd name="connsiteX3" fmla="*/ 0 w 488950"/>
+                  <a:gd name="connsiteY3" fmla="*/ 426 h 343347"/>
+                  <a:gd name="connsiteX0" fmla="*/ 0 w 488950"/>
+                  <a:gd name="connsiteY0" fmla="*/ 426 h 343347"/>
+                  <a:gd name="connsiteX1" fmla="*/ 488950 w 488950"/>
+                  <a:gd name="connsiteY1" fmla="*/ 0 h 343347"/>
+                  <a:gd name="connsiteX2" fmla="*/ 288435 w 488950"/>
+                  <a:gd name="connsiteY2" fmla="*/ 296371 h 343347"/>
+                  <a:gd name="connsiteX3" fmla="*/ 244645 w 488950"/>
+                  <a:gd name="connsiteY3" fmla="*/ 343347 h 343347"/>
+                  <a:gd name="connsiteX4" fmla="*/ 0 w 488950"/>
+                  <a:gd name="connsiteY4" fmla="*/ 426 h 343347"/>
+                  <a:gd name="connsiteX0" fmla="*/ 0 w 488950"/>
+                  <a:gd name="connsiteY0" fmla="*/ 426 h 343347"/>
+                  <a:gd name="connsiteX1" fmla="*/ 488950 w 488950"/>
+                  <a:gd name="connsiteY1" fmla="*/ 0 h 343347"/>
+                  <a:gd name="connsiteX2" fmla="*/ 482465 w 488950"/>
+                  <a:gd name="connsiteY2" fmla="*/ 170015 h 343347"/>
+                  <a:gd name="connsiteX3" fmla="*/ 244645 w 488950"/>
+                  <a:gd name="connsiteY3" fmla="*/ 343347 h 343347"/>
+                  <a:gd name="connsiteX4" fmla="*/ 0 w 488950"/>
+                  <a:gd name="connsiteY4" fmla="*/ 426 h 343347"/>
+                  <a:gd name="connsiteX0" fmla="*/ 0 w 488950"/>
+                  <a:gd name="connsiteY0" fmla="*/ 426 h 343347"/>
+                  <a:gd name="connsiteX1" fmla="*/ 488950 w 488950"/>
+                  <a:gd name="connsiteY1" fmla="*/ 0 h 343347"/>
+                  <a:gd name="connsiteX2" fmla="*/ 475278 w 488950"/>
+                  <a:gd name="connsiteY2" fmla="*/ 262676 h 343347"/>
+                  <a:gd name="connsiteX3" fmla="*/ 244645 w 488950"/>
+                  <a:gd name="connsiteY3" fmla="*/ 343347 h 343347"/>
+                  <a:gd name="connsiteX4" fmla="*/ 0 w 488950"/>
+                  <a:gd name="connsiteY4" fmla="*/ 426 h 343347"/>
+                  <a:gd name="connsiteX0" fmla="*/ 0 w 488950"/>
+                  <a:gd name="connsiteY0" fmla="*/ 426 h 343347"/>
+                  <a:gd name="connsiteX1" fmla="*/ 488950 w 488950"/>
+                  <a:gd name="connsiteY1" fmla="*/ 0 h 343347"/>
+                  <a:gd name="connsiteX2" fmla="*/ 475278 w 488950"/>
+                  <a:gd name="connsiteY2" fmla="*/ 262676 h 343347"/>
+                  <a:gd name="connsiteX3" fmla="*/ 244645 w 488950"/>
+                  <a:gd name="connsiteY3" fmla="*/ 343347 h 343347"/>
+                  <a:gd name="connsiteX4" fmla="*/ 151895 w 488950"/>
+                  <a:gd name="connsiteY4" fmla="*/ 202025 h 343347"/>
+                  <a:gd name="connsiteX5" fmla="*/ 0 w 488950"/>
+                  <a:gd name="connsiteY5" fmla="*/ 426 h 343347"/>
+                  <a:gd name="connsiteX0" fmla="*/ 0 w 488950"/>
+                  <a:gd name="connsiteY0" fmla="*/ 426 h 343347"/>
+                  <a:gd name="connsiteX1" fmla="*/ 488950 w 488950"/>
+                  <a:gd name="connsiteY1" fmla="*/ 0 h 343347"/>
+                  <a:gd name="connsiteX2" fmla="*/ 475278 w 488950"/>
+                  <a:gd name="connsiteY2" fmla="*/ 262676 h 343347"/>
+                  <a:gd name="connsiteX3" fmla="*/ 244645 w 488950"/>
+                  <a:gd name="connsiteY3" fmla="*/ 343347 h 343347"/>
+                  <a:gd name="connsiteX4" fmla="*/ 15354 w 488950"/>
+                  <a:gd name="connsiteY4" fmla="*/ 264361 h 343347"/>
+                  <a:gd name="connsiteX5" fmla="*/ 0 w 488950"/>
+                  <a:gd name="connsiteY5" fmla="*/ 426 h 343347"/>
+                  <a:gd name="connsiteX0" fmla="*/ 0 w 488950"/>
+                  <a:gd name="connsiteY0" fmla="*/ 426 h 343347"/>
+                  <a:gd name="connsiteX1" fmla="*/ 488950 w 488950"/>
+                  <a:gd name="connsiteY1" fmla="*/ 0 h 343347"/>
+                  <a:gd name="connsiteX2" fmla="*/ 484859 w 488950"/>
+                  <a:gd name="connsiteY2" fmla="*/ 294108 h 343347"/>
+                  <a:gd name="connsiteX3" fmla="*/ 244645 w 488950"/>
+                  <a:gd name="connsiteY3" fmla="*/ 343347 h 343347"/>
+                  <a:gd name="connsiteX4" fmla="*/ 15354 w 488950"/>
+                  <a:gd name="connsiteY4" fmla="*/ 264361 h 343347"/>
+                  <a:gd name="connsiteX5" fmla="*/ 0 w 488950"/>
+                  <a:gd name="connsiteY5" fmla="*/ 426 h 343347"/>
+                  <a:gd name="connsiteX0" fmla="*/ 0 w 488950"/>
+                  <a:gd name="connsiteY0" fmla="*/ 426 h 343347"/>
+                  <a:gd name="connsiteX1" fmla="*/ 488950 w 488950"/>
+                  <a:gd name="connsiteY1" fmla="*/ 0 h 343347"/>
+                  <a:gd name="connsiteX2" fmla="*/ 484859 w 488950"/>
+                  <a:gd name="connsiteY2" fmla="*/ 294108 h 343347"/>
+                  <a:gd name="connsiteX3" fmla="*/ 244645 w 488950"/>
+                  <a:gd name="connsiteY3" fmla="*/ 343347 h 343347"/>
+                  <a:gd name="connsiteX4" fmla="*/ 5772 w 488950"/>
+                  <a:gd name="connsiteY4" fmla="*/ 295793 h 343347"/>
+                  <a:gd name="connsiteX5" fmla="*/ 0 w 488950"/>
+                  <a:gd name="connsiteY5" fmla="*/ 426 h 343347"/>
+                </a:gdLst>
+                <a:ahLst/>
+                <a:cxnLst>
+                  <a:cxn ang="0">
+                    <a:pos x="connsiteX0" y="connsiteY0"/>
+                  </a:cxn>
+                  <a:cxn ang="0">
+                    <a:pos x="connsiteX1" y="connsiteY1"/>
+                  </a:cxn>
+                  <a:cxn ang="0">
+                    <a:pos x="connsiteX2" y="connsiteY2"/>
+                  </a:cxn>
+                  <a:cxn ang="0">
+                    <a:pos x="connsiteX3" y="connsiteY3"/>
+                  </a:cxn>
+                  <a:cxn ang="0">
+                    <a:pos x="connsiteX4" y="connsiteY4"/>
+                  </a:cxn>
+                  <a:cxn ang="0">
+                    <a:pos x="connsiteX5" y="connsiteY5"/>
+                  </a:cxn>
+                </a:cxnLst>
+                <a:rect l="l" t="t" r="r" b="b"/>
+                <a:pathLst>
+                  <a:path w="488950" h="343347">
+                    <a:moveTo>
+                      <a:pt x="0" y="426"/>
+                    </a:moveTo>
+                    <a:lnTo>
+                      <a:pt x="488950" y="0"/>
+                    </a:lnTo>
+                    <a:cubicBezTo>
+                      <a:pt x="487586" y="98036"/>
+                      <a:pt x="486223" y="196072"/>
+                      <a:pt x="484859" y="294108"/>
+                    </a:cubicBezTo>
+                    <a:lnTo>
+                      <a:pt x="244645" y="343347"/>
+                    </a:lnTo>
+                    <a:lnTo>
+                      <a:pt x="5772" y="295793"/>
+                    </a:lnTo>
+                    <a:lnTo>
+                      <a:pt x="0" y="426"/>
+                    </a:lnTo>
+                    <a:close/>
+                  </a:path>
+                </a:pathLst>
+              </a:custGeom>
+              <a:noFill/>
+              <a:ln w="28575" cmpd="sng">
+                <a:solidFill>
+                  <a:srgbClr val="1F497D"/>
+                </a:solidFill>
+              </a:ln>
+            </p:spPr>
+            <p:style>
+              <a:lnRef idx="1">
+                <a:schemeClr val="accent1"/>
+              </a:lnRef>
+              <a:fillRef idx="3">
+                <a:schemeClr val="accent1"/>
+              </a:fillRef>
+              <a:effectRef idx="2">
+                <a:schemeClr val="accent1"/>
+              </a:effectRef>
+              <a:fontRef idx="minor">
+                <a:schemeClr val="lt1"/>
+              </a:fontRef>
+            </p:style>
+            <p:txBody>
+              <a:bodyPr rtlCol="0" anchor="ctr"/>
+              <a:lstStyle/>
+              <a:p>
+                <a:pPr algn="ctr"/>
+                <a:endParaRPr kumimoji="1" lang="ja-JP" altLang="en-US"/>
+              </a:p>
+            </p:txBody>
+          </p:sp>
+        </p:grpSp>
+        <p:sp>
+          <p:nvSpPr>
+            <p:cNvPr id="50" name="テキスト ボックス 49"/>
+            <p:cNvSpPr txBox="1"/>
+            <p:nvPr/>
+          </p:nvSpPr>
+          <p:spPr>
+            <a:xfrm>
+              <a:off x="4716016" y="1916832"/>
+              <a:ext cx="1332692" cy="400110"/>
+            </a:xfrm>
+            <a:prstGeom prst="rect">
+              <a:avLst/>
+            </a:prstGeom>
+            <a:noFill/>
+          </p:spPr>
+          <p:txBody>
+            <a:bodyPr wrap="none" rtlCol="0">
+              <a:spAutoFit/>
+            </a:bodyPr>
+            <a:lstStyle/>
+            <a:p>
+              <a:r>
+                <a:rPr kumimoji="1" lang="en-US" altLang="ja-JP" sz="2000" dirty="0" smtClean="0">
+                  <a:solidFill>
+                    <a:srgbClr val="1F497D"/>
+                  </a:solidFill>
+                  <a:latin typeface="+mn-lt"/>
+                  <a:cs typeface="Verdana"/>
+                </a:rPr>
+                <a:t>DIGITAL</a:t>
+              </a:r>
+              <a:r>
+                <a:rPr lang="en-US" altLang="ja-JP" sz="2000" dirty="0" smtClean="0">
+                  <a:solidFill>
+                    <a:srgbClr val="1F497D"/>
+                  </a:solidFill>
+                  <a:latin typeface="+mn-lt"/>
+                  <a:cs typeface="Verdana"/>
+                </a:rPr>
+                <a:t> </a:t>
+              </a:r>
+              <a:r>
+                <a:rPr lang="en-US" altLang="ja-JP" sz="2000" dirty="0" smtClean="0">
+                  <a:solidFill>
+                    <a:srgbClr val="1F497D"/>
+                  </a:solidFill>
+                  <a:latin typeface="+mn-lt"/>
+                  <a:cs typeface="Verdana"/>
+                </a:rPr>
+                <a:t>13</a:t>
+              </a:r>
+              <a:endParaRPr kumimoji="1" lang="ja-JP" altLang="en-US" sz="2000" dirty="0">
+                <a:solidFill>
+                  <a:srgbClr val="1F497D"/>
+                </a:solidFill>
+                <a:latin typeface="+mn-lt"/>
+                <a:cs typeface="Verdana"/>
+              </a:endParaRPr>
+            </a:p>
+          </p:txBody>
+        </p:sp>
+        <p:sp>
+          <p:nvSpPr>
+            <p:cNvPr id="51" name="フリーフォーム 50"/>
+            <p:cNvSpPr/>
+            <p:nvPr/>
+          </p:nvSpPr>
+          <p:spPr>
+            <a:xfrm>
+              <a:off x="6588224" y="2780928"/>
+              <a:ext cx="432048" cy="1229639"/>
+            </a:xfrm>
+            <a:custGeom>
+              <a:avLst/>
+              <a:gdLst>
+                <a:gd name="connsiteX0" fmla="*/ 482600 w 990600"/>
+                <a:gd name="connsiteY0" fmla="*/ 0 h 4783666"/>
+                <a:gd name="connsiteX1" fmla="*/ 482600 w 990600"/>
+                <a:gd name="connsiteY1" fmla="*/ 474133 h 4783666"/>
+                <a:gd name="connsiteX2" fmla="*/ 0 w 990600"/>
+                <a:gd name="connsiteY2" fmla="*/ 711200 h 4783666"/>
+                <a:gd name="connsiteX3" fmla="*/ 982133 w 990600"/>
+                <a:gd name="connsiteY3" fmla="*/ 1202266 h 4783666"/>
+                <a:gd name="connsiteX4" fmla="*/ 8467 w 990600"/>
+                <a:gd name="connsiteY4" fmla="*/ 1684866 h 4783666"/>
+                <a:gd name="connsiteX5" fmla="*/ 973667 w 990600"/>
+                <a:gd name="connsiteY5" fmla="*/ 2150533 h 4783666"/>
+                <a:gd name="connsiteX6" fmla="*/ 8467 w 990600"/>
+                <a:gd name="connsiteY6" fmla="*/ 2641600 h 4783666"/>
+                <a:gd name="connsiteX7" fmla="*/ 990600 w 990600"/>
+                <a:gd name="connsiteY7" fmla="*/ 3107266 h 4783666"/>
+                <a:gd name="connsiteX8" fmla="*/ 16933 w 990600"/>
+                <a:gd name="connsiteY8" fmla="*/ 3581400 h 4783666"/>
+                <a:gd name="connsiteX9" fmla="*/ 973667 w 990600"/>
+                <a:gd name="connsiteY9" fmla="*/ 4055533 h 4783666"/>
+                <a:gd name="connsiteX10" fmla="*/ 482600 w 990600"/>
+                <a:gd name="connsiteY10" fmla="*/ 4309533 h 4783666"/>
+                <a:gd name="connsiteX11" fmla="*/ 482600 w 990600"/>
+                <a:gd name="connsiteY11" fmla="*/ 4783666 h 4783666"/>
+                <a:gd name="connsiteX0" fmla="*/ 482600 w 990600"/>
+                <a:gd name="connsiteY0" fmla="*/ 0 h 4922401"/>
+                <a:gd name="connsiteX1" fmla="*/ 482600 w 990600"/>
+                <a:gd name="connsiteY1" fmla="*/ 474133 h 4922401"/>
+                <a:gd name="connsiteX2" fmla="*/ 0 w 990600"/>
+                <a:gd name="connsiteY2" fmla="*/ 711200 h 4922401"/>
+                <a:gd name="connsiteX3" fmla="*/ 982133 w 990600"/>
+                <a:gd name="connsiteY3" fmla="*/ 1202266 h 4922401"/>
+                <a:gd name="connsiteX4" fmla="*/ 8467 w 990600"/>
+                <a:gd name="connsiteY4" fmla="*/ 1684866 h 4922401"/>
+                <a:gd name="connsiteX5" fmla="*/ 973667 w 990600"/>
+                <a:gd name="connsiteY5" fmla="*/ 2150533 h 4922401"/>
+                <a:gd name="connsiteX6" fmla="*/ 8467 w 990600"/>
+                <a:gd name="connsiteY6" fmla="*/ 2641600 h 4922401"/>
+                <a:gd name="connsiteX7" fmla="*/ 990600 w 990600"/>
+                <a:gd name="connsiteY7" fmla="*/ 3107266 h 4922401"/>
+                <a:gd name="connsiteX8" fmla="*/ 16933 w 990600"/>
+                <a:gd name="connsiteY8" fmla="*/ 3581400 h 4922401"/>
+                <a:gd name="connsiteX9" fmla="*/ 973667 w 990600"/>
+                <a:gd name="connsiteY9" fmla="*/ 4055533 h 4922401"/>
+                <a:gd name="connsiteX10" fmla="*/ 482600 w 990600"/>
+                <a:gd name="connsiteY10" fmla="*/ 4309533 h 4922401"/>
+                <a:gd name="connsiteX11" fmla="*/ 497159 w 990600"/>
+                <a:gd name="connsiteY11" fmla="*/ 4922401 h 4922401"/>
+                <a:gd name="connsiteX0" fmla="*/ 482600 w 990600"/>
+                <a:gd name="connsiteY0" fmla="*/ 0 h 4922401"/>
+                <a:gd name="connsiteX1" fmla="*/ 482600 w 990600"/>
+                <a:gd name="connsiteY1" fmla="*/ 474133 h 4922401"/>
+                <a:gd name="connsiteX2" fmla="*/ 0 w 990600"/>
+                <a:gd name="connsiteY2" fmla="*/ 711200 h 4922401"/>
+                <a:gd name="connsiteX3" fmla="*/ 982133 w 990600"/>
+                <a:gd name="connsiteY3" fmla="*/ 1202266 h 4922401"/>
+                <a:gd name="connsiteX4" fmla="*/ 8467 w 990600"/>
+                <a:gd name="connsiteY4" fmla="*/ 1684866 h 4922401"/>
+                <a:gd name="connsiteX5" fmla="*/ 973667 w 990600"/>
+                <a:gd name="connsiteY5" fmla="*/ 2150533 h 4922401"/>
+                <a:gd name="connsiteX6" fmla="*/ 8467 w 990600"/>
+                <a:gd name="connsiteY6" fmla="*/ 2641600 h 4922401"/>
+                <a:gd name="connsiteX7" fmla="*/ 990600 w 990600"/>
+                <a:gd name="connsiteY7" fmla="*/ 3107266 h 4922401"/>
+                <a:gd name="connsiteX8" fmla="*/ 16933 w 990600"/>
+                <a:gd name="connsiteY8" fmla="*/ 3581400 h 4922401"/>
+                <a:gd name="connsiteX9" fmla="*/ 973667 w 990600"/>
+                <a:gd name="connsiteY9" fmla="*/ 4055533 h 4922401"/>
+                <a:gd name="connsiteX10" fmla="*/ 497159 w 990600"/>
+                <a:gd name="connsiteY10" fmla="*/ 4259085 h 4922401"/>
+                <a:gd name="connsiteX11" fmla="*/ 497159 w 990600"/>
+                <a:gd name="connsiteY11" fmla="*/ 4922401 h 4922401"/>
+                <a:gd name="connsiteX0" fmla="*/ 482600 w 990600"/>
+                <a:gd name="connsiteY0" fmla="*/ 0 h 4922401"/>
+                <a:gd name="connsiteX1" fmla="*/ 482600 w 990600"/>
+                <a:gd name="connsiteY1" fmla="*/ 474133 h 4922401"/>
+                <a:gd name="connsiteX2" fmla="*/ 0 w 990600"/>
+                <a:gd name="connsiteY2" fmla="*/ 711200 h 4922401"/>
+                <a:gd name="connsiteX3" fmla="*/ 982133 w 990600"/>
+                <a:gd name="connsiteY3" fmla="*/ 1202266 h 4922401"/>
+                <a:gd name="connsiteX4" fmla="*/ 8467 w 990600"/>
+                <a:gd name="connsiteY4" fmla="*/ 1684866 h 4922401"/>
+                <a:gd name="connsiteX5" fmla="*/ 973667 w 990600"/>
+                <a:gd name="connsiteY5" fmla="*/ 2150533 h 4922401"/>
+                <a:gd name="connsiteX6" fmla="*/ 8467 w 990600"/>
+                <a:gd name="connsiteY6" fmla="*/ 2641600 h 4922401"/>
+                <a:gd name="connsiteX7" fmla="*/ 990600 w 990600"/>
+                <a:gd name="connsiteY7" fmla="*/ 3107266 h 4922401"/>
+                <a:gd name="connsiteX8" fmla="*/ 16933 w 990600"/>
+                <a:gd name="connsiteY8" fmla="*/ 3581400 h 4922401"/>
+                <a:gd name="connsiteX9" fmla="*/ 973667 w 990600"/>
+                <a:gd name="connsiteY9" fmla="*/ 4055533 h 4922401"/>
+                <a:gd name="connsiteX10" fmla="*/ 497159 w 990600"/>
+                <a:gd name="connsiteY10" fmla="*/ 4309534 h 4922401"/>
+                <a:gd name="connsiteX11" fmla="*/ 497159 w 990600"/>
+                <a:gd name="connsiteY11" fmla="*/ 4922401 h 4922401"/>
+                <a:gd name="connsiteX0" fmla="*/ 489880 w 990600"/>
+                <a:gd name="connsiteY0" fmla="*/ 0 h 4909789"/>
+                <a:gd name="connsiteX1" fmla="*/ 482600 w 990600"/>
+                <a:gd name="connsiteY1" fmla="*/ 461521 h 4909789"/>
+                <a:gd name="connsiteX2" fmla="*/ 0 w 990600"/>
+                <a:gd name="connsiteY2" fmla="*/ 698588 h 4909789"/>
+                <a:gd name="connsiteX3" fmla="*/ 982133 w 990600"/>
+                <a:gd name="connsiteY3" fmla="*/ 1189654 h 4909789"/>
+                <a:gd name="connsiteX4" fmla="*/ 8467 w 990600"/>
+                <a:gd name="connsiteY4" fmla="*/ 1672254 h 4909789"/>
+                <a:gd name="connsiteX5" fmla="*/ 973667 w 990600"/>
+                <a:gd name="connsiteY5" fmla="*/ 2137921 h 4909789"/>
+                <a:gd name="connsiteX6" fmla="*/ 8467 w 990600"/>
+                <a:gd name="connsiteY6" fmla="*/ 2628988 h 4909789"/>
+                <a:gd name="connsiteX7" fmla="*/ 990600 w 990600"/>
+                <a:gd name="connsiteY7" fmla="*/ 3094654 h 4909789"/>
+                <a:gd name="connsiteX8" fmla="*/ 16933 w 990600"/>
+                <a:gd name="connsiteY8" fmla="*/ 3568788 h 4909789"/>
+                <a:gd name="connsiteX9" fmla="*/ 973667 w 990600"/>
+                <a:gd name="connsiteY9" fmla="*/ 4042921 h 4909789"/>
+                <a:gd name="connsiteX10" fmla="*/ 497159 w 990600"/>
+                <a:gd name="connsiteY10" fmla="*/ 4296922 h 4909789"/>
+                <a:gd name="connsiteX11" fmla="*/ 497159 w 990600"/>
+                <a:gd name="connsiteY11" fmla="*/ 4909789 h 4909789"/>
+                <a:gd name="connsiteX0" fmla="*/ 489880 w 990600"/>
+                <a:gd name="connsiteY0" fmla="*/ 0 h 4909789"/>
+                <a:gd name="connsiteX1" fmla="*/ 504439 w 990600"/>
+                <a:gd name="connsiteY1" fmla="*/ 461520 h 4909789"/>
+                <a:gd name="connsiteX2" fmla="*/ 0 w 990600"/>
+                <a:gd name="connsiteY2" fmla="*/ 698588 h 4909789"/>
+                <a:gd name="connsiteX3" fmla="*/ 982133 w 990600"/>
+                <a:gd name="connsiteY3" fmla="*/ 1189654 h 4909789"/>
+                <a:gd name="connsiteX4" fmla="*/ 8467 w 990600"/>
+                <a:gd name="connsiteY4" fmla="*/ 1672254 h 4909789"/>
+                <a:gd name="connsiteX5" fmla="*/ 973667 w 990600"/>
+                <a:gd name="connsiteY5" fmla="*/ 2137921 h 4909789"/>
+                <a:gd name="connsiteX6" fmla="*/ 8467 w 990600"/>
+                <a:gd name="connsiteY6" fmla="*/ 2628988 h 4909789"/>
+                <a:gd name="connsiteX7" fmla="*/ 990600 w 990600"/>
+                <a:gd name="connsiteY7" fmla="*/ 3094654 h 4909789"/>
+                <a:gd name="connsiteX8" fmla="*/ 16933 w 990600"/>
+                <a:gd name="connsiteY8" fmla="*/ 3568788 h 4909789"/>
+                <a:gd name="connsiteX9" fmla="*/ 973667 w 990600"/>
+                <a:gd name="connsiteY9" fmla="*/ 4042921 h 4909789"/>
+                <a:gd name="connsiteX10" fmla="*/ 497159 w 990600"/>
+                <a:gd name="connsiteY10" fmla="*/ 4296922 h 4909789"/>
+                <a:gd name="connsiteX11" fmla="*/ 497159 w 990600"/>
+                <a:gd name="connsiteY11" fmla="*/ 4909789 h 4909789"/>
+                <a:gd name="connsiteX0" fmla="*/ 489880 w 990600"/>
+                <a:gd name="connsiteY0" fmla="*/ 0 h 4909789"/>
+                <a:gd name="connsiteX1" fmla="*/ 489880 w 990600"/>
+                <a:gd name="connsiteY1" fmla="*/ 461520 h 4909789"/>
+                <a:gd name="connsiteX2" fmla="*/ 0 w 990600"/>
+                <a:gd name="connsiteY2" fmla="*/ 698588 h 4909789"/>
+                <a:gd name="connsiteX3" fmla="*/ 982133 w 990600"/>
+                <a:gd name="connsiteY3" fmla="*/ 1189654 h 4909789"/>
+                <a:gd name="connsiteX4" fmla="*/ 8467 w 990600"/>
+                <a:gd name="connsiteY4" fmla="*/ 1672254 h 4909789"/>
+                <a:gd name="connsiteX5" fmla="*/ 973667 w 990600"/>
+                <a:gd name="connsiteY5" fmla="*/ 2137921 h 4909789"/>
+                <a:gd name="connsiteX6" fmla="*/ 8467 w 990600"/>
+                <a:gd name="connsiteY6" fmla="*/ 2628988 h 4909789"/>
+                <a:gd name="connsiteX7" fmla="*/ 990600 w 990600"/>
+                <a:gd name="connsiteY7" fmla="*/ 3094654 h 4909789"/>
+                <a:gd name="connsiteX8" fmla="*/ 16933 w 990600"/>
+                <a:gd name="connsiteY8" fmla="*/ 3568788 h 4909789"/>
+                <a:gd name="connsiteX9" fmla="*/ 973667 w 990600"/>
+                <a:gd name="connsiteY9" fmla="*/ 4042921 h 4909789"/>
+                <a:gd name="connsiteX10" fmla="*/ 497159 w 990600"/>
+                <a:gd name="connsiteY10" fmla="*/ 4296922 h 4909789"/>
+                <a:gd name="connsiteX11" fmla="*/ 497159 w 990600"/>
+                <a:gd name="connsiteY11" fmla="*/ 4909789 h 4909789"/>
+                <a:gd name="connsiteX0" fmla="*/ 489880 w 990600"/>
+                <a:gd name="connsiteY0" fmla="*/ 0 h 5111585"/>
+                <a:gd name="connsiteX1" fmla="*/ 489880 w 990600"/>
+                <a:gd name="connsiteY1" fmla="*/ 663316 h 5111585"/>
+                <a:gd name="connsiteX2" fmla="*/ 0 w 990600"/>
+                <a:gd name="connsiteY2" fmla="*/ 900384 h 5111585"/>
+                <a:gd name="connsiteX3" fmla="*/ 982133 w 990600"/>
+                <a:gd name="connsiteY3" fmla="*/ 1391450 h 5111585"/>
+                <a:gd name="connsiteX4" fmla="*/ 8467 w 990600"/>
+                <a:gd name="connsiteY4" fmla="*/ 1874050 h 5111585"/>
+                <a:gd name="connsiteX5" fmla="*/ 973667 w 990600"/>
+                <a:gd name="connsiteY5" fmla="*/ 2339717 h 5111585"/>
+                <a:gd name="connsiteX6" fmla="*/ 8467 w 990600"/>
+                <a:gd name="connsiteY6" fmla="*/ 2830784 h 5111585"/>
+                <a:gd name="connsiteX7" fmla="*/ 990600 w 990600"/>
+                <a:gd name="connsiteY7" fmla="*/ 3296450 h 5111585"/>
+                <a:gd name="connsiteX8" fmla="*/ 16933 w 990600"/>
+                <a:gd name="connsiteY8" fmla="*/ 3770584 h 5111585"/>
+                <a:gd name="connsiteX9" fmla="*/ 973667 w 990600"/>
+                <a:gd name="connsiteY9" fmla="*/ 4244717 h 5111585"/>
+                <a:gd name="connsiteX10" fmla="*/ 497159 w 990600"/>
+                <a:gd name="connsiteY10" fmla="*/ 4498718 h 5111585"/>
+                <a:gd name="connsiteX11" fmla="*/ 497159 w 990600"/>
+                <a:gd name="connsiteY11" fmla="*/ 5111585 h 5111585"/>
+                <a:gd name="connsiteX0" fmla="*/ 489880 w 990600"/>
+                <a:gd name="connsiteY0" fmla="*/ 0 h 5111585"/>
+                <a:gd name="connsiteX1" fmla="*/ 489880 w 990600"/>
+                <a:gd name="connsiteY1" fmla="*/ 650704 h 5111585"/>
+                <a:gd name="connsiteX2" fmla="*/ 0 w 990600"/>
+                <a:gd name="connsiteY2" fmla="*/ 900384 h 5111585"/>
+                <a:gd name="connsiteX3" fmla="*/ 982133 w 990600"/>
+                <a:gd name="connsiteY3" fmla="*/ 1391450 h 5111585"/>
+                <a:gd name="connsiteX4" fmla="*/ 8467 w 990600"/>
+                <a:gd name="connsiteY4" fmla="*/ 1874050 h 5111585"/>
+                <a:gd name="connsiteX5" fmla="*/ 973667 w 990600"/>
+                <a:gd name="connsiteY5" fmla="*/ 2339717 h 5111585"/>
+                <a:gd name="connsiteX6" fmla="*/ 8467 w 990600"/>
+                <a:gd name="connsiteY6" fmla="*/ 2830784 h 5111585"/>
+                <a:gd name="connsiteX7" fmla="*/ 990600 w 990600"/>
+                <a:gd name="connsiteY7" fmla="*/ 3296450 h 5111585"/>
+                <a:gd name="connsiteX8" fmla="*/ 16933 w 990600"/>
+                <a:gd name="connsiteY8" fmla="*/ 3770584 h 5111585"/>
+                <a:gd name="connsiteX9" fmla="*/ 973667 w 990600"/>
+                <a:gd name="connsiteY9" fmla="*/ 4244717 h 5111585"/>
+                <a:gd name="connsiteX10" fmla="*/ 497159 w 990600"/>
+                <a:gd name="connsiteY10" fmla="*/ 4498718 h 5111585"/>
+                <a:gd name="connsiteX11" fmla="*/ 497159 w 990600"/>
+                <a:gd name="connsiteY11" fmla="*/ 5111585 h 5111585"/>
+                <a:gd name="connsiteX0" fmla="*/ 497159 w 990600"/>
+                <a:gd name="connsiteY0" fmla="*/ 0 h 4884565"/>
+                <a:gd name="connsiteX1" fmla="*/ 489880 w 990600"/>
+                <a:gd name="connsiteY1" fmla="*/ 423684 h 4884565"/>
+                <a:gd name="connsiteX2" fmla="*/ 0 w 990600"/>
+                <a:gd name="connsiteY2" fmla="*/ 673364 h 4884565"/>
+                <a:gd name="connsiteX3" fmla="*/ 982133 w 990600"/>
+                <a:gd name="connsiteY3" fmla="*/ 1164430 h 4884565"/>
+                <a:gd name="connsiteX4" fmla="*/ 8467 w 990600"/>
+                <a:gd name="connsiteY4" fmla="*/ 1647030 h 4884565"/>
+                <a:gd name="connsiteX5" fmla="*/ 973667 w 990600"/>
+                <a:gd name="connsiteY5" fmla="*/ 2112697 h 4884565"/>
+                <a:gd name="connsiteX6" fmla="*/ 8467 w 990600"/>
+                <a:gd name="connsiteY6" fmla="*/ 2603764 h 4884565"/>
+                <a:gd name="connsiteX7" fmla="*/ 990600 w 990600"/>
+                <a:gd name="connsiteY7" fmla="*/ 3069430 h 4884565"/>
+                <a:gd name="connsiteX8" fmla="*/ 16933 w 990600"/>
+                <a:gd name="connsiteY8" fmla="*/ 3543564 h 4884565"/>
+                <a:gd name="connsiteX9" fmla="*/ 973667 w 990600"/>
+                <a:gd name="connsiteY9" fmla="*/ 4017697 h 4884565"/>
+                <a:gd name="connsiteX10" fmla="*/ 497159 w 990600"/>
+                <a:gd name="connsiteY10" fmla="*/ 4271698 h 4884565"/>
+                <a:gd name="connsiteX11" fmla="*/ 497159 w 990600"/>
+                <a:gd name="connsiteY11" fmla="*/ 4884565 h 4884565"/>
+                <a:gd name="connsiteX0" fmla="*/ 497159 w 990600"/>
+                <a:gd name="connsiteY0" fmla="*/ 0 h 4884565"/>
+                <a:gd name="connsiteX1" fmla="*/ 494674 w 990600"/>
+                <a:gd name="connsiteY1" fmla="*/ 397172 h 4884565"/>
+                <a:gd name="connsiteX2" fmla="*/ 489880 w 990600"/>
+                <a:gd name="connsiteY2" fmla="*/ 423684 h 4884565"/>
+                <a:gd name="connsiteX3" fmla="*/ 0 w 990600"/>
+                <a:gd name="connsiteY3" fmla="*/ 673364 h 4884565"/>
+                <a:gd name="connsiteX4" fmla="*/ 982133 w 990600"/>
+                <a:gd name="connsiteY4" fmla="*/ 1164430 h 4884565"/>
+                <a:gd name="connsiteX5" fmla="*/ 8467 w 990600"/>
+                <a:gd name="connsiteY5" fmla="*/ 1647030 h 4884565"/>
+                <a:gd name="connsiteX6" fmla="*/ 973667 w 990600"/>
+                <a:gd name="connsiteY6" fmla="*/ 2112697 h 4884565"/>
+                <a:gd name="connsiteX7" fmla="*/ 8467 w 990600"/>
+                <a:gd name="connsiteY7" fmla="*/ 2603764 h 4884565"/>
+                <a:gd name="connsiteX8" fmla="*/ 990600 w 990600"/>
+                <a:gd name="connsiteY8" fmla="*/ 3069430 h 4884565"/>
+                <a:gd name="connsiteX9" fmla="*/ 16933 w 990600"/>
+                <a:gd name="connsiteY9" fmla="*/ 3543564 h 4884565"/>
+                <a:gd name="connsiteX10" fmla="*/ 973667 w 990600"/>
+                <a:gd name="connsiteY10" fmla="*/ 4017697 h 4884565"/>
+                <a:gd name="connsiteX11" fmla="*/ 497159 w 990600"/>
+                <a:gd name="connsiteY11" fmla="*/ 4271698 h 4884565"/>
+                <a:gd name="connsiteX12" fmla="*/ 497159 w 990600"/>
+                <a:gd name="connsiteY12" fmla="*/ 4884565 h 4884565"/>
+              </a:gdLst>
+              <a:ahLst/>
+              <a:cxnLst>
+                <a:cxn ang="0">
+                  <a:pos x="connsiteX0" y="connsiteY0"/>
+                </a:cxn>
+                <a:cxn ang="0">
+                  <a:pos x="connsiteX1" y="connsiteY1"/>
+                </a:cxn>
+                <a:cxn ang="0">
+                  <a:pos x="connsiteX2" y="connsiteY2"/>
+                </a:cxn>
+                <a:cxn ang="0">
+                  <a:pos x="connsiteX3" y="connsiteY3"/>
+                </a:cxn>
+                <a:cxn ang="0">
+                  <a:pos x="connsiteX4" y="connsiteY4"/>
+                </a:cxn>
+                <a:cxn ang="0">
+                  <a:pos x="connsiteX5" y="connsiteY5"/>
+                </a:cxn>
+                <a:cxn ang="0">
+                  <a:pos x="connsiteX6" y="connsiteY6"/>
+                </a:cxn>
+                <a:cxn ang="0">
+                  <a:pos x="connsiteX7" y="connsiteY7"/>
+                </a:cxn>
+                <a:cxn ang="0">
+                  <a:pos x="connsiteX8" y="connsiteY8"/>
+                </a:cxn>
+                <a:cxn ang="0">
+                  <a:pos x="connsiteX9" y="connsiteY9"/>
+                </a:cxn>
+                <a:cxn ang="0">
+                  <a:pos x="connsiteX10" y="connsiteY10"/>
+                </a:cxn>
+                <a:cxn ang="0">
+                  <a:pos x="connsiteX11" y="connsiteY11"/>
+                </a:cxn>
+                <a:cxn ang="0">
+                  <a:pos x="connsiteX12" y="connsiteY12"/>
+                </a:cxn>
+              </a:cxnLst>
+              <a:rect l="l" t="t" r="r" b="b"/>
+              <a:pathLst>
+                <a:path w="990600" h="4884565">
+                  <a:moveTo>
+                    <a:pt x="497159" y="0"/>
+                  </a:moveTo>
+                  <a:cubicBezTo>
+                    <a:pt x="493904" y="128187"/>
+                    <a:pt x="497929" y="268985"/>
+                    <a:pt x="494674" y="397172"/>
+                  </a:cubicBezTo>
+                  <a:lnTo>
+                    <a:pt x="489880" y="423684"/>
+                  </a:lnTo>
+                  <a:lnTo>
+                    <a:pt x="0" y="673364"/>
+                  </a:lnTo>
+                  <a:lnTo>
+                    <a:pt x="982133" y="1164430"/>
+                  </a:lnTo>
+                  <a:lnTo>
+                    <a:pt x="8467" y="1647030"/>
+                  </a:lnTo>
+                  <a:lnTo>
+                    <a:pt x="973667" y="2112697"/>
+                  </a:lnTo>
+                  <a:lnTo>
+                    <a:pt x="8467" y="2603764"/>
+                  </a:lnTo>
+                  <a:lnTo>
+                    <a:pt x="990600" y="3069430"/>
+                  </a:lnTo>
+                  <a:lnTo>
+                    <a:pt x="16933" y="3543564"/>
+                  </a:lnTo>
+                  <a:lnTo>
+                    <a:pt x="973667" y="4017697"/>
+                  </a:lnTo>
+                  <a:lnTo>
+                    <a:pt x="497159" y="4271698"/>
+                  </a:lnTo>
+                  <a:lnTo>
+                    <a:pt x="497159" y="4884565"/>
+                  </a:lnTo>
+                </a:path>
+              </a:pathLst>
+            </a:custGeom>
+            <a:ln>
+              <a:solidFill>
+                <a:schemeClr val="tx2"/>
+              </a:solidFill>
+            </a:ln>
+          </p:spPr>
+          <p:style>
+            <a:lnRef idx="2">
+              <a:schemeClr val="accent4"/>
+            </a:lnRef>
+            <a:fillRef idx="0">
+              <a:schemeClr val="accent4"/>
+            </a:fillRef>
+            <a:effectRef idx="1">
+              <a:schemeClr val="accent4"/>
+            </a:effectRef>
+            <a:fontRef idx="minor">
+              <a:schemeClr val="tx1"/>
+            </a:fontRef>
+          </p:style>
+          <p:txBody>
+            <a:bodyPr rtlCol="0" anchor="ctr"/>
+            <a:lstStyle/>
+            <a:p>
+              <a:pPr algn="ctr"/>
+              <a:endParaRPr kumimoji="1" lang="ja-JP" altLang="en-US"/>
+            </a:p>
+          </p:txBody>
+        </p:sp>
+        <p:cxnSp>
+          <p:nvCxnSpPr>
+            <p:cNvPr id="52" name="直線コネクタ 51"/>
+            <p:cNvCxnSpPr>
+              <a:endCxn id="51" idx="0"/>
+            </p:cNvCxnSpPr>
+            <p:nvPr/>
+          </p:nvCxnSpPr>
+          <p:spPr>
+            <a:xfrm>
+              <a:off x="6804248" y="2132856"/>
+              <a:ext cx="811" cy="648072"/>
+            </a:xfrm>
+            <a:prstGeom prst="line">
+              <a:avLst/>
+            </a:prstGeom>
+            <a:ln>
+              <a:solidFill>
+                <a:srgbClr val="1F497D"/>
+              </a:solidFill>
+            </a:ln>
+          </p:spPr>
+          <p:style>
+            <a:lnRef idx="2">
+              <a:schemeClr val="accent1"/>
+            </a:lnRef>
+            <a:fillRef idx="0">
+              <a:schemeClr val="accent1"/>
+            </a:fillRef>
+            <a:effectRef idx="1">
+              <a:schemeClr val="accent1"/>
+            </a:effectRef>
+            <a:fontRef idx="minor">
+              <a:schemeClr val="tx1"/>
+            </a:fontRef>
+          </p:style>
+        </p:cxnSp>
+        <p:grpSp>
+          <p:nvGrpSpPr>
+            <p:cNvPr id="53" name="図形グループ 52"/>
+            <p:cNvGrpSpPr/>
+            <p:nvPr/>
+          </p:nvGrpSpPr>
+          <p:grpSpPr>
+            <a:xfrm>
+              <a:off x="6516216" y="5445224"/>
+              <a:ext cx="576064" cy="576064"/>
+              <a:chOff x="2915816" y="4437112"/>
+              <a:chExt cx="576064" cy="576064"/>
+            </a:xfrm>
+          </p:grpSpPr>
+          <p:cxnSp>
+            <p:nvCxnSpPr>
+              <p:cNvPr id="55" name="直線コネクタ 54"/>
+              <p:cNvCxnSpPr/>
+              <p:nvPr/>
+            </p:nvCxnSpPr>
+            <p:spPr>
+              <a:xfrm>
+                <a:off x="3203848" y="4437112"/>
+                <a:ext cx="0" cy="288032"/>
+              </a:xfrm>
+              <a:prstGeom prst="line">
+                <a:avLst/>
+              </a:prstGeom>
+              <a:ln>
+                <a:solidFill>
+                  <a:srgbClr val="1F497D"/>
+                </a:solidFill>
+              </a:ln>
+            </p:spPr>
+            <p:style>
+              <a:lnRef idx="2">
+                <a:schemeClr val="accent1"/>
+              </a:lnRef>
+              <a:fillRef idx="0">
+                <a:schemeClr val="accent1"/>
+              </a:fillRef>
+              <a:effectRef idx="1">
+                <a:schemeClr val="accent1"/>
+              </a:effectRef>
+              <a:fontRef idx="minor">
+                <a:schemeClr val="tx1"/>
+              </a:fontRef>
+            </p:style>
+          </p:cxnSp>
+          <p:cxnSp>
+            <p:nvCxnSpPr>
+              <p:cNvPr id="56" name="直線コネクタ 55"/>
+              <p:cNvCxnSpPr/>
+              <p:nvPr/>
+            </p:nvCxnSpPr>
+            <p:spPr>
+              <a:xfrm>
+                <a:off x="2915816" y="4725144"/>
+                <a:ext cx="576064" cy="0"/>
+              </a:xfrm>
+              <a:prstGeom prst="line">
+                <a:avLst/>
+              </a:prstGeom>
+              <a:ln>
+                <a:solidFill>
+                  <a:srgbClr val="1F497D"/>
+                </a:solidFill>
+              </a:ln>
+            </p:spPr>
+            <p:style>
+              <a:lnRef idx="2">
+                <a:schemeClr val="accent1"/>
+              </a:lnRef>
+              <a:fillRef idx="0">
+                <a:schemeClr val="accent1"/>
+              </a:fillRef>
+              <a:effectRef idx="1">
+                <a:schemeClr val="accent1"/>
+              </a:effectRef>
+              <a:fontRef idx="minor">
+                <a:schemeClr val="tx1"/>
+              </a:fontRef>
+            </p:style>
+          </p:cxnSp>
+          <p:cxnSp>
+            <p:nvCxnSpPr>
+              <p:cNvPr id="57" name="直線コネクタ 56"/>
+              <p:cNvCxnSpPr/>
+              <p:nvPr/>
+            </p:nvCxnSpPr>
+            <p:spPr>
+              <a:xfrm>
+                <a:off x="2987824" y="4869160"/>
+                <a:ext cx="432048" cy="0"/>
+              </a:xfrm>
+              <a:prstGeom prst="line">
+                <a:avLst/>
+              </a:prstGeom>
+              <a:ln>
+                <a:solidFill>
+                  <a:srgbClr val="1F497D"/>
+                </a:solidFill>
+              </a:ln>
+            </p:spPr>
+            <p:style>
+              <a:lnRef idx="2">
+                <a:schemeClr val="accent1"/>
+              </a:lnRef>
+              <a:fillRef idx="0">
+                <a:schemeClr val="accent1"/>
+              </a:fillRef>
+              <a:effectRef idx="1">
+                <a:schemeClr val="accent1"/>
+              </a:effectRef>
+              <a:fontRef idx="minor">
+                <a:schemeClr val="tx1"/>
+              </a:fontRef>
+            </p:style>
+          </p:cxnSp>
+          <p:cxnSp>
+            <p:nvCxnSpPr>
+              <p:cNvPr id="58" name="直線コネクタ 57"/>
+              <p:cNvCxnSpPr/>
+              <p:nvPr/>
+            </p:nvCxnSpPr>
+            <p:spPr>
+              <a:xfrm>
+                <a:off x="3059832" y="5013176"/>
+                <a:ext cx="288032" cy="0"/>
+              </a:xfrm>
+              <a:prstGeom prst="line">
+                <a:avLst/>
+              </a:prstGeom>
+              <a:ln>
+                <a:solidFill>
+                  <a:srgbClr val="1F497D"/>
+                </a:solidFill>
+              </a:ln>
+            </p:spPr>
+            <p:style>
+              <a:lnRef idx="2">
+                <a:schemeClr val="accent1"/>
+              </a:lnRef>
+              <a:fillRef idx="0">
+                <a:schemeClr val="accent1"/>
+              </a:fillRef>
+              <a:effectRef idx="1">
+                <a:schemeClr val="accent1"/>
+              </a:effectRef>
+              <a:fontRef idx="minor">
+                <a:schemeClr val="tx1"/>
+              </a:fontRef>
+            </p:style>
+          </p:cxnSp>
+        </p:grpSp>
+        <p:cxnSp>
+          <p:nvCxnSpPr>
+            <p:cNvPr id="54" name="直線コネクタ 53"/>
+            <p:cNvCxnSpPr/>
+            <p:nvPr/>
+          </p:nvCxnSpPr>
+          <p:spPr>
+            <a:xfrm flipV="1">
+              <a:off x="6804248" y="5229200"/>
+              <a:ext cx="0" cy="216024"/>
+            </a:xfrm>
+            <a:prstGeom prst="line">
+              <a:avLst/>
+            </a:prstGeom>
+            <a:ln>
+              <a:solidFill>
+                <a:srgbClr val="1F497D"/>
+              </a:solidFill>
+            </a:ln>
+          </p:spPr>
+          <p:style>
+            <a:lnRef idx="2">
+              <a:schemeClr val="accent1"/>
+            </a:lnRef>
+            <a:fillRef idx="0">
+              <a:schemeClr val="accent1"/>
+            </a:fillRef>
+            <a:effectRef idx="1">
+              <a:schemeClr val="accent1"/>
+            </a:effectRef>
+            <a:fontRef idx="minor">
+              <a:schemeClr val="tx1"/>
+            </a:fontRef>
+          </p:style>
+        </p:cxnSp>
+      </p:grpSp>
+      <p:grpSp>
+        <p:nvGrpSpPr>
+          <p:cNvPr id="23" name="図形グループ 22"/>
+          <p:cNvGrpSpPr/>
+          <p:nvPr/>
+        </p:nvGrpSpPr>
+        <p:grpSpPr>
+          <a:xfrm>
+            <a:off x="5364091" y="1700808"/>
+            <a:ext cx="3038819" cy="4248472"/>
+            <a:chOff x="5364091" y="1844824"/>
+            <a:chExt cx="3038819" cy="4248472"/>
+          </a:xfrm>
+        </p:grpSpPr>
+        <p:grpSp>
+          <p:nvGrpSpPr>
+            <p:cNvPr id="46" name="図形グループ 45"/>
+            <p:cNvGrpSpPr/>
+            <p:nvPr/>
+          </p:nvGrpSpPr>
+          <p:grpSpPr>
+            <a:xfrm>
+              <a:off x="7236296" y="4221088"/>
+              <a:ext cx="1166614" cy="1224136"/>
+              <a:chOff x="6012160" y="2492896"/>
+              <a:chExt cx="1166614" cy="1224136"/>
+            </a:xfrm>
+          </p:grpSpPr>
+          <p:cxnSp>
+            <p:nvCxnSpPr>
+              <p:cNvPr id="39" name="直線コネクタ 38"/>
+              <p:cNvCxnSpPr/>
+              <p:nvPr/>
+            </p:nvCxnSpPr>
+            <p:spPr>
+              <a:xfrm>
+                <a:off x="6300192" y="2492896"/>
+                <a:ext cx="0" cy="1224136"/>
+              </a:xfrm>
+              <a:prstGeom prst="line">
+                <a:avLst/>
+              </a:prstGeom>
+              <a:ln w="28575" cmpd="sng">
+                <a:solidFill>
+                  <a:schemeClr val="tx2"/>
+                </a:solidFill>
+              </a:ln>
+            </p:spPr>
+            <p:style>
+              <a:lnRef idx="2">
+                <a:schemeClr val="accent1"/>
+              </a:lnRef>
+              <a:fillRef idx="0">
+                <a:schemeClr val="accent1"/>
+              </a:fillRef>
+              <a:effectRef idx="1">
+                <a:schemeClr val="accent1"/>
+              </a:effectRef>
+              <a:fontRef idx="minor">
+                <a:schemeClr val="tx1"/>
+              </a:fontRef>
+            </p:style>
+          </p:cxnSp>
+          <p:sp>
+            <p:nvSpPr>
+              <p:cNvPr id="41" name="フリーフォーム 40"/>
+              <p:cNvSpPr/>
+              <p:nvPr/>
+            </p:nvSpPr>
+            <p:spPr>
+              <a:xfrm>
+                <a:off x="6012160" y="3212976"/>
+                <a:ext cx="576064" cy="72008"/>
+              </a:xfrm>
+              <a:custGeom>
+                <a:avLst/>
+                <a:gdLst>
+                  <a:gd name="connsiteX0" fmla="*/ 0 w 495300"/>
+                  <a:gd name="connsiteY0" fmla="*/ 0 h 76200"/>
+                  <a:gd name="connsiteX1" fmla="*/ 495300 w 495300"/>
+                  <a:gd name="connsiteY1" fmla="*/ 6350 h 76200"/>
+                  <a:gd name="connsiteX2" fmla="*/ 495300 w 495300"/>
+                  <a:gd name="connsiteY2" fmla="*/ 76200 h 76200"/>
+                  <a:gd name="connsiteX3" fmla="*/ 0 w 495300"/>
+                  <a:gd name="connsiteY3" fmla="*/ 69850 h 76200"/>
+                  <a:gd name="connsiteX4" fmla="*/ 0 w 495300"/>
+                  <a:gd name="connsiteY4" fmla="*/ 0 h 76200"/>
+                </a:gdLst>
+                <a:ahLst/>
+                <a:cxnLst>
+                  <a:cxn ang="0">
+                    <a:pos x="connsiteX0" y="connsiteY0"/>
+                  </a:cxn>
+                  <a:cxn ang="0">
+                    <a:pos x="connsiteX1" y="connsiteY1"/>
+                  </a:cxn>
+                  <a:cxn ang="0">
+                    <a:pos x="connsiteX2" y="connsiteY2"/>
+                  </a:cxn>
+                  <a:cxn ang="0">
+                    <a:pos x="connsiteX3" y="connsiteY3"/>
+                  </a:cxn>
+                  <a:cxn ang="0">
+                    <a:pos x="connsiteX4" y="connsiteY4"/>
+                  </a:cxn>
+                </a:cxnLst>
+                <a:rect l="l" t="t" r="r" b="b"/>
+                <a:pathLst>
+                  <a:path w="495300" h="76200">
+                    <a:moveTo>
+                      <a:pt x="0" y="0"/>
+                    </a:moveTo>
+                    <a:lnTo>
+                      <a:pt x="495300" y="6350"/>
+                    </a:lnTo>
+                    <a:lnTo>
+                      <a:pt x="495300" y="76200"/>
+                    </a:lnTo>
+                    <a:lnTo>
+                      <a:pt x="0" y="69850"/>
+                    </a:lnTo>
+                    <a:lnTo>
+                      <a:pt x="0" y="0"/>
+                    </a:lnTo>
+                    <a:close/>
+                  </a:path>
+                </a:pathLst>
+              </a:custGeom>
+              <a:solidFill>
+                <a:schemeClr val="tx2"/>
+              </a:solidFill>
+              <a:ln w="28575" cmpd="sng">
+                <a:solidFill>
+                  <a:schemeClr val="tx2"/>
+                </a:solidFill>
+              </a:ln>
+            </p:spPr>
+            <p:style>
+              <a:lnRef idx="1">
+                <a:schemeClr val="accent1"/>
+              </a:lnRef>
+              <a:fillRef idx="3">
+                <a:schemeClr val="accent1"/>
+              </a:fillRef>
+              <a:effectRef idx="2">
+                <a:schemeClr val="accent1"/>
+              </a:effectRef>
+              <a:fontRef idx="minor">
+                <a:schemeClr val="lt1"/>
+              </a:fontRef>
+            </p:style>
+            <p:txBody>
+              <a:bodyPr rtlCol="0" anchor="ctr"/>
+              <a:lstStyle/>
+              <a:p>
+                <a:pPr algn="ctr"/>
+                <a:endParaRPr kumimoji="1" lang="ja-JP" altLang="en-US"/>
+              </a:p>
+            </p:txBody>
+          </p:sp>
+          <p:sp>
+            <p:nvSpPr>
+              <p:cNvPr id="42" name="フリーフォーム 41"/>
+              <p:cNvSpPr/>
+              <p:nvPr/>
+            </p:nvSpPr>
+            <p:spPr>
+              <a:xfrm>
+                <a:off x="6588224" y="2996952"/>
+                <a:ext cx="590550" cy="184150"/>
+              </a:xfrm>
+              <a:custGeom>
+                <a:avLst/>
+                <a:gdLst>
+                  <a:gd name="connsiteX0" fmla="*/ 0 w 704850"/>
+                  <a:gd name="connsiteY0" fmla="*/ 177800 h 222250"/>
+                  <a:gd name="connsiteX1" fmla="*/ 342900 w 704850"/>
+                  <a:gd name="connsiteY1" fmla="*/ 0 h 222250"/>
+                  <a:gd name="connsiteX2" fmla="*/ 298450 w 704850"/>
+                  <a:gd name="connsiteY2" fmla="*/ 222250 h 222250"/>
+                  <a:gd name="connsiteX3" fmla="*/ 704850 w 704850"/>
+                  <a:gd name="connsiteY3" fmla="*/ 38100 h 222250"/>
+                  <a:gd name="connsiteX0" fmla="*/ 0 w 704850"/>
+                  <a:gd name="connsiteY0" fmla="*/ 139700 h 184150"/>
+                  <a:gd name="connsiteX1" fmla="*/ 330200 w 704850"/>
+                  <a:gd name="connsiteY1" fmla="*/ 6350 h 184150"/>
+                  <a:gd name="connsiteX2" fmla="*/ 298450 w 704850"/>
+                  <a:gd name="connsiteY2" fmla="*/ 184150 h 184150"/>
+                  <a:gd name="connsiteX3" fmla="*/ 704850 w 704850"/>
+                  <a:gd name="connsiteY3" fmla="*/ 0 h 184150"/>
+                  <a:gd name="connsiteX0" fmla="*/ 0 w 704850"/>
+                  <a:gd name="connsiteY0" fmla="*/ 165100 h 209550"/>
+                  <a:gd name="connsiteX1" fmla="*/ 330200 w 704850"/>
+                  <a:gd name="connsiteY1" fmla="*/ 0 h 209550"/>
+                  <a:gd name="connsiteX2" fmla="*/ 298450 w 704850"/>
+                  <a:gd name="connsiteY2" fmla="*/ 209550 h 209550"/>
+                  <a:gd name="connsiteX3" fmla="*/ 704850 w 704850"/>
+                  <a:gd name="connsiteY3" fmla="*/ 25400 h 209550"/>
+                  <a:gd name="connsiteX0" fmla="*/ 0 w 615950"/>
+                  <a:gd name="connsiteY0" fmla="*/ 165100 h 209550"/>
+                  <a:gd name="connsiteX1" fmla="*/ 330200 w 615950"/>
+                  <a:gd name="connsiteY1" fmla="*/ 0 h 209550"/>
+                  <a:gd name="connsiteX2" fmla="*/ 298450 w 615950"/>
+                  <a:gd name="connsiteY2" fmla="*/ 209550 h 209550"/>
+                  <a:gd name="connsiteX3" fmla="*/ 615950 w 615950"/>
+                  <a:gd name="connsiteY3" fmla="*/ 25400 h 209550"/>
+                  <a:gd name="connsiteX0" fmla="*/ 0 w 539750"/>
+                  <a:gd name="connsiteY0" fmla="*/ 171450 h 209550"/>
+                  <a:gd name="connsiteX1" fmla="*/ 254000 w 539750"/>
+                  <a:gd name="connsiteY1" fmla="*/ 0 h 209550"/>
+                  <a:gd name="connsiteX2" fmla="*/ 222250 w 539750"/>
+                  <a:gd name="connsiteY2" fmla="*/ 209550 h 209550"/>
+                  <a:gd name="connsiteX3" fmla="*/ 539750 w 539750"/>
+                  <a:gd name="connsiteY3" fmla="*/ 25400 h 209550"/>
+                  <a:gd name="connsiteX0" fmla="*/ 0 w 539750"/>
+                  <a:gd name="connsiteY0" fmla="*/ 146050 h 184150"/>
+                  <a:gd name="connsiteX1" fmla="*/ 260350 w 539750"/>
+                  <a:gd name="connsiteY1" fmla="*/ 6350 h 184150"/>
+                  <a:gd name="connsiteX2" fmla="*/ 222250 w 539750"/>
+                  <a:gd name="connsiteY2" fmla="*/ 184150 h 184150"/>
+                  <a:gd name="connsiteX3" fmla="*/ 539750 w 539750"/>
+                  <a:gd name="connsiteY3" fmla="*/ 0 h 184150"/>
+                  <a:gd name="connsiteX0" fmla="*/ 0 w 590550"/>
+                  <a:gd name="connsiteY0" fmla="*/ 146050 h 184150"/>
+                  <a:gd name="connsiteX1" fmla="*/ 260350 w 590550"/>
+                  <a:gd name="connsiteY1" fmla="*/ 6350 h 184150"/>
+                  <a:gd name="connsiteX2" fmla="*/ 222250 w 590550"/>
+                  <a:gd name="connsiteY2" fmla="*/ 184150 h 184150"/>
+                  <a:gd name="connsiteX3" fmla="*/ 590550 w 590550"/>
+                  <a:gd name="connsiteY3" fmla="*/ 0 h 184150"/>
+                </a:gdLst>
+                <a:ahLst/>
+                <a:cxnLst>
+                  <a:cxn ang="0">
+                    <a:pos x="connsiteX0" y="connsiteY0"/>
+                  </a:cxn>
+                  <a:cxn ang="0">
+                    <a:pos x="connsiteX1" y="connsiteY1"/>
+                  </a:cxn>
+                  <a:cxn ang="0">
+                    <a:pos x="connsiteX2" y="connsiteY2"/>
+                  </a:cxn>
+                  <a:cxn ang="0">
+                    <a:pos x="connsiteX3" y="connsiteY3"/>
+                  </a:cxn>
+                </a:cxnLst>
+                <a:rect l="l" t="t" r="r" b="b"/>
+                <a:pathLst>
+                  <a:path w="590550" h="184150">
+                    <a:moveTo>
+                      <a:pt x="0" y="146050"/>
+                    </a:moveTo>
+                    <a:lnTo>
+                      <a:pt x="260350" y="6350"/>
+                    </a:lnTo>
+                    <a:lnTo>
+                      <a:pt x="222250" y="184150"/>
+                    </a:lnTo>
+                    <a:lnTo>
+                      <a:pt x="590550" y="0"/>
+                    </a:lnTo>
+                  </a:path>
+                </a:pathLst>
+              </a:custGeom>
+              <a:ln>
+                <a:solidFill>
+                  <a:schemeClr val="tx2"/>
+                </a:solidFill>
+                <a:headEnd type="none"/>
+                <a:tailEnd type="arrow"/>
+              </a:ln>
+            </p:spPr>
+            <p:style>
+              <a:lnRef idx="2">
+                <a:schemeClr val="accent1"/>
+              </a:lnRef>
+              <a:fillRef idx="0">
+                <a:schemeClr val="accent1"/>
+              </a:fillRef>
+              <a:effectRef idx="1">
+                <a:schemeClr val="accent1"/>
+              </a:effectRef>
+              <a:fontRef idx="minor">
+                <a:schemeClr val="tx1"/>
+              </a:fontRef>
+            </p:style>
+            <p:txBody>
+              <a:bodyPr rtlCol="0" anchor="ctr"/>
+              <a:lstStyle/>
+              <a:p>
+                <a:pPr algn="ctr"/>
+                <a:endParaRPr kumimoji="1" lang="ja-JP" altLang="en-US">
+                  <a:ln w="38100" cmpd="sng">
+                    <a:solidFill>
+                      <a:schemeClr val="tx1"/>
+                    </a:solidFill>
+                  </a:ln>
+                </a:endParaRPr>
+              </a:p>
+            </p:txBody>
+          </p:sp>
+          <p:sp>
+            <p:nvSpPr>
+              <p:cNvPr id="44" name="フリーフォーム 43"/>
+              <p:cNvSpPr/>
+              <p:nvPr/>
+            </p:nvSpPr>
+            <p:spPr>
+              <a:xfrm>
+                <a:off x="6084168" y="2852936"/>
+                <a:ext cx="442423" cy="416983"/>
+              </a:xfrm>
+              <a:custGeom>
+                <a:avLst/>
+                <a:gdLst>
+                  <a:gd name="connsiteX0" fmla="*/ 0 w 474134"/>
+                  <a:gd name="connsiteY0" fmla="*/ 0 h 474133"/>
+                  <a:gd name="connsiteX1" fmla="*/ 474134 w 474134"/>
+                  <a:gd name="connsiteY1" fmla="*/ 16933 h 474133"/>
+                  <a:gd name="connsiteX2" fmla="*/ 254000 w 474134"/>
+                  <a:gd name="connsiteY2" fmla="*/ 474133 h 474133"/>
+                  <a:gd name="connsiteX3" fmla="*/ 0 w 474134"/>
+                  <a:gd name="connsiteY3" fmla="*/ 0 h 474133"/>
+                  <a:gd name="connsiteX0" fmla="*/ 0 w 491067"/>
+                  <a:gd name="connsiteY0" fmla="*/ 0 h 474133"/>
+                  <a:gd name="connsiteX1" fmla="*/ 491067 w 491067"/>
+                  <a:gd name="connsiteY1" fmla="*/ 8466 h 474133"/>
+                  <a:gd name="connsiteX2" fmla="*/ 254000 w 491067"/>
+                  <a:gd name="connsiteY2" fmla="*/ 474133 h 474133"/>
+                  <a:gd name="connsiteX3" fmla="*/ 0 w 491067"/>
+                  <a:gd name="connsiteY3" fmla="*/ 0 h 474133"/>
+                  <a:gd name="connsiteX0" fmla="*/ 0 w 491067"/>
+                  <a:gd name="connsiteY0" fmla="*/ 0 h 474133"/>
+                  <a:gd name="connsiteX1" fmla="*/ 491067 w 491067"/>
+                  <a:gd name="connsiteY1" fmla="*/ 2116 h 474133"/>
+                  <a:gd name="connsiteX2" fmla="*/ 254000 w 491067"/>
+                  <a:gd name="connsiteY2" fmla="*/ 474133 h 474133"/>
+                  <a:gd name="connsiteX3" fmla="*/ 0 w 491067"/>
+                  <a:gd name="connsiteY3" fmla="*/ 0 h 474133"/>
+                  <a:gd name="connsiteX0" fmla="*/ 0 w 446763"/>
+                  <a:gd name="connsiteY0" fmla="*/ 10584 h 472017"/>
+                  <a:gd name="connsiteX1" fmla="*/ 446763 w 446763"/>
+                  <a:gd name="connsiteY1" fmla="*/ 0 h 472017"/>
+                  <a:gd name="connsiteX2" fmla="*/ 209696 w 446763"/>
+                  <a:gd name="connsiteY2" fmla="*/ 472017 h 472017"/>
+                  <a:gd name="connsiteX3" fmla="*/ 0 w 446763"/>
+                  <a:gd name="connsiteY3" fmla="*/ 10584 h 472017"/>
+                  <a:gd name="connsiteX0" fmla="*/ 0 w 396921"/>
+                  <a:gd name="connsiteY0" fmla="*/ 0 h 461433"/>
+                  <a:gd name="connsiteX1" fmla="*/ 396921 w 396921"/>
+                  <a:gd name="connsiteY1" fmla="*/ 14816 h 461433"/>
+                  <a:gd name="connsiteX2" fmla="*/ 209696 w 396921"/>
+                  <a:gd name="connsiteY2" fmla="*/ 461433 h 461433"/>
+                  <a:gd name="connsiteX3" fmla="*/ 0 w 396921"/>
+                  <a:gd name="connsiteY3" fmla="*/ 0 h 461433"/>
+                  <a:gd name="connsiteX0" fmla="*/ 0 w 385845"/>
+                  <a:gd name="connsiteY0" fmla="*/ 0 h 448733"/>
+                  <a:gd name="connsiteX1" fmla="*/ 385845 w 385845"/>
+                  <a:gd name="connsiteY1" fmla="*/ 2116 h 448733"/>
+                  <a:gd name="connsiteX2" fmla="*/ 198620 w 385845"/>
+                  <a:gd name="connsiteY2" fmla="*/ 448733 h 448733"/>
+                  <a:gd name="connsiteX3" fmla="*/ 0 w 385845"/>
+                  <a:gd name="connsiteY3" fmla="*/ 0 h 448733"/>
+                  <a:gd name="connsiteX0" fmla="*/ 0 w 385845"/>
+                  <a:gd name="connsiteY0" fmla="*/ 0 h 416983"/>
+                  <a:gd name="connsiteX1" fmla="*/ 385845 w 385845"/>
+                  <a:gd name="connsiteY1" fmla="*/ 2116 h 416983"/>
+                  <a:gd name="connsiteX2" fmla="*/ 198620 w 385845"/>
+                  <a:gd name="connsiteY2" fmla="*/ 416983 h 416983"/>
+                  <a:gd name="connsiteX3" fmla="*/ 0 w 385845"/>
+                  <a:gd name="connsiteY3" fmla="*/ 0 h 416983"/>
+                </a:gdLst>
+                <a:ahLst/>
+                <a:cxnLst>
+                  <a:cxn ang="0">
+                    <a:pos x="connsiteX0" y="connsiteY0"/>
+                  </a:cxn>
+                  <a:cxn ang="0">
+                    <a:pos x="connsiteX1" y="connsiteY1"/>
+                  </a:cxn>
+                  <a:cxn ang="0">
+                    <a:pos x="connsiteX2" y="connsiteY2"/>
+                  </a:cxn>
+                  <a:cxn ang="0">
+                    <a:pos x="connsiteX3" y="connsiteY3"/>
+                  </a:cxn>
+                </a:cxnLst>
+                <a:rect l="l" t="t" r="r" b="b"/>
+                <a:pathLst>
+                  <a:path w="385845" h="416983">
+                    <a:moveTo>
+                      <a:pt x="0" y="0"/>
+                    </a:moveTo>
+                    <a:lnTo>
+                      <a:pt x="385845" y="2116"/>
+                    </a:lnTo>
+                    <a:lnTo>
+                      <a:pt x="198620" y="416983"/>
+                    </a:lnTo>
+                    <a:lnTo>
+                      <a:pt x="0" y="0"/>
+                    </a:lnTo>
+                    <a:close/>
+                  </a:path>
+                </a:pathLst>
+              </a:custGeom>
+              <a:solidFill>
+                <a:schemeClr val="tx2"/>
+              </a:solidFill>
+              <a:ln w="28575" cmpd="sng">
+                <a:solidFill>
+                  <a:schemeClr val="tx2"/>
+                </a:solidFill>
+              </a:ln>
+            </p:spPr>
+            <p:style>
+              <a:lnRef idx="1">
+                <a:schemeClr val="accent1"/>
+              </a:lnRef>
+              <a:fillRef idx="3">
+                <a:schemeClr val="accent1"/>
+              </a:fillRef>
+              <a:effectRef idx="2">
+                <a:schemeClr val="accent1"/>
+              </a:effectRef>
+              <a:fontRef idx="minor">
+                <a:schemeClr val="lt1"/>
+              </a:fontRef>
+            </p:style>
+            <p:txBody>
+              <a:bodyPr rtlCol="0" anchor="ctr"/>
+              <a:lstStyle/>
+              <a:p>
+                <a:pPr algn="ctr"/>
+                <a:endParaRPr kumimoji="1" lang="ja-JP" altLang="en-US"/>
+              </a:p>
+            </p:txBody>
+          </p:sp>
+        </p:grpSp>
+        <p:grpSp>
+          <p:nvGrpSpPr>
+            <p:cNvPr id="80" name="図形グループ 79"/>
+            <p:cNvGrpSpPr/>
+            <p:nvPr/>
+          </p:nvGrpSpPr>
+          <p:grpSpPr>
+            <a:xfrm flipH="1">
+              <a:off x="5364091" y="5661248"/>
+              <a:ext cx="2160236" cy="432048"/>
+              <a:chOff x="5580112" y="4509120"/>
+              <a:chExt cx="2160236" cy="432048"/>
+            </a:xfrm>
+          </p:grpSpPr>
+          <p:cxnSp>
+            <p:nvCxnSpPr>
+              <p:cNvPr id="81" name="直線コネクタ 80"/>
+              <p:cNvCxnSpPr/>
+              <p:nvPr/>
+            </p:nvCxnSpPr>
+            <p:spPr>
+              <a:xfrm>
+                <a:off x="5580112" y="4725144"/>
+                <a:ext cx="432048" cy="0"/>
+              </a:xfrm>
+              <a:prstGeom prst="line">
+                <a:avLst/>
+              </a:prstGeom>
+              <a:ln>
+                <a:solidFill>
+                  <a:srgbClr val="1F497D"/>
+                </a:solidFill>
+              </a:ln>
+            </p:spPr>
+            <p:style>
+              <a:lnRef idx="2">
+                <a:schemeClr val="accent1"/>
+              </a:lnRef>
+              <a:fillRef idx="0">
+                <a:schemeClr val="accent1"/>
+              </a:fillRef>
+              <a:effectRef idx="1">
+                <a:schemeClr val="accent1"/>
+              </a:effectRef>
+              <a:fontRef idx="minor">
+                <a:schemeClr val="tx1"/>
+              </a:fontRef>
+            </p:style>
+          </p:cxnSp>
+          <p:sp>
+            <p:nvSpPr>
+              <p:cNvPr id="82" name="フリーフォーム 81"/>
+              <p:cNvSpPr/>
+              <p:nvPr/>
+            </p:nvSpPr>
+            <p:spPr>
+              <a:xfrm rot="5400000" flipH="1">
+                <a:off x="6661246" y="3862065"/>
+                <a:ext cx="432048" cy="1726157"/>
+              </a:xfrm>
+              <a:custGeom>
+                <a:avLst/>
+                <a:gdLst>
+                  <a:gd name="connsiteX0" fmla="*/ 0 w 571500"/>
+                  <a:gd name="connsiteY0" fmla="*/ 0 h 273050"/>
+                  <a:gd name="connsiteX1" fmla="*/ 571500 w 571500"/>
+                  <a:gd name="connsiteY1" fmla="*/ 6350 h 273050"/>
+                  <a:gd name="connsiteX2" fmla="*/ 260350 w 571500"/>
+                  <a:gd name="connsiteY2" fmla="*/ 273050 h 273050"/>
+                  <a:gd name="connsiteX3" fmla="*/ 0 w 571500"/>
+                  <a:gd name="connsiteY3" fmla="*/ 0 h 273050"/>
+                  <a:gd name="connsiteX0" fmla="*/ 0 w 571500"/>
+                  <a:gd name="connsiteY0" fmla="*/ 0 h 266700"/>
+                  <a:gd name="connsiteX1" fmla="*/ 571500 w 571500"/>
+                  <a:gd name="connsiteY1" fmla="*/ 6350 h 266700"/>
+                  <a:gd name="connsiteX2" fmla="*/ 292100 w 571500"/>
+                  <a:gd name="connsiteY2" fmla="*/ 266700 h 266700"/>
+                  <a:gd name="connsiteX3" fmla="*/ 0 w 571500"/>
+                  <a:gd name="connsiteY3" fmla="*/ 0 h 266700"/>
+                  <a:gd name="connsiteX0" fmla="*/ 0 w 565150"/>
+                  <a:gd name="connsiteY0" fmla="*/ 74962 h 341662"/>
+                  <a:gd name="connsiteX1" fmla="*/ 565150 w 565150"/>
+                  <a:gd name="connsiteY1" fmla="*/ 0 h 341662"/>
+                  <a:gd name="connsiteX2" fmla="*/ 292100 w 565150"/>
+                  <a:gd name="connsiteY2" fmla="*/ 341662 h 341662"/>
+                  <a:gd name="connsiteX3" fmla="*/ 0 w 565150"/>
+                  <a:gd name="connsiteY3" fmla="*/ 74962 h 341662"/>
+                  <a:gd name="connsiteX0" fmla="*/ 0 w 488950"/>
+                  <a:gd name="connsiteY0" fmla="*/ 426 h 341662"/>
+                  <a:gd name="connsiteX1" fmla="*/ 488950 w 488950"/>
+                  <a:gd name="connsiteY1" fmla="*/ 0 h 341662"/>
+                  <a:gd name="connsiteX2" fmla="*/ 215900 w 488950"/>
+                  <a:gd name="connsiteY2" fmla="*/ 341662 h 341662"/>
+                  <a:gd name="connsiteX3" fmla="*/ 0 w 488950"/>
+                  <a:gd name="connsiteY3" fmla="*/ 426 h 341662"/>
+                  <a:gd name="connsiteX0" fmla="*/ 0 w 488950"/>
+                  <a:gd name="connsiteY0" fmla="*/ 426 h 343347"/>
+                  <a:gd name="connsiteX1" fmla="*/ 488950 w 488950"/>
+                  <a:gd name="connsiteY1" fmla="*/ 0 h 343347"/>
+                  <a:gd name="connsiteX2" fmla="*/ 244645 w 488950"/>
+                  <a:gd name="connsiteY2" fmla="*/ 343347 h 343347"/>
+                  <a:gd name="connsiteX3" fmla="*/ 0 w 488950"/>
+                  <a:gd name="connsiteY3" fmla="*/ 426 h 343347"/>
+                  <a:gd name="connsiteX0" fmla="*/ 0 w 488950"/>
+                  <a:gd name="connsiteY0" fmla="*/ 426 h 343347"/>
+                  <a:gd name="connsiteX1" fmla="*/ 488950 w 488950"/>
+                  <a:gd name="connsiteY1" fmla="*/ 0 h 343347"/>
+                  <a:gd name="connsiteX2" fmla="*/ 288435 w 488950"/>
+                  <a:gd name="connsiteY2" fmla="*/ 296371 h 343347"/>
+                  <a:gd name="connsiteX3" fmla="*/ 244645 w 488950"/>
+                  <a:gd name="connsiteY3" fmla="*/ 343347 h 343347"/>
+                  <a:gd name="connsiteX4" fmla="*/ 0 w 488950"/>
+                  <a:gd name="connsiteY4" fmla="*/ 426 h 343347"/>
+                  <a:gd name="connsiteX0" fmla="*/ 0 w 488950"/>
+                  <a:gd name="connsiteY0" fmla="*/ 426 h 343347"/>
+                  <a:gd name="connsiteX1" fmla="*/ 488950 w 488950"/>
+                  <a:gd name="connsiteY1" fmla="*/ 0 h 343347"/>
+                  <a:gd name="connsiteX2" fmla="*/ 482465 w 488950"/>
+                  <a:gd name="connsiteY2" fmla="*/ 170015 h 343347"/>
+                  <a:gd name="connsiteX3" fmla="*/ 244645 w 488950"/>
+                  <a:gd name="connsiteY3" fmla="*/ 343347 h 343347"/>
+                  <a:gd name="connsiteX4" fmla="*/ 0 w 488950"/>
+                  <a:gd name="connsiteY4" fmla="*/ 426 h 343347"/>
+                  <a:gd name="connsiteX0" fmla="*/ 0 w 488950"/>
+                  <a:gd name="connsiteY0" fmla="*/ 426 h 343347"/>
+                  <a:gd name="connsiteX1" fmla="*/ 488950 w 488950"/>
+                  <a:gd name="connsiteY1" fmla="*/ 0 h 343347"/>
+                  <a:gd name="connsiteX2" fmla="*/ 475278 w 488950"/>
+                  <a:gd name="connsiteY2" fmla="*/ 262676 h 343347"/>
+                  <a:gd name="connsiteX3" fmla="*/ 244645 w 488950"/>
+                  <a:gd name="connsiteY3" fmla="*/ 343347 h 343347"/>
+                  <a:gd name="connsiteX4" fmla="*/ 0 w 488950"/>
+                  <a:gd name="connsiteY4" fmla="*/ 426 h 343347"/>
+                  <a:gd name="connsiteX0" fmla="*/ 0 w 488950"/>
+                  <a:gd name="connsiteY0" fmla="*/ 426 h 343347"/>
+                  <a:gd name="connsiteX1" fmla="*/ 488950 w 488950"/>
+                  <a:gd name="connsiteY1" fmla="*/ 0 h 343347"/>
+                  <a:gd name="connsiteX2" fmla="*/ 475278 w 488950"/>
+                  <a:gd name="connsiteY2" fmla="*/ 262676 h 343347"/>
+                  <a:gd name="connsiteX3" fmla="*/ 244645 w 488950"/>
+                  <a:gd name="connsiteY3" fmla="*/ 343347 h 343347"/>
+                  <a:gd name="connsiteX4" fmla="*/ 151895 w 488950"/>
+                  <a:gd name="connsiteY4" fmla="*/ 202025 h 343347"/>
+                  <a:gd name="connsiteX5" fmla="*/ 0 w 488950"/>
+                  <a:gd name="connsiteY5" fmla="*/ 426 h 343347"/>
+                  <a:gd name="connsiteX0" fmla="*/ 0 w 488950"/>
+                  <a:gd name="connsiteY0" fmla="*/ 426 h 343347"/>
+                  <a:gd name="connsiteX1" fmla="*/ 488950 w 488950"/>
+                  <a:gd name="connsiteY1" fmla="*/ 0 h 343347"/>
+                  <a:gd name="connsiteX2" fmla="*/ 475278 w 488950"/>
+                  <a:gd name="connsiteY2" fmla="*/ 262676 h 343347"/>
+                  <a:gd name="connsiteX3" fmla="*/ 244645 w 488950"/>
+                  <a:gd name="connsiteY3" fmla="*/ 343347 h 343347"/>
+                  <a:gd name="connsiteX4" fmla="*/ 15354 w 488950"/>
+                  <a:gd name="connsiteY4" fmla="*/ 264361 h 343347"/>
+                  <a:gd name="connsiteX5" fmla="*/ 0 w 488950"/>
+                  <a:gd name="connsiteY5" fmla="*/ 426 h 343347"/>
+                  <a:gd name="connsiteX0" fmla="*/ 0 w 488950"/>
+                  <a:gd name="connsiteY0" fmla="*/ 426 h 343347"/>
+                  <a:gd name="connsiteX1" fmla="*/ 488950 w 488950"/>
+                  <a:gd name="connsiteY1" fmla="*/ 0 h 343347"/>
+                  <a:gd name="connsiteX2" fmla="*/ 484859 w 488950"/>
+                  <a:gd name="connsiteY2" fmla="*/ 294108 h 343347"/>
+                  <a:gd name="connsiteX3" fmla="*/ 244645 w 488950"/>
+                  <a:gd name="connsiteY3" fmla="*/ 343347 h 343347"/>
+                  <a:gd name="connsiteX4" fmla="*/ 15354 w 488950"/>
+                  <a:gd name="connsiteY4" fmla="*/ 264361 h 343347"/>
+                  <a:gd name="connsiteX5" fmla="*/ 0 w 488950"/>
+                  <a:gd name="connsiteY5" fmla="*/ 426 h 343347"/>
+                  <a:gd name="connsiteX0" fmla="*/ 0 w 488950"/>
+                  <a:gd name="connsiteY0" fmla="*/ 426 h 343347"/>
+                  <a:gd name="connsiteX1" fmla="*/ 488950 w 488950"/>
+                  <a:gd name="connsiteY1" fmla="*/ 0 h 343347"/>
+                  <a:gd name="connsiteX2" fmla="*/ 484859 w 488950"/>
+                  <a:gd name="connsiteY2" fmla="*/ 294108 h 343347"/>
+                  <a:gd name="connsiteX3" fmla="*/ 244645 w 488950"/>
+                  <a:gd name="connsiteY3" fmla="*/ 343347 h 343347"/>
+                  <a:gd name="connsiteX4" fmla="*/ 5772 w 488950"/>
+                  <a:gd name="connsiteY4" fmla="*/ 295793 h 343347"/>
+                  <a:gd name="connsiteX5" fmla="*/ 0 w 488950"/>
+                  <a:gd name="connsiteY5" fmla="*/ 426 h 343347"/>
+                </a:gdLst>
+                <a:ahLst/>
+                <a:cxnLst>
+                  <a:cxn ang="0">
+                    <a:pos x="connsiteX0" y="connsiteY0"/>
+                  </a:cxn>
+                  <a:cxn ang="0">
+                    <a:pos x="connsiteX1" y="connsiteY1"/>
+                  </a:cxn>
+                  <a:cxn ang="0">
+                    <a:pos x="connsiteX2" y="connsiteY2"/>
+                  </a:cxn>
+                  <a:cxn ang="0">
+                    <a:pos x="connsiteX3" y="connsiteY3"/>
+                  </a:cxn>
+                  <a:cxn ang="0">
+                    <a:pos x="connsiteX4" y="connsiteY4"/>
+                  </a:cxn>
+                  <a:cxn ang="0">
+                    <a:pos x="connsiteX5" y="connsiteY5"/>
+                  </a:cxn>
+                </a:cxnLst>
+                <a:rect l="l" t="t" r="r" b="b"/>
+                <a:pathLst>
+                  <a:path w="488950" h="343347">
+                    <a:moveTo>
+                      <a:pt x="0" y="426"/>
+                    </a:moveTo>
+                    <a:lnTo>
+                      <a:pt x="488950" y="0"/>
+                    </a:lnTo>
+                    <a:cubicBezTo>
+                      <a:pt x="487586" y="98036"/>
+                      <a:pt x="486223" y="196072"/>
+                      <a:pt x="484859" y="294108"/>
+                    </a:cubicBezTo>
+                    <a:lnTo>
+                      <a:pt x="244645" y="343347"/>
+                    </a:lnTo>
+                    <a:lnTo>
+                      <a:pt x="5772" y="295793"/>
+                    </a:lnTo>
+                    <a:lnTo>
+                      <a:pt x="0" y="426"/>
+                    </a:lnTo>
+                    <a:close/>
+                  </a:path>
+                </a:pathLst>
+              </a:custGeom>
+              <a:noFill/>
+              <a:ln w="28575" cmpd="sng">
+                <a:solidFill>
+                  <a:srgbClr val="1F497D"/>
+                </a:solidFill>
+              </a:ln>
+            </p:spPr>
+            <p:style>
+              <a:lnRef idx="1">
+                <a:schemeClr val="accent1"/>
+              </a:lnRef>
+              <a:fillRef idx="3">
+                <a:schemeClr val="accent1"/>
+              </a:fillRef>
+              <a:effectRef idx="2">
+                <a:schemeClr val="accent1"/>
+              </a:effectRef>
+              <a:fontRef idx="minor">
+                <a:schemeClr val="lt1"/>
+              </a:fontRef>
+            </p:style>
+            <p:txBody>
+              <a:bodyPr rtlCol="0" anchor="ctr"/>
+              <a:lstStyle/>
+              <a:p>
+                <a:pPr algn="ctr"/>
+                <a:endParaRPr kumimoji="1" lang="ja-JP" altLang="en-US"/>
+              </a:p>
+            </p:txBody>
+          </p:sp>
+        </p:grpSp>
+        <p:sp>
+          <p:nvSpPr>
+            <p:cNvPr id="83" name="テキスト ボックス 82"/>
+            <p:cNvSpPr txBox="1"/>
+            <p:nvPr/>
+          </p:nvSpPr>
+          <p:spPr>
+            <a:xfrm>
+              <a:off x="5436096" y="5661248"/>
+              <a:ext cx="1332692" cy="400110"/>
+            </a:xfrm>
+            <a:prstGeom prst="rect">
+              <a:avLst/>
+            </a:prstGeom>
+            <a:noFill/>
+          </p:spPr>
+          <p:txBody>
+            <a:bodyPr wrap="none" rtlCol="0">
+              <a:spAutoFit/>
+            </a:bodyPr>
+            <a:lstStyle/>
+            <a:p>
+              <a:r>
+                <a:rPr kumimoji="1" lang="en-US" altLang="ja-JP" sz="2000" dirty="0" smtClean="0">
+                  <a:solidFill>
+                    <a:srgbClr val="1F497D"/>
+                  </a:solidFill>
+                  <a:latin typeface="+mn-lt"/>
+                  <a:cs typeface="Verdana"/>
+                </a:rPr>
+                <a:t>DIGITAL</a:t>
+              </a:r>
+              <a:r>
+                <a:rPr lang="en-US" altLang="ja-JP" sz="2000" dirty="0" smtClean="0">
+                  <a:solidFill>
+                    <a:srgbClr val="1F497D"/>
+                  </a:solidFill>
+                  <a:latin typeface="+mn-lt"/>
+                  <a:cs typeface="Verdana"/>
+                </a:rPr>
+                <a:t> </a:t>
+              </a:r>
+              <a:r>
+                <a:rPr lang="en-US" altLang="ja-JP" sz="2000" dirty="0" smtClean="0">
+                  <a:solidFill>
+                    <a:srgbClr val="1F497D"/>
+                  </a:solidFill>
+                  <a:latin typeface="+mn-lt"/>
+                  <a:cs typeface="Verdana"/>
+                </a:rPr>
+                <a:t>13</a:t>
+              </a:r>
+              <a:endParaRPr kumimoji="1" lang="ja-JP" altLang="en-US" sz="2000" dirty="0">
+                <a:solidFill>
+                  <a:srgbClr val="1F497D"/>
+                </a:solidFill>
+                <a:latin typeface="+mn-lt"/>
+                <a:cs typeface="Verdana"/>
+              </a:endParaRPr>
+            </a:p>
+          </p:txBody>
+        </p:sp>
+        <p:sp>
+          <p:nvSpPr>
+            <p:cNvPr id="84" name="フリーフォーム 83"/>
+            <p:cNvSpPr/>
+            <p:nvPr/>
+          </p:nvSpPr>
+          <p:spPr>
+            <a:xfrm>
+              <a:off x="7308304" y="2780928"/>
+              <a:ext cx="432048" cy="1229639"/>
+            </a:xfrm>
+            <a:custGeom>
+              <a:avLst/>
+              <a:gdLst>
+                <a:gd name="connsiteX0" fmla="*/ 482600 w 990600"/>
+                <a:gd name="connsiteY0" fmla="*/ 0 h 4783666"/>
+                <a:gd name="connsiteX1" fmla="*/ 482600 w 990600"/>
+                <a:gd name="connsiteY1" fmla="*/ 474133 h 4783666"/>
+                <a:gd name="connsiteX2" fmla="*/ 0 w 990600"/>
+                <a:gd name="connsiteY2" fmla="*/ 711200 h 4783666"/>
+                <a:gd name="connsiteX3" fmla="*/ 982133 w 990600"/>
+                <a:gd name="connsiteY3" fmla="*/ 1202266 h 4783666"/>
+                <a:gd name="connsiteX4" fmla="*/ 8467 w 990600"/>
+                <a:gd name="connsiteY4" fmla="*/ 1684866 h 4783666"/>
+                <a:gd name="connsiteX5" fmla="*/ 973667 w 990600"/>
+                <a:gd name="connsiteY5" fmla="*/ 2150533 h 4783666"/>
+                <a:gd name="connsiteX6" fmla="*/ 8467 w 990600"/>
+                <a:gd name="connsiteY6" fmla="*/ 2641600 h 4783666"/>
+                <a:gd name="connsiteX7" fmla="*/ 990600 w 990600"/>
+                <a:gd name="connsiteY7" fmla="*/ 3107266 h 4783666"/>
+                <a:gd name="connsiteX8" fmla="*/ 16933 w 990600"/>
+                <a:gd name="connsiteY8" fmla="*/ 3581400 h 4783666"/>
+                <a:gd name="connsiteX9" fmla="*/ 973667 w 990600"/>
+                <a:gd name="connsiteY9" fmla="*/ 4055533 h 4783666"/>
+                <a:gd name="connsiteX10" fmla="*/ 482600 w 990600"/>
+                <a:gd name="connsiteY10" fmla="*/ 4309533 h 4783666"/>
+                <a:gd name="connsiteX11" fmla="*/ 482600 w 990600"/>
+                <a:gd name="connsiteY11" fmla="*/ 4783666 h 4783666"/>
+                <a:gd name="connsiteX0" fmla="*/ 482600 w 990600"/>
+                <a:gd name="connsiteY0" fmla="*/ 0 h 4922401"/>
+                <a:gd name="connsiteX1" fmla="*/ 482600 w 990600"/>
+                <a:gd name="connsiteY1" fmla="*/ 474133 h 4922401"/>
+                <a:gd name="connsiteX2" fmla="*/ 0 w 990600"/>
+                <a:gd name="connsiteY2" fmla="*/ 711200 h 4922401"/>
+                <a:gd name="connsiteX3" fmla="*/ 982133 w 990600"/>
+                <a:gd name="connsiteY3" fmla="*/ 1202266 h 4922401"/>
+                <a:gd name="connsiteX4" fmla="*/ 8467 w 990600"/>
+                <a:gd name="connsiteY4" fmla="*/ 1684866 h 4922401"/>
+                <a:gd name="connsiteX5" fmla="*/ 973667 w 990600"/>
+                <a:gd name="connsiteY5" fmla="*/ 2150533 h 4922401"/>
+                <a:gd name="connsiteX6" fmla="*/ 8467 w 990600"/>
+                <a:gd name="connsiteY6" fmla="*/ 2641600 h 4922401"/>
+                <a:gd name="connsiteX7" fmla="*/ 990600 w 990600"/>
+                <a:gd name="connsiteY7" fmla="*/ 3107266 h 4922401"/>
+                <a:gd name="connsiteX8" fmla="*/ 16933 w 990600"/>
+                <a:gd name="connsiteY8" fmla="*/ 3581400 h 4922401"/>
+                <a:gd name="connsiteX9" fmla="*/ 973667 w 990600"/>
+                <a:gd name="connsiteY9" fmla="*/ 4055533 h 4922401"/>
+                <a:gd name="connsiteX10" fmla="*/ 482600 w 990600"/>
+                <a:gd name="connsiteY10" fmla="*/ 4309533 h 4922401"/>
+                <a:gd name="connsiteX11" fmla="*/ 497159 w 990600"/>
+                <a:gd name="connsiteY11" fmla="*/ 4922401 h 4922401"/>
+                <a:gd name="connsiteX0" fmla="*/ 482600 w 990600"/>
+                <a:gd name="connsiteY0" fmla="*/ 0 h 4922401"/>
+                <a:gd name="connsiteX1" fmla="*/ 482600 w 990600"/>
+                <a:gd name="connsiteY1" fmla="*/ 474133 h 4922401"/>
+                <a:gd name="connsiteX2" fmla="*/ 0 w 990600"/>
+                <a:gd name="connsiteY2" fmla="*/ 711200 h 4922401"/>
+                <a:gd name="connsiteX3" fmla="*/ 982133 w 990600"/>
+                <a:gd name="connsiteY3" fmla="*/ 1202266 h 4922401"/>
+                <a:gd name="connsiteX4" fmla="*/ 8467 w 990600"/>
+                <a:gd name="connsiteY4" fmla="*/ 1684866 h 4922401"/>
+                <a:gd name="connsiteX5" fmla="*/ 973667 w 990600"/>
+                <a:gd name="connsiteY5" fmla="*/ 2150533 h 4922401"/>
+                <a:gd name="connsiteX6" fmla="*/ 8467 w 990600"/>
+                <a:gd name="connsiteY6" fmla="*/ 2641600 h 4922401"/>
+                <a:gd name="connsiteX7" fmla="*/ 990600 w 990600"/>
+                <a:gd name="connsiteY7" fmla="*/ 3107266 h 4922401"/>
+                <a:gd name="connsiteX8" fmla="*/ 16933 w 990600"/>
+                <a:gd name="connsiteY8" fmla="*/ 3581400 h 4922401"/>
+                <a:gd name="connsiteX9" fmla="*/ 973667 w 990600"/>
+                <a:gd name="connsiteY9" fmla="*/ 4055533 h 4922401"/>
+                <a:gd name="connsiteX10" fmla="*/ 497159 w 990600"/>
+                <a:gd name="connsiteY10" fmla="*/ 4259085 h 4922401"/>
+                <a:gd name="connsiteX11" fmla="*/ 497159 w 990600"/>
+                <a:gd name="connsiteY11" fmla="*/ 4922401 h 4922401"/>
+                <a:gd name="connsiteX0" fmla="*/ 482600 w 990600"/>
+                <a:gd name="connsiteY0" fmla="*/ 0 h 4922401"/>
+                <a:gd name="connsiteX1" fmla="*/ 482600 w 990600"/>
+                <a:gd name="connsiteY1" fmla="*/ 474133 h 4922401"/>
+                <a:gd name="connsiteX2" fmla="*/ 0 w 990600"/>
+                <a:gd name="connsiteY2" fmla="*/ 711200 h 4922401"/>
+                <a:gd name="connsiteX3" fmla="*/ 982133 w 990600"/>
+                <a:gd name="connsiteY3" fmla="*/ 1202266 h 4922401"/>
+                <a:gd name="connsiteX4" fmla="*/ 8467 w 990600"/>
+                <a:gd name="connsiteY4" fmla="*/ 1684866 h 4922401"/>
+                <a:gd name="connsiteX5" fmla="*/ 973667 w 990600"/>
+                <a:gd name="connsiteY5" fmla="*/ 2150533 h 4922401"/>
+                <a:gd name="connsiteX6" fmla="*/ 8467 w 990600"/>
+                <a:gd name="connsiteY6" fmla="*/ 2641600 h 4922401"/>
+                <a:gd name="connsiteX7" fmla="*/ 990600 w 990600"/>
+                <a:gd name="connsiteY7" fmla="*/ 3107266 h 4922401"/>
+                <a:gd name="connsiteX8" fmla="*/ 16933 w 990600"/>
+                <a:gd name="connsiteY8" fmla="*/ 3581400 h 4922401"/>
+                <a:gd name="connsiteX9" fmla="*/ 973667 w 990600"/>
+                <a:gd name="connsiteY9" fmla="*/ 4055533 h 4922401"/>
+                <a:gd name="connsiteX10" fmla="*/ 497159 w 990600"/>
+                <a:gd name="connsiteY10" fmla="*/ 4309534 h 4922401"/>
+                <a:gd name="connsiteX11" fmla="*/ 497159 w 990600"/>
+                <a:gd name="connsiteY11" fmla="*/ 4922401 h 4922401"/>
+                <a:gd name="connsiteX0" fmla="*/ 489880 w 990600"/>
+                <a:gd name="connsiteY0" fmla="*/ 0 h 4909789"/>
+                <a:gd name="connsiteX1" fmla="*/ 482600 w 990600"/>
+                <a:gd name="connsiteY1" fmla="*/ 461521 h 4909789"/>
+                <a:gd name="connsiteX2" fmla="*/ 0 w 990600"/>
+                <a:gd name="connsiteY2" fmla="*/ 698588 h 4909789"/>
+                <a:gd name="connsiteX3" fmla="*/ 982133 w 990600"/>
+                <a:gd name="connsiteY3" fmla="*/ 1189654 h 4909789"/>
+                <a:gd name="connsiteX4" fmla="*/ 8467 w 990600"/>
+                <a:gd name="connsiteY4" fmla="*/ 1672254 h 4909789"/>
+                <a:gd name="connsiteX5" fmla="*/ 973667 w 990600"/>
+                <a:gd name="connsiteY5" fmla="*/ 2137921 h 4909789"/>
+                <a:gd name="connsiteX6" fmla="*/ 8467 w 990600"/>
+                <a:gd name="connsiteY6" fmla="*/ 2628988 h 4909789"/>
+                <a:gd name="connsiteX7" fmla="*/ 990600 w 990600"/>
+                <a:gd name="connsiteY7" fmla="*/ 3094654 h 4909789"/>
+                <a:gd name="connsiteX8" fmla="*/ 16933 w 990600"/>
+                <a:gd name="connsiteY8" fmla="*/ 3568788 h 4909789"/>
+                <a:gd name="connsiteX9" fmla="*/ 973667 w 990600"/>
+                <a:gd name="connsiteY9" fmla="*/ 4042921 h 4909789"/>
+                <a:gd name="connsiteX10" fmla="*/ 497159 w 990600"/>
+                <a:gd name="connsiteY10" fmla="*/ 4296922 h 4909789"/>
+                <a:gd name="connsiteX11" fmla="*/ 497159 w 990600"/>
+                <a:gd name="connsiteY11" fmla="*/ 4909789 h 4909789"/>
+                <a:gd name="connsiteX0" fmla="*/ 489880 w 990600"/>
+                <a:gd name="connsiteY0" fmla="*/ 0 h 4909789"/>
+                <a:gd name="connsiteX1" fmla="*/ 504439 w 990600"/>
+                <a:gd name="connsiteY1" fmla="*/ 461520 h 4909789"/>
+                <a:gd name="connsiteX2" fmla="*/ 0 w 990600"/>
+                <a:gd name="connsiteY2" fmla="*/ 698588 h 4909789"/>
+                <a:gd name="connsiteX3" fmla="*/ 982133 w 990600"/>
+                <a:gd name="connsiteY3" fmla="*/ 1189654 h 4909789"/>
+                <a:gd name="connsiteX4" fmla="*/ 8467 w 990600"/>
+                <a:gd name="connsiteY4" fmla="*/ 1672254 h 4909789"/>
+                <a:gd name="connsiteX5" fmla="*/ 973667 w 990600"/>
+                <a:gd name="connsiteY5" fmla="*/ 2137921 h 4909789"/>
+                <a:gd name="connsiteX6" fmla="*/ 8467 w 990600"/>
+                <a:gd name="connsiteY6" fmla="*/ 2628988 h 4909789"/>
+                <a:gd name="connsiteX7" fmla="*/ 990600 w 990600"/>
+                <a:gd name="connsiteY7" fmla="*/ 3094654 h 4909789"/>
+                <a:gd name="connsiteX8" fmla="*/ 16933 w 990600"/>
+                <a:gd name="connsiteY8" fmla="*/ 3568788 h 4909789"/>
+                <a:gd name="connsiteX9" fmla="*/ 973667 w 990600"/>
+                <a:gd name="connsiteY9" fmla="*/ 4042921 h 4909789"/>
+                <a:gd name="connsiteX10" fmla="*/ 497159 w 990600"/>
+                <a:gd name="connsiteY10" fmla="*/ 4296922 h 4909789"/>
+                <a:gd name="connsiteX11" fmla="*/ 497159 w 990600"/>
+                <a:gd name="connsiteY11" fmla="*/ 4909789 h 4909789"/>
+                <a:gd name="connsiteX0" fmla="*/ 489880 w 990600"/>
+                <a:gd name="connsiteY0" fmla="*/ 0 h 4909789"/>
+                <a:gd name="connsiteX1" fmla="*/ 489880 w 990600"/>
+                <a:gd name="connsiteY1" fmla="*/ 461520 h 4909789"/>
+                <a:gd name="connsiteX2" fmla="*/ 0 w 990600"/>
+                <a:gd name="connsiteY2" fmla="*/ 698588 h 4909789"/>
+                <a:gd name="connsiteX3" fmla="*/ 982133 w 990600"/>
+                <a:gd name="connsiteY3" fmla="*/ 1189654 h 4909789"/>
+                <a:gd name="connsiteX4" fmla="*/ 8467 w 990600"/>
+                <a:gd name="connsiteY4" fmla="*/ 1672254 h 4909789"/>
+                <a:gd name="connsiteX5" fmla="*/ 973667 w 990600"/>
+                <a:gd name="connsiteY5" fmla="*/ 2137921 h 4909789"/>
+                <a:gd name="connsiteX6" fmla="*/ 8467 w 990600"/>
+                <a:gd name="connsiteY6" fmla="*/ 2628988 h 4909789"/>
+                <a:gd name="connsiteX7" fmla="*/ 990600 w 990600"/>
+                <a:gd name="connsiteY7" fmla="*/ 3094654 h 4909789"/>
+                <a:gd name="connsiteX8" fmla="*/ 16933 w 990600"/>
+                <a:gd name="connsiteY8" fmla="*/ 3568788 h 4909789"/>
+                <a:gd name="connsiteX9" fmla="*/ 973667 w 990600"/>
+                <a:gd name="connsiteY9" fmla="*/ 4042921 h 4909789"/>
+                <a:gd name="connsiteX10" fmla="*/ 497159 w 990600"/>
+                <a:gd name="connsiteY10" fmla="*/ 4296922 h 4909789"/>
+                <a:gd name="connsiteX11" fmla="*/ 497159 w 990600"/>
+                <a:gd name="connsiteY11" fmla="*/ 4909789 h 4909789"/>
+                <a:gd name="connsiteX0" fmla="*/ 489880 w 990600"/>
+                <a:gd name="connsiteY0" fmla="*/ 0 h 5111585"/>
+                <a:gd name="connsiteX1" fmla="*/ 489880 w 990600"/>
+                <a:gd name="connsiteY1" fmla="*/ 663316 h 5111585"/>
+                <a:gd name="connsiteX2" fmla="*/ 0 w 990600"/>
+                <a:gd name="connsiteY2" fmla="*/ 900384 h 5111585"/>
+                <a:gd name="connsiteX3" fmla="*/ 982133 w 990600"/>
+                <a:gd name="connsiteY3" fmla="*/ 1391450 h 5111585"/>
+                <a:gd name="connsiteX4" fmla="*/ 8467 w 990600"/>
+                <a:gd name="connsiteY4" fmla="*/ 1874050 h 5111585"/>
+                <a:gd name="connsiteX5" fmla="*/ 973667 w 990600"/>
+                <a:gd name="connsiteY5" fmla="*/ 2339717 h 5111585"/>
+                <a:gd name="connsiteX6" fmla="*/ 8467 w 990600"/>
+                <a:gd name="connsiteY6" fmla="*/ 2830784 h 5111585"/>
+                <a:gd name="connsiteX7" fmla="*/ 990600 w 990600"/>
+                <a:gd name="connsiteY7" fmla="*/ 3296450 h 5111585"/>
+                <a:gd name="connsiteX8" fmla="*/ 16933 w 990600"/>
+                <a:gd name="connsiteY8" fmla="*/ 3770584 h 5111585"/>
+                <a:gd name="connsiteX9" fmla="*/ 973667 w 990600"/>
+                <a:gd name="connsiteY9" fmla="*/ 4244717 h 5111585"/>
+                <a:gd name="connsiteX10" fmla="*/ 497159 w 990600"/>
+                <a:gd name="connsiteY10" fmla="*/ 4498718 h 5111585"/>
+                <a:gd name="connsiteX11" fmla="*/ 497159 w 990600"/>
+                <a:gd name="connsiteY11" fmla="*/ 5111585 h 5111585"/>
+                <a:gd name="connsiteX0" fmla="*/ 489880 w 990600"/>
+                <a:gd name="connsiteY0" fmla="*/ 0 h 5111585"/>
+                <a:gd name="connsiteX1" fmla="*/ 489880 w 990600"/>
+                <a:gd name="connsiteY1" fmla="*/ 650704 h 5111585"/>
+                <a:gd name="connsiteX2" fmla="*/ 0 w 990600"/>
+                <a:gd name="connsiteY2" fmla="*/ 900384 h 5111585"/>
+                <a:gd name="connsiteX3" fmla="*/ 982133 w 990600"/>
+                <a:gd name="connsiteY3" fmla="*/ 1391450 h 5111585"/>
+                <a:gd name="connsiteX4" fmla="*/ 8467 w 990600"/>
+                <a:gd name="connsiteY4" fmla="*/ 1874050 h 5111585"/>
+                <a:gd name="connsiteX5" fmla="*/ 973667 w 990600"/>
+                <a:gd name="connsiteY5" fmla="*/ 2339717 h 5111585"/>
+                <a:gd name="connsiteX6" fmla="*/ 8467 w 990600"/>
+                <a:gd name="connsiteY6" fmla="*/ 2830784 h 5111585"/>
+                <a:gd name="connsiteX7" fmla="*/ 990600 w 990600"/>
+                <a:gd name="connsiteY7" fmla="*/ 3296450 h 5111585"/>
+                <a:gd name="connsiteX8" fmla="*/ 16933 w 990600"/>
+                <a:gd name="connsiteY8" fmla="*/ 3770584 h 5111585"/>
+                <a:gd name="connsiteX9" fmla="*/ 973667 w 990600"/>
+                <a:gd name="connsiteY9" fmla="*/ 4244717 h 5111585"/>
+                <a:gd name="connsiteX10" fmla="*/ 497159 w 990600"/>
+                <a:gd name="connsiteY10" fmla="*/ 4498718 h 5111585"/>
+                <a:gd name="connsiteX11" fmla="*/ 497159 w 990600"/>
+                <a:gd name="connsiteY11" fmla="*/ 5111585 h 5111585"/>
+                <a:gd name="connsiteX0" fmla="*/ 497159 w 990600"/>
+                <a:gd name="connsiteY0" fmla="*/ 0 h 4884565"/>
+                <a:gd name="connsiteX1" fmla="*/ 489880 w 990600"/>
+                <a:gd name="connsiteY1" fmla="*/ 423684 h 4884565"/>
+                <a:gd name="connsiteX2" fmla="*/ 0 w 990600"/>
+                <a:gd name="connsiteY2" fmla="*/ 673364 h 4884565"/>
+                <a:gd name="connsiteX3" fmla="*/ 982133 w 990600"/>
+                <a:gd name="connsiteY3" fmla="*/ 1164430 h 4884565"/>
+                <a:gd name="connsiteX4" fmla="*/ 8467 w 990600"/>
+                <a:gd name="connsiteY4" fmla="*/ 1647030 h 4884565"/>
+                <a:gd name="connsiteX5" fmla="*/ 973667 w 990600"/>
+                <a:gd name="connsiteY5" fmla="*/ 2112697 h 4884565"/>
+                <a:gd name="connsiteX6" fmla="*/ 8467 w 990600"/>
+                <a:gd name="connsiteY6" fmla="*/ 2603764 h 4884565"/>
+                <a:gd name="connsiteX7" fmla="*/ 990600 w 990600"/>
+                <a:gd name="connsiteY7" fmla="*/ 3069430 h 4884565"/>
+                <a:gd name="connsiteX8" fmla="*/ 16933 w 990600"/>
+                <a:gd name="connsiteY8" fmla="*/ 3543564 h 4884565"/>
+                <a:gd name="connsiteX9" fmla="*/ 973667 w 990600"/>
+                <a:gd name="connsiteY9" fmla="*/ 4017697 h 4884565"/>
+                <a:gd name="connsiteX10" fmla="*/ 497159 w 990600"/>
+                <a:gd name="connsiteY10" fmla="*/ 4271698 h 4884565"/>
+                <a:gd name="connsiteX11" fmla="*/ 497159 w 990600"/>
+                <a:gd name="connsiteY11" fmla="*/ 4884565 h 4884565"/>
+                <a:gd name="connsiteX0" fmla="*/ 497159 w 990600"/>
+                <a:gd name="connsiteY0" fmla="*/ 0 h 4884565"/>
+                <a:gd name="connsiteX1" fmla="*/ 494674 w 990600"/>
+                <a:gd name="connsiteY1" fmla="*/ 397172 h 4884565"/>
+                <a:gd name="connsiteX2" fmla="*/ 489880 w 990600"/>
+                <a:gd name="connsiteY2" fmla="*/ 423684 h 4884565"/>
+                <a:gd name="connsiteX3" fmla="*/ 0 w 990600"/>
+                <a:gd name="connsiteY3" fmla="*/ 673364 h 4884565"/>
+                <a:gd name="connsiteX4" fmla="*/ 982133 w 990600"/>
+                <a:gd name="connsiteY4" fmla="*/ 1164430 h 4884565"/>
+                <a:gd name="connsiteX5" fmla="*/ 8467 w 990600"/>
+                <a:gd name="connsiteY5" fmla="*/ 1647030 h 4884565"/>
+                <a:gd name="connsiteX6" fmla="*/ 973667 w 990600"/>
+                <a:gd name="connsiteY6" fmla="*/ 2112697 h 4884565"/>
+                <a:gd name="connsiteX7" fmla="*/ 8467 w 990600"/>
+                <a:gd name="connsiteY7" fmla="*/ 2603764 h 4884565"/>
+                <a:gd name="connsiteX8" fmla="*/ 990600 w 990600"/>
+                <a:gd name="connsiteY8" fmla="*/ 3069430 h 4884565"/>
+                <a:gd name="connsiteX9" fmla="*/ 16933 w 990600"/>
+                <a:gd name="connsiteY9" fmla="*/ 3543564 h 4884565"/>
+                <a:gd name="connsiteX10" fmla="*/ 973667 w 990600"/>
+                <a:gd name="connsiteY10" fmla="*/ 4017697 h 4884565"/>
+                <a:gd name="connsiteX11" fmla="*/ 497159 w 990600"/>
+                <a:gd name="connsiteY11" fmla="*/ 4271698 h 4884565"/>
+                <a:gd name="connsiteX12" fmla="*/ 497159 w 990600"/>
+                <a:gd name="connsiteY12" fmla="*/ 4884565 h 4884565"/>
+              </a:gdLst>
+              <a:ahLst/>
+              <a:cxnLst>
+                <a:cxn ang="0">
+                  <a:pos x="connsiteX0" y="connsiteY0"/>
+                </a:cxn>
+                <a:cxn ang="0">
+                  <a:pos x="connsiteX1" y="connsiteY1"/>
+                </a:cxn>
+                <a:cxn ang="0">
+                  <a:pos x="connsiteX2" y="connsiteY2"/>
+                </a:cxn>
+                <a:cxn ang="0">
+                  <a:pos x="connsiteX3" y="connsiteY3"/>
+                </a:cxn>
+                <a:cxn ang="0">
+                  <a:pos x="connsiteX4" y="connsiteY4"/>
+                </a:cxn>
+                <a:cxn ang="0">
+                  <a:pos x="connsiteX5" y="connsiteY5"/>
+                </a:cxn>
+                <a:cxn ang="0">
+                  <a:pos x="connsiteX6" y="connsiteY6"/>
+                </a:cxn>
+                <a:cxn ang="0">
+                  <a:pos x="connsiteX7" y="connsiteY7"/>
+                </a:cxn>
+                <a:cxn ang="0">
+                  <a:pos x="connsiteX8" y="connsiteY8"/>
+                </a:cxn>
+                <a:cxn ang="0">
+                  <a:pos x="connsiteX9" y="connsiteY9"/>
+                </a:cxn>
+                <a:cxn ang="0">
+                  <a:pos x="connsiteX10" y="connsiteY10"/>
+                </a:cxn>
+                <a:cxn ang="0">
+                  <a:pos x="connsiteX11" y="connsiteY11"/>
+                </a:cxn>
+                <a:cxn ang="0">
+                  <a:pos x="connsiteX12" y="connsiteY12"/>
+                </a:cxn>
+              </a:cxnLst>
+              <a:rect l="l" t="t" r="r" b="b"/>
+              <a:pathLst>
+                <a:path w="990600" h="4884565">
+                  <a:moveTo>
+                    <a:pt x="497159" y="0"/>
+                  </a:moveTo>
+                  <a:cubicBezTo>
+                    <a:pt x="493904" y="128187"/>
+                    <a:pt x="497929" y="268985"/>
+                    <a:pt x="494674" y="397172"/>
+                  </a:cubicBezTo>
+                  <a:lnTo>
+                    <a:pt x="489880" y="423684"/>
+                  </a:lnTo>
+                  <a:lnTo>
+                    <a:pt x="0" y="673364"/>
+                  </a:lnTo>
+                  <a:lnTo>
+                    <a:pt x="982133" y="1164430"/>
+                  </a:lnTo>
+                  <a:lnTo>
+                    <a:pt x="8467" y="1647030"/>
+                  </a:lnTo>
+                  <a:lnTo>
+                    <a:pt x="973667" y="2112697"/>
+                  </a:lnTo>
+                  <a:lnTo>
+                    <a:pt x="8467" y="2603764"/>
+                  </a:lnTo>
+                  <a:lnTo>
+                    <a:pt x="990600" y="3069430"/>
+                  </a:lnTo>
+                  <a:lnTo>
+                    <a:pt x="16933" y="3543564"/>
+                  </a:lnTo>
+                  <a:lnTo>
+                    <a:pt x="973667" y="4017697"/>
+                  </a:lnTo>
+                  <a:lnTo>
+                    <a:pt x="497159" y="4271698"/>
+                  </a:lnTo>
+                  <a:lnTo>
+                    <a:pt x="497159" y="4884565"/>
+                  </a:lnTo>
+                </a:path>
+              </a:pathLst>
+            </a:custGeom>
+            <a:ln>
+              <a:solidFill>
+                <a:schemeClr val="tx2"/>
+              </a:solidFill>
+            </a:ln>
+          </p:spPr>
+          <p:style>
+            <a:lnRef idx="2">
+              <a:schemeClr val="accent4"/>
+            </a:lnRef>
+            <a:fillRef idx="0">
+              <a:schemeClr val="accent4"/>
+            </a:fillRef>
+            <a:effectRef idx="1">
+              <a:schemeClr val="accent4"/>
+            </a:effectRef>
+            <a:fontRef idx="minor">
+              <a:schemeClr val="tx1"/>
+            </a:fontRef>
+          </p:style>
+          <p:txBody>
+            <a:bodyPr rtlCol="0" anchor="ctr"/>
+            <a:lstStyle/>
+            <a:p>
+              <a:pPr algn="ctr"/>
+              <a:endParaRPr kumimoji="1" lang="ja-JP" altLang="en-US"/>
+            </a:p>
+          </p:txBody>
+        </p:sp>
+        <p:cxnSp>
+          <p:nvCxnSpPr>
+            <p:cNvPr id="19" name="直線コネクタ 18"/>
+            <p:cNvCxnSpPr/>
+            <p:nvPr/>
+          </p:nvCxnSpPr>
+          <p:spPr>
+            <a:xfrm>
+              <a:off x="7524328" y="2348880"/>
+              <a:ext cx="812" cy="432048"/>
+            </a:xfrm>
+            <a:prstGeom prst="line">
+              <a:avLst/>
+            </a:prstGeom>
+            <a:ln>
+              <a:solidFill>
+                <a:srgbClr val="1F497D"/>
+              </a:solidFill>
+            </a:ln>
+          </p:spPr>
+          <p:style>
+            <a:lnRef idx="2">
+              <a:schemeClr val="accent1"/>
+            </a:lnRef>
+            <a:fillRef idx="0">
+              <a:schemeClr val="accent1"/>
+            </a:fillRef>
+            <a:effectRef idx="1">
+              <a:schemeClr val="accent1"/>
+            </a:effectRef>
+            <a:fontRef idx="minor">
+              <a:schemeClr val="tx1"/>
+            </a:fontRef>
+          </p:style>
+        </p:cxnSp>
+        <p:cxnSp>
+          <p:nvCxnSpPr>
+            <p:cNvPr id="21" name="直線コネクタ 20"/>
+            <p:cNvCxnSpPr/>
+            <p:nvPr/>
+          </p:nvCxnSpPr>
+          <p:spPr>
+            <a:xfrm flipV="1">
+              <a:off x="7524328" y="5445224"/>
+              <a:ext cx="0" cy="432048"/>
+            </a:xfrm>
+            <a:prstGeom prst="line">
+              <a:avLst/>
+            </a:prstGeom>
+            <a:ln>
+              <a:solidFill>
+                <a:srgbClr val="1F497D"/>
+              </a:solidFill>
+            </a:ln>
+          </p:spPr>
+          <p:style>
+            <a:lnRef idx="2">
+              <a:schemeClr val="accent1"/>
+            </a:lnRef>
+            <a:fillRef idx="0">
+              <a:schemeClr val="accent1"/>
+            </a:fillRef>
+            <a:effectRef idx="1">
+              <a:schemeClr val="accent1"/>
+            </a:effectRef>
+            <a:fontRef idx="minor">
+              <a:schemeClr val="tx1"/>
+            </a:fontRef>
+          </p:style>
+        </p:cxnSp>
+        <p:grpSp>
+          <p:nvGrpSpPr>
+            <p:cNvPr id="73" name="図形グループ 72"/>
+            <p:cNvGrpSpPr/>
+            <p:nvPr/>
+          </p:nvGrpSpPr>
+          <p:grpSpPr>
+            <a:xfrm>
+              <a:off x="7308304" y="1844824"/>
+              <a:ext cx="432048" cy="504056"/>
+              <a:chOff x="3707904" y="1556792"/>
+              <a:chExt cx="432048" cy="504056"/>
+            </a:xfrm>
+          </p:grpSpPr>
+          <p:cxnSp>
+            <p:nvCxnSpPr>
+              <p:cNvPr id="74" name="直線コネクタ 73"/>
+              <p:cNvCxnSpPr/>
+              <p:nvPr/>
+            </p:nvCxnSpPr>
+            <p:spPr>
+              <a:xfrm>
+                <a:off x="3923928" y="1556792"/>
+                <a:ext cx="0" cy="504056"/>
+              </a:xfrm>
+              <a:prstGeom prst="line">
+                <a:avLst/>
+              </a:prstGeom>
+              <a:ln>
+                <a:solidFill>
+                  <a:srgbClr val="1F497D"/>
+                </a:solidFill>
+              </a:ln>
+            </p:spPr>
+            <p:style>
+              <a:lnRef idx="2">
+                <a:schemeClr val="accent1"/>
+              </a:lnRef>
+              <a:fillRef idx="0">
+                <a:schemeClr val="accent1"/>
+              </a:fillRef>
+              <a:effectRef idx="1">
+                <a:schemeClr val="accent1"/>
+              </a:effectRef>
+              <a:fontRef idx="minor">
+                <a:schemeClr val="tx1"/>
+              </a:fontRef>
+            </p:style>
+          </p:cxnSp>
+          <p:sp>
+            <p:nvSpPr>
+              <p:cNvPr id="75" name="フリーフォーム 74"/>
+              <p:cNvSpPr/>
+              <p:nvPr/>
+            </p:nvSpPr>
+            <p:spPr>
+              <a:xfrm>
+                <a:off x="3707904" y="1556792"/>
+                <a:ext cx="432048" cy="256530"/>
+              </a:xfrm>
+              <a:custGeom>
+                <a:avLst/>
+                <a:gdLst>
+                  <a:gd name="connsiteX0" fmla="*/ 0 w 266700"/>
+                  <a:gd name="connsiteY0" fmla="*/ 146050 h 146050"/>
+                  <a:gd name="connsiteX1" fmla="*/ 127000 w 266700"/>
+                  <a:gd name="connsiteY1" fmla="*/ 0 h 146050"/>
+                  <a:gd name="connsiteX2" fmla="*/ 266700 w 266700"/>
+                  <a:gd name="connsiteY2" fmla="*/ 146050 h 146050"/>
+                  <a:gd name="connsiteX0" fmla="*/ 0 w 256620"/>
+                  <a:gd name="connsiteY0" fmla="*/ 146050 h 171525"/>
+                  <a:gd name="connsiteX1" fmla="*/ 127000 w 256620"/>
+                  <a:gd name="connsiteY1" fmla="*/ 0 h 171525"/>
+                  <a:gd name="connsiteX2" fmla="*/ 256620 w 256620"/>
+                  <a:gd name="connsiteY2" fmla="*/ 171525 h 171525"/>
+                  <a:gd name="connsiteX0" fmla="*/ 0 w 256620"/>
+                  <a:gd name="connsiteY0" fmla="*/ 163033 h 171525"/>
+                  <a:gd name="connsiteX1" fmla="*/ 127000 w 256620"/>
+                  <a:gd name="connsiteY1" fmla="*/ 0 h 171525"/>
+                  <a:gd name="connsiteX2" fmla="*/ 256620 w 256620"/>
+                  <a:gd name="connsiteY2" fmla="*/ 171525 h 171525"/>
+                  <a:gd name="connsiteX0" fmla="*/ 0 w 263340"/>
+                  <a:gd name="connsiteY0" fmla="*/ 171525 h 171525"/>
+                  <a:gd name="connsiteX1" fmla="*/ 133720 w 263340"/>
+                  <a:gd name="connsiteY1" fmla="*/ 0 h 171525"/>
+                  <a:gd name="connsiteX2" fmla="*/ 263340 w 263340"/>
+                  <a:gd name="connsiteY2" fmla="*/ 171525 h 171525"/>
+                </a:gdLst>
+                <a:ahLst/>
+                <a:cxnLst>
+                  <a:cxn ang="0">
+                    <a:pos x="connsiteX0" y="connsiteY0"/>
+                  </a:cxn>
+                  <a:cxn ang="0">
+                    <a:pos x="connsiteX1" y="connsiteY1"/>
+                  </a:cxn>
+                  <a:cxn ang="0">
+                    <a:pos x="connsiteX2" y="connsiteY2"/>
+                  </a:cxn>
+                </a:cxnLst>
+                <a:rect l="l" t="t" r="r" b="b"/>
+                <a:pathLst>
+                  <a:path w="263340" h="171525">
+                    <a:moveTo>
+                      <a:pt x="0" y="171525"/>
+                    </a:moveTo>
+                    <a:lnTo>
+                      <a:pt x="133720" y="0"/>
+                    </a:lnTo>
+                    <a:lnTo>
+                      <a:pt x="263340" y="171525"/>
+                    </a:lnTo>
+                  </a:path>
+                </a:pathLst>
+              </a:custGeom>
+              <a:ln>
+                <a:solidFill>
+                  <a:srgbClr val="1F497D"/>
+                </a:solidFill>
+              </a:ln>
+            </p:spPr>
+            <p:style>
+              <a:lnRef idx="2">
+                <a:schemeClr val="accent1"/>
+              </a:lnRef>
+              <a:fillRef idx="0">
+                <a:schemeClr val="accent1"/>
+              </a:fillRef>
+              <a:effectRef idx="1">
+                <a:schemeClr val="accent1"/>
+              </a:effectRef>
+              <a:fontRef idx="minor">
+                <a:schemeClr val="tx1"/>
+              </a:fontRef>
+            </p:style>
+            <p:txBody>
+              <a:bodyPr rtlCol="0" anchor="ctr"/>
+              <a:lstStyle/>
+              <a:p>
+                <a:pPr algn="ctr"/>
+                <a:endParaRPr kumimoji="1" lang="ja-JP" altLang="en-US"/>
+              </a:p>
+            </p:txBody>
+          </p:sp>
+        </p:grpSp>
+        <p:cxnSp>
+          <p:nvCxnSpPr>
+            <p:cNvPr id="78" name="直線コネクタ 77"/>
+            <p:cNvCxnSpPr>
+              <a:stCxn id="84" idx="12"/>
+            </p:cNvCxnSpPr>
+            <p:nvPr/>
+          </p:nvCxnSpPr>
+          <p:spPr>
+            <a:xfrm flipH="1">
+              <a:off x="7524328" y="4010567"/>
+              <a:ext cx="811" cy="210521"/>
+            </a:xfrm>
+            <a:prstGeom prst="line">
+              <a:avLst/>
+            </a:prstGeom>
+            <a:ln>
+              <a:solidFill>
+                <a:srgbClr val="1F497D"/>
+              </a:solidFill>
+            </a:ln>
+          </p:spPr>
+          <p:style>
+            <a:lnRef idx="2">
+              <a:schemeClr val="accent1"/>
+            </a:lnRef>
+            <a:fillRef idx="0">
+              <a:schemeClr val="accent1"/>
+            </a:fillRef>
+            <a:effectRef idx="1">
+              <a:schemeClr val="accent1"/>
+            </a:effectRef>
+            <a:fontRef idx="minor">
+              <a:schemeClr val="tx1"/>
+            </a:fontRef>
+          </p:style>
+        </p:cxnSp>
+      </p:grpSp>
+      <p:sp>
+        <p:nvSpPr>
+          <p:cNvPr id="38" name="テキスト ボックス 37"/>
+          <p:cNvSpPr txBox="1"/>
+          <p:nvPr/>
+        </p:nvSpPr>
+        <p:spPr>
+          <a:xfrm>
+            <a:off x="2699792" y="5589240"/>
+            <a:ext cx="671979" cy="400110"/>
+          </a:xfrm>
+          <a:prstGeom prst="rect">
+            <a:avLst/>
+          </a:prstGeom>
+          <a:noFill/>
+        </p:spPr>
+        <p:txBody>
+          <a:bodyPr wrap="none" rtlCol="0">
+            <a:spAutoFit/>
+          </a:bodyPr>
+          <a:lstStyle/>
+          <a:p>
+            <a:r>
+              <a:rPr kumimoji="1" lang="en-US" altLang="ja-JP" sz="2000" dirty="0" smtClean="0">
+                <a:solidFill>
+                  <a:srgbClr val="1F497D"/>
+                </a:solidFill>
+                <a:latin typeface="+mn-lt"/>
+              </a:rPr>
+              <a:t>GND</a:t>
+            </a:r>
+            <a:endParaRPr kumimoji="1" lang="ja-JP" altLang="en-US" sz="2000" dirty="0">
+              <a:solidFill>
+                <a:srgbClr val="1F497D"/>
+              </a:solidFill>
+              <a:latin typeface="+mn-lt"/>
+            </a:endParaRPr>
           </a:p>
         </p:txBody>
       </p:sp>
       <p:sp>
         <p:nvSpPr>
-          <p:cNvPr id="3" name="コンテンツ プレースホルダー 2"/>
-          <p:cNvSpPr>
-            <a:spLocks noGrp="1"/>
-          </p:cNvSpPr>
-          <p:nvPr>
-            <p:ph idx="1"/>
-          </p:nvPr>
+          <p:cNvPr id="40" name="テキスト ボックス 39"/>
+          <p:cNvSpPr txBox="1"/>
+          <p:nvPr/>
         </p:nvSpPr>
         <p:spPr>
           <a:xfrm>
-            <a:off x="762000" y="1596413"/>
-            <a:ext cx="8077200" cy="5072947"/>
+            <a:off x="6660232" y="1556792"/>
+            <a:ext cx="466794" cy="400110"/>
           </a:xfrm>
+          <a:prstGeom prst="rect">
+            <a:avLst/>
+          </a:prstGeom>
+          <a:noFill/>
         </p:spPr>
         <p:txBody>
-          <a:bodyPr>
-            <a:normAutofit/>
+          <a:bodyPr wrap="none" rtlCol="0">
+            <a:spAutoFit/>
           </a:bodyPr>
           <a:lstStyle/>
           <a:p>
-            <a:pPr>
-              <a:buFont typeface="+mj-ea"/>
-              <a:buAutoNum type="circleNumDbPlain"/>
-            </a:pPr>
-            <a:r>
-              <a:rPr kumimoji="1" lang="ja-JP" altLang="en-US" dirty="0" smtClean="0"/>
-              <a:t>スイッチＯＮ／ＯＦＦ</a:t>
-            </a:r>
-            <a:endParaRPr kumimoji="1" lang="en-US" altLang="ja-JP" dirty="0" smtClean="0"/>
+            <a:r>
+              <a:rPr kumimoji="1" lang="en-US" altLang="ja-JP" sz="2000" dirty="0" smtClean="0">
+                <a:solidFill>
+                  <a:srgbClr val="1F497D"/>
+                </a:solidFill>
+                <a:latin typeface="+mn-lt"/>
+              </a:rPr>
+              <a:t>5V</a:t>
+            </a:r>
+            <a:endParaRPr kumimoji="1" lang="ja-JP" altLang="en-US" sz="2000" dirty="0">
+              <a:solidFill>
+                <a:srgbClr val="1F497D"/>
+              </a:solidFill>
+              <a:latin typeface="+mn-lt"/>
+            </a:endParaRPr>
           </a:p>
+        </p:txBody>
+      </p:sp>
+      <p:sp>
+        <p:nvSpPr>
+          <p:cNvPr id="43" name="テキスト ボックス 42"/>
+          <p:cNvSpPr txBox="1"/>
+          <p:nvPr/>
+        </p:nvSpPr>
+        <p:spPr>
+          <a:xfrm>
+            <a:off x="4067944" y="2924944"/>
+            <a:ext cx="1198691" cy="707886"/>
+          </a:xfrm>
+          <a:prstGeom prst="rect">
+            <a:avLst/>
+          </a:prstGeom>
+          <a:noFill/>
+        </p:spPr>
+        <p:txBody>
+          <a:bodyPr wrap="none" rtlCol="0">
+            <a:spAutoFit/>
+          </a:bodyPr>
+          <a:lstStyle/>
           <a:p>
-            <a:pPr>
-              <a:buFont typeface="+mj-ea"/>
-              <a:buAutoNum type="circleNumDbPlain"/>
-            </a:pPr>
-            <a:r>
-              <a:rPr kumimoji="1" lang="ja-JP" altLang="en-US" dirty="0" smtClean="0"/>
-              <a:t>電飾の点滅、映像の描画</a:t>
-            </a:r>
-            <a:endParaRPr kumimoji="1" lang="en-US" altLang="ja-JP" dirty="0" smtClean="0"/>
-          </a:p>
-          <a:p>
-            <a:pPr>
-              <a:buFont typeface="+mj-ea"/>
-              <a:buAutoNum type="circleNumDbPlain"/>
-            </a:pPr>
-            <a:r>
-              <a:rPr kumimoji="1" lang="ja-JP" altLang="en-US" dirty="0" smtClean="0"/>
-              <a:t>赤外線リモコンなど、信号の送信</a:t>
-            </a:r>
-            <a:endParaRPr kumimoji="1" lang="en-US" altLang="ja-JP" dirty="0" smtClean="0"/>
-          </a:p>
-          <a:p>
-            <a:pPr>
-              <a:buFont typeface="+mj-ea"/>
-              <a:buAutoNum type="circleNumDbPlain"/>
-            </a:pPr>
-            <a:r>
-              <a:rPr kumimoji="1" lang="ja-JP" altLang="en-US" dirty="0" smtClean="0"/>
-              <a:t>パルス幅変調</a:t>
-            </a:r>
-            <a:r>
-              <a:rPr kumimoji="1" lang="en-US" altLang="ja-JP" dirty="0" smtClean="0"/>
-              <a:t>･･･</a:t>
-            </a:r>
-            <a:r>
-              <a:rPr kumimoji="1" lang="ja-JP" altLang="en-US" dirty="0" smtClean="0"/>
-              <a:t>明るさ調整、モーター回転数（力）の制御、サーボモーター（位置）制御</a:t>
-            </a:r>
-            <a:endParaRPr kumimoji="1" lang="en-US" altLang="ja-JP" dirty="0" smtClean="0"/>
-          </a:p>
-          <a:p>
-            <a:pPr>
-              <a:buFont typeface="+mj-ea"/>
-              <a:buAutoNum type="circleNumDbPlain"/>
-            </a:pPr>
-            <a:r>
-              <a:rPr kumimoji="1" lang="ja-JP" altLang="en-US" dirty="0" smtClean="0"/>
-              <a:t>音の発生：ブザー、電子音（矩形波）</a:t>
-            </a:r>
-            <a:endParaRPr kumimoji="1" lang="en-US" altLang="ja-JP" dirty="0"/>
+            <a:r>
+              <a:rPr kumimoji="1" lang="ja-JP" altLang="en-US" sz="2000" dirty="0" smtClean="0">
+                <a:solidFill>
+                  <a:srgbClr val="1F497D"/>
+                </a:solidFill>
+                <a:latin typeface="+mn-lt"/>
+              </a:rPr>
+              <a:t>３３０</a:t>
+            </a:r>
+            <a:r>
+              <a:rPr kumimoji="1" lang="en-US" altLang="ja-JP" sz="2000" dirty="0" err="1" smtClean="0">
+                <a:solidFill>
+                  <a:srgbClr val="1F497D"/>
+                </a:solidFill>
+                <a:latin typeface="+mn-lt"/>
+              </a:rPr>
+              <a:t>Ω</a:t>
+            </a:r>
+            <a:r>
+              <a:rPr kumimoji="1" lang="en-US" altLang="ja-JP" sz="2000" dirty="0" smtClean="0">
+                <a:solidFill>
+                  <a:srgbClr val="1F497D"/>
+                </a:solidFill>
+                <a:latin typeface="+mn-lt"/>
+              </a:rPr>
+              <a:t/>
+            </a:r>
+            <a:br>
+              <a:rPr kumimoji="1" lang="en-US" altLang="ja-JP" sz="2000" dirty="0" smtClean="0">
+                <a:solidFill>
+                  <a:srgbClr val="1F497D"/>
+                </a:solidFill>
+                <a:latin typeface="+mn-lt"/>
+              </a:rPr>
+            </a:br>
+            <a:r>
+              <a:rPr lang="ja-JP" altLang="en-US" sz="2000" dirty="0" smtClean="0">
+                <a:solidFill>
+                  <a:srgbClr val="1F497D"/>
+                </a:solidFill>
+                <a:latin typeface="+mn-lt"/>
+              </a:rPr>
+              <a:t>　　</a:t>
+            </a:r>
+            <a:r>
+              <a:rPr kumimoji="1" lang="en-US" altLang="ja-JP" sz="2000" dirty="0" smtClean="0">
+                <a:solidFill>
+                  <a:srgbClr val="1F497D"/>
+                </a:solidFill>
+                <a:latin typeface="+mn-lt"/>
+              </a:rPr>
+              <a:t>〜1kΩ</a:t>
+            </a:r>
+            <a:endParaRPr kumimoji="1" lang="ja-JP" altLang="en-US" sz="2000" dirty="0">
+              <a:solidFill>
+                <a:srgbClr val="1F497D"/>
+              </a:solidFill>
+              <a:latin typeface="+mn-lt"/>
+            </a:endParaRPr>
           </a:p>
         </p:txBody>
       </p:sp>
     </p:spTree>
     <p:extLst>
       <p:ext uri="{BB962C8B-B14F-4D97-AF65-F5344CB8AC3E}">
-        <p14:creationId xmlns:p14="http://schemas.microsoft.com/office/powerpoint/2010/main" val="4088840200"/>
+        <p14:creationId xmlns:p14="http://schemas.microsoft.com/office/powerpoint/2010/main" val="689771979"/>
       </p:ext>
     </p:extLst>
   </p:cSld>
   <p:clrMapOvr>
     <a:masterClrMapping/>
   </p:clrMapOvr>
-  <p:transition spd="slow">
+  <p:transition xmlns:p14="http://schemas.microsoft.com/office/powerpoint/2010/main" spd="slow">
     <p:wipe dir="d"/>
   </p:transition>
 </p:sld>
@@ -24742,9 +29040,56 @@
           <a:chExt cx="0" cy="0"/>
         </a:xfrm>
       </p:grpSpPr>
+      <p:pic>
+        <p:nvPicPr>
+          <p:cNvPr id="5" name="図 4"/>
+          <p:cNvPicPr>
+            <a:picLocks noChangeAspect="1"/>
+          </p:cNvPicPr>
+          <p:nvPr/>
+        </p:nvPicPr>
+        <p:blipFill>
+          <a:blip r:embed="rId2"/>
+          <a:stretch>
+            <a:fillRect/>
+          </a:stretch>
+        </p:blipFill>
+        <p:spPr>
+          <a:xfrm>
+            <a:off x="6156176" y="2276872"/>
+            <a:ext cx="2235200" cy="3556000"/>
+          </a:xfrm>
+          <a:prstGeom prst="rect">
+            <a:avLst/>
+          </a:prstGeom>
+        </p:spPr>
+      </p:pic>
+      <p:pic>
+        <p:nvPicPr>
+          <p:cNvPr id="2" name="図 1"/>
+          <p:cNvPicPr>
+            <a:picLocks noChangeAspect="1"/>
+          </p:cNvPicPr>
+          <p:nvPr/>
+        </p:nvPicPr>
+        <p:blipFill rotWithShape="1">
+          <a:blip r:embed="rId3"/>
+          <a:srcRect l="15299"/>
+          <a:stretch/>
+        </p:blipFill>
+        <p:spPr>
+          <a:xfrm>
+            <a:off x="899592" y="1700808"/>
+            <a:ext cx="5378500" cy="4343400"/>
+          </a:xfrm>
+          <a:prstGeom prst="rect">
+            <a:avLst/>
+          </a:prstGeom>
+        </p:spPr>
+      </p:pic>
       <p:sp>
         <p:nvSpPr>
-          <p:cNvPr id="2" name="タイトル 1"/>
+          <p:cNvPr id="4" name="タイトル 3"/>
           <p:cNvSpPr>
             <a:spLocks noGrp="1"/>
           </p:cNvSpPr>
@@ -24758,120 +29103,261 @@
           <a:lstStyle/>
           <a:p>
             <a:r>
-              <a:rPr kumimoji="1" lang="ja-JP" altLang="en-US" dirty="0"/>
-              <a:t>６．シリアルポートで文字通信</a:t>
-            </a:r>
+              <a:rPr lang="en-US" altLang="ja-JP" dirty="0" smtClean="0"/>
+              <a:t>LED </a:t>
+            </a:r>
+            <a:r>
+              <a:rPr lang="ja-JP" altLang="en-US" dirty="0" smtClean="0"/>
+              <a:t>発光ダイオード</a:t>
+            </a:r>
+            <a:r>
+              <a:rPr kumimoji="1" lang="ja-JP" altLang="en-US" dirty="0" smtClean="0"/>
+              <a:t>と</a:t>
+            </a:r>
+            <a:r>
+              <a:rPr lang="en-US" altLang="ja-JP" dirty="0" smtClean="0"/>
+              <a:t> </a:t>
+            </a:r>
+            <a:r>
+              <a:rPr lang="en-US" altLang="ja-JP" dirty="0" err="1" smtClean="0"/>
+              <a:t>Arduino</a:t>
+            </a:r>
+            <a:r>
+              <a:rPr lang="en-US" altLang="ja-JP" dirty="0" smtClean="0"/>
+              <a:t> </a:t>
+            </a:r>
+            <a:r>
+              <a:rPr lang="ja-JP" altLang="en-US" dirty="0" smtClean="0"/>
+              <a:t>デジタルピンの接続：ブレッドボードでの配線</a:t>
+            </a:r>
+            <a:endParaRPr kumimoji="1" lang="ja-JP" altLang="en-US" dirty="0"/>
           </a:p>
         </p:txBody>
       </p:sp>
       <p:sp>
         <p:nvSpPr>
-          <p:cNvPr id="3" name="コンテンツ プレースホルダー 2"/>
-          <p:cNvSpPr>
-            <a:spLocks noGrp="1"/>
-          </p:cNvSpPr>
-          <p:nvPr>
-            <p:ph idx="1"/>
-          </p:nvPr>
+          <p:cNvPr id="38" name="テキスト ボックス 37"/>
+          <p:cNvSpPr txBox="1"/>
+          <p:nvPr/>
         </p:nvSpPr>
-        <p:spPr/>
+        <p:spPr>
+          <a:xfrm>
+            <a:off x="3600500" y="1916832"/>
+            <a:ext cx="671979" cy="400110"/>
+          </a:xfrm>
+          <a:prstGeom prst="rect">
+            <a:avLst/>
+          </a:prstGeom>
+          <a:noFill/>
+        </p:spPr>
         <p:txBody>
-          <a:bodyPr>
-            <a:normAutofit/>
+          <a:bodyPr wrap="none" rtlCol="0">
+            <a:spAutoFit/>
           </a:bodyPr>
           <a:lstStyle/>
           <a:p>
             <a:r>
-              <a:rPr kumimoji="1" lang="ja-JP" altLang="en-US" dirty="0"/>
-              <a:t>ＰＣと文字通信する</a:t>
-            </a:r>
+              <a:rPr kumimoji="1" lang="en-US" altLang="ja-JP" sz="2000" dirty="0" smtClean="0">
+                <a:solidFill>
+                  <a:srgbClr val="1F497D"/>
+                </a:solidFill>
+                <a:latin typeface="+mn-lt"/>
+              </a:rPr>
+              <a:t>GND</a:t>
+            </a:r>
+            <a:endParaRPr kumimoji="1" lang="ja-JP" altLang="en-US" sz="2000" dirty="0">
+              <a:solidFill>
+                <a:srgbClr val="1F497D"/>
+              </a:solidFill>
+              <a:latin typeface="+mn-lt"/>
+            </a:endParaRPr>
           </a:p>
+        </p:txBody>
+      </p:sp>
+      <p:sp>
+        <p:nvSpPr>
+          <p:cNvPr id="40" name="テキスト ボックス 39"/>
+          <p:cNvSpPr txBox="1"/>
+          <p:nvPr/>
+        </p:nvSpPr>
+        <p:spPr>
+          <a:xfrm>
+            <a:off x="3096444" y="1916832"/>
+            <a:ext cx="466794" cy="400110"/>
+          </a:xfrm>
+          <a:prstGeom prst="rect">
+            <a:avLst/>
+          </a:prstGeom>
+          <a:noFill/>
+        </p:spPr>
+        <p:txBody>
+          <a:bodyPr wrap="none" rtlCol="0">
+            <a:spAutoFit/>
+          </a:bodyPr>
+          <a:lstStyle/>
           <a:p>
-            <a:pPr lvl="1"/>
-            <a:r>
-              <a:rPr kumimoji="1" lang="en-US" altLang="ja-JP" dirty="0" smtClean="0"/>
-              <a:t>Files </a:t>
-            </a:r>
-            <a:r>
-              <a:rPr kumimoji="1" lang="ja-JP" altLang="en-US" dirty="0"/>
-              <a:t>ファイル</a:t>
-            </a:r>
-            <a:r>
-              <a:rPr kumimoji="1" lang="en-US" altLang="ja-JP" dirty="0"/>
-              <a:t>&gt; Examples</a:t>
-            </a:r>
-            <a:r>
-              <a:rPr kumimoji="1" lang="ja-JP" altLang="en-US" dirty="0"/>
-              <a:t>スケッチの例 </a:t>
-            </a:r>
-            <a:r>
-              <a:rPr kumimoji="1" lang="en-US" altLang="ja-JP" dirty="0"/>
-              <a:t>&gt; 04.Communication&gt; ASCII Table  </a:t>
-            </a:r>
-            <a:r>
-              <a:rPr kumimoji="1" lang="ja-JP" altLang="en-US" dirty="0"/>
-              <a:t>を開く</a:t>
-            </a:r>
+            <a:r>
+              <a:rPr kumimoji="1" lang="en-US" altLang="ja-JP" sz="2000" dirty="0" smtClean="0">
+                <a:solidFill>
+                  <a:srgbClr val="1F497D"/>
+                </a:solidFill>
+                <a:latin typeface="+mn-lt"/>
+              </a:rPr>
+              <a:t>5V</a:t>
+            </a:r>
+            <a:endParaRPr kumimoji="1" lang="ja-JP" altLang="en-US" sz="2000" dirty="0">
+              <a:solidFill>
+                <a:srgbClr val="1F497D"/>
+              </a:solidFill>
+              <a:latin typeface="+mn-lt"/>
+            </a:endParaRPr>
           </a:p>
+        </p:txBody>
+      </p:sp>
+      <p:sp>
+        <p:nvSpPr>
+          <p:cNvPr id="43" name="テキスト ボックス 42"/>
+          <p:cNvSpPr txBox="1"/>
+          <p:nvPr/>
+        </p:nvSpPr>
+        <p:spPr>
+          <a:xfrm>
+            <a:off x="4680620" y="3861048"/>
+            <a:ext cx="1198691" cy="707886"/>
+          </a:xfrm>
+          <a:prstGeom prst="rect">
+            <a:avLst/>
+          </a:prstGeom>
+          <a:solidFill>
+            <a:schemeClr val="bg1">
+              <a:alpha val="50000"/>
+            </a:schemeClr>
+          </a:solidFill>
+        </p:spPr>
+        <p:txBody>
+          <a:bodyPr wrap="none" rtlCol="0">
+            <a:spAutoFit/>
+          </a:bodyPr>
+          <a:lstStyle/>
           <a:p>
-            <a:pPr lvl="1"/>
-            <a:r>
-              <a:rPr kumimoji="1" lang="ja-JP" altLang="en-US" dirty="0" smtClean="0"/>
-              <a:t>プログラムを</a:t>
-            </a:r>
-            <a:r>
-              <a:rPr kumimoji="1" lang="en-US" altLang="ja-JP" dirty="0" smtClean="0"/>
-              <a:t> Upload </a:t>
-            </a:r>
-            <a:r>
-              <a:rPr kumimoji="1" lang="ja-JP" altLang="en-US" dirty="0" smtClean="0"/>
-              <a:t>マイコンボードに書き込む</a:t>
-            </a:r>
-            <a:endParaRPr kumimoji="1" lang="ja-JP" altLang="en-US" dirty="0"/>
+            <a:r>
+              <a:rPr kumimoji="1" lang="ja-JP" altLang="en-US" sz="2000" dirty="0" smtClean="0">
+                <a:solidFill>
+                  <a:srgbClr val="1F497D"/>
+                </a:solidFill>
+                <a:latin typeface="+mn-lt"/>
+              </a:rPr>
+              <a:t>３３０</a:t>
+            </a:r>
+            <a:r>
+              <a:rPr kumimoji="1" lang="en-US" altLang="ja-JP" sz="2000" dirty="0" err="1" smtClean="0">
+                <a:solidFill>
+                  <a:srgbClr val="1F497D"/>
+                </a:solidFill>
+                <a:latin typeface="+mn-lt"/>
+              </a:rPr>
+              <a:t>Ω</a:t>
+            </a:r>
+            <a:r>
+              <a:rPr kumimoji="1" lang="en-US" altLang="ja-JP" sz="2000" dirty="0" smtClean="0">
+                <a:solidFill>
+                  <a:srgbClr val="1F497D"/>
+                </a:solidFill>
+                <a:latin typeface="+mn-lt"/>
+              </a:rPr>
+              <a:t/>
+            </a:r>
+            <a:br>
+              <a:rPr kumimoji="1" lang="en-US" altLang="ja-JP" sz="2000" dirty="0" smtClean="0">
+                <a:solidFill>
+                  <a:srgbClr val="1F497D"/>
+                </a:solidFill>
+                <a:latin typeface="+mn-lt"/>
+              </a:rPr>
+            </a:br>
+            <a:r>
+              <a:rPr lang="ja-JP" altLang="en-US" sz="2000" dirty="0" smtClean="0">
+                <a:solidFill>
+                  <a:srgbClr val="1F497D"/>
+                </a:solidFill>
+                <a:latin typeface="+mn-lt"/>
+              </a:rPr>
+              <a:t>　　</a:t>
+            </a:r>
+            <a:r>
+              <a:rPr kumimoji="1" lang="en-US" altLang="ja-JP" sz="2000" dirty="0" smtClean="0">
+                <a:solidFill>
+                  <a:srgbClr val="1F497D"/>
+                </a:solidFill>
+                <a:latin typeface="+mn-lt"/>
+              </a:rPr>
+              <a:t>〜1kΩ</a:t>
+            </a:r>
+            <a:endParaRPr kumimoji="1" lang="ja-JP" altLang="en-US" sz="2000" dirty="0">
+              <a:solidFill>
+                <a:srgbClr val="1F497D"/>
+              </a:solidFill>
+              <a:latin typeface="+mn-lt"/>
+            </a:endParaRPr>
           </a:p>
+        </p:txBody>
+      </p:sp>
+      <p:sp>
+        <p:nvSpPr>
+          <p:cNvPr id="6" name="正方形/長方形 5"/>
+          <p:cNvSpPr/>
+          <p:nvPr/>
+        </p:nvSpPr>
+        <p:spPr>
+          <a:xfrm>
+            <a:off x="899592" y="6093296"/>
+            <a:ext cx="5400600" cy="369332"/>
+          </a:xfrm>
+          <a:prstGeom prst="rect">
+            <a:avLst/>
+          </a:prstGeom>
+        </p:spPr>
+        <p:txBody>
+          <a:bodyPr wrap="square">
+            <a:spAutoFit/>
+          </a:bodyPr>
+          <a:lstStyle/>
           <a:p>
             <a:r>
-              <a:rPr kumimoji="1" lang="en-US" altLang="ja-JP" dirty="0" smtClean="0"/>
-              <a:t>Terminal </a:t>
-            </a:r>
-            <a:r>
-              <a:rPr kumimoji="1" lang="ja-JP" altLang="en-US" dirty="0" smtClean="0"/>
-              <a:t>シリアルモニタウィンドウを開く</a:t>
-            </a:r>
-            <a:endParaRPr kumimoji="1" lang="en-US" altLang="ja-JP" dirty="0" smtClean="0"/>
-          </a:p>
-          <a:p>
-            <a:pPr lvl="1"/>
-            <a:r>
-              <a:rPr kumimoji="1" lang="ja-JP" altLang="en-US" dirty="0" smtClean="0"/>
-              <a:t>ウィンドウ右下のＰＣ側通信速度（ボーレート）を確認．</a:t>
-            </a:r>
-            <a:r>
-              <a:rPr kumimoji="1" lang="en-US" altLang="ja-JP" dirty="0" smtClean="0"/>
-              <a:t/>
-            </a:r>
-            <a:br>
-              <a:rPr kumimoji="1" lang="en-US" altLang="ja-JP" dirty="0" smtClean="0"/>
-            </a:br>
-            <a:r>
-              <a:rPr kumimoji="1" lang="ja-JP" altLang="en-US" dirty="0" smtClean="0"/>
-              <a:t>マイコン側と速度が違うと文字化けする</a:t>
-            </a:r>
-            <a:endParaRPr kumimoji="1" lang="en-US" altLang="ja-JP" dirty="0" smtClean="0"/>
+              <a:rPr lang="en-US" altLang="ja-JP" dirty="0"/>
+              <a:t>http://</a:t>
+            </a:r>
+            <a:r>
+              <a:rPr lang="en-US" altLang="ja-JP" dirty="0" err="1"/>
+              <a:t>www.ladyada.net</a:t>
+            </a:r>
+            <a:r>
+              <a:rPr lang="en-US" altLang="ja-JP" dirty="0"/>
+              <a:t>/learn/</a:t>
+            </a:r>
+            <a:r>
+              <a:rPr lang="en-US" altLang="ja-JP" dirty="0" err="1"/>
+              <a:t>arduino</a:t>
+            </a:r>
+            <a:r>
+              <a:rPr lang="en-US" altLang="ja-JP" dirty="0"/>
+              <a:t>/lesson3.html</a:t>
+            </a:r>
+            <a:endParaRPr lang="ja-JP" altLang="en-US" dirty="0"/>
           </a:p>
         </p:txBody>
       </p:sp>
     </p:spTree>
     <p:extLst>
       <p:ext uri="{BB962C8B-B14F-4D97-AF65-F5344CB8AC3E}">
-        <p14:creationId xmlns:p14="http://schemas.microsoft.com/office/powerpoint/2010/main" val="1087895294"/>
+        <p14:creationId xmlns:p14="http://schemas.microsoft.com/office/powerpoint/2010/main" val="1168944268"/>
       </p:ext>
     </p:extLst>
   </p:cSld>
   <p:clrMapOvr>
     <a:masterClrMapping/>
   </p:clrMapOvr>
-  <p:transition spd="slow">
+  <p:transition xmlns:p14="http://schemas.microsoft.com/office/powerpoint/2010/main" spd="slow">
     <p:wipe dir="d"/>
   </p:transition>
 </p:sld>
@@ -24896,7 +29382,7 @@
       </p:grpSpPr>
       <p:sp>
         <p:nvSpPr>
-          <p:cNvPr id="2" name="タイトル 1"/>
+          <p:cNvPr id="4" name="タイトル 3"/>
           <p:cNvSpPr>
             <a:spLocks noGrp="1"/>
           </p:cNvSpPr>
@@ -24911,191 +29397,1162 @@
           <a:p>
             <a:r>
               <a:rPr kumimoji="1" lang="ja-JP" altLang="en-US" dirty="0" smtClean="0"/>
-              <a:t>７．シリアルポートの使い方</a:t>
+              <a:t>ピエゾスピーカの接続</a:t>
             </a:r>
             <a:endParaRPr kumimoji="1" lang="ja-JP" altLang="en-US" dirty="0"/>
           </a:p>
         </p:txBody>
       </p:sp>
-      <p:sp>
-        <p:nvSpPr>
-          <p:cNvPr id="3" name="コンテンツ プレースホルダー 2"/>
-          <p:cNvSpPr>
-            <a:spLocks noGrp="1"/>
-          </p:cNvSpPr>
-          <p:nvPr>
-            <p:ph idx="1"/>
-          </p:nvPr>
-        </p:nvSpPr>
-        <p:spPr/>
-        <p:txBody>
-          <a:bodyPr>
-            <a:normAutofit fontScale="92500" lnSpcReduction="10000"/>
-          </a:bodyPr>
-          <a:lstStyle/>
-          <a:p>
-            <a:r>
-              <a:rPr kumimoji="1" lang="en-US" altLang="ja-JP" dirty="0" smtClean="0"/>
-              <a:t>setup() </a:t>
-            </a:r>
-            <a:r>
-              <a:rPr kumimoji="1" lang="ja-JP" altLang="en-US" dirty="0" smtClean="0"/>
-              <a:t>でポートの通信速度をセットしオープン</a:t>
-            </a:r>
-            <a:endParaRPr kumimoji="1" lang="en-US" altLang="ja-JP" dirty="0" smtClean="0"/>
-          </a:p>
-          <a:p>
-            <a:pPr lvl="1"/>
-            <a:r>
-              <a:rPr kumimoji="1" lang="en-US" altLang="ja-JP" dirty="0" err="1" smtClean="0"/>
-              <a:t>Serial.begin</a:t>
-            </a:r>
-            <a:r>
-              <a:rPr kumimoji="1" lang="en-US" altLang="ja-JP" dirty="0" smtClean="0"/>
-              <a:t>(</a:t>
-            </a:r>
-            <a:r>
-              <a:rPr kumimoji="1" lang="ja-JP" altLang="en-US" dirty="0" smtClean="0"/>
-              <a:t>ボーレート</a:t>
-            </a:r>
-            <a:r>
-              <a:rPr kumimoji="1" lang="en-US" altLang="ja-JP" dirty="0" smtClean="0"/>
-              <a:t>)</a:t>
-            </a:r>
-            <a:br>
-              <a:rPr kumimoji="1" lang="en-US" altLang="ja-JP" dirty="0" smtClean="0"/>
-            </a:br>
-            <a:r>
-              <a:rPr kumimoji="1" lang="ja-JP" altLang="en-US" dirty="0" smtClean="0"/>
-              <a:t>ボーレートはシリアルモニタのメニューから選ぶ</a:t>
-            </a:r>
-            <a:endParaRPr kumimoji="1" lang="en-US" altLang="ja-JP" dirty="0" smtClean="0"/>
-          </a:p>
-          <a:p>
-            <a:r>
-              <a:rPr kumimoji="1" lang="ja-JP" altLang="en-US" dirty="0" smtClean="0"/>
-              <a:t>オープンした後、自由に使用</a:t>
-            </a:r>
-            <a:endParaRPr kumimoji="1" lang="en-US" altLang="ja-JP" dirty="0" smtClean="0"/>
-          </a:p>
-          <a:p>
-            <a:pPr lvl="1"/>
-            <a:r>
-              <a:rPr kumimoji="1" lang="en-US" altLang="ja-JP" dirty="0" err="1" smtClean="0"/>
-              <a:t>Serial.print</a:t>
-            </a:r>
-            <a:r>
-              <a:rPr kumimoji="1" lang="en-US" altLang="ja-JP" dirty="0" smtClean="0"/>
-              <a:t>(</a:t>
-            </a:r>
-            <a:r>
-              <a:rPr kumimoji="1" lang="ja-JP" altLang="en-US" dirty="0" smtClean="0"/>
-              <a:t>変数</a:t>
-            </a:r>
-            <a:r>
-              <a:rPr kumimoji="1" lang="en-US" altLang="ja-JP" dirty="0" smtClean="0"/>
-              <a:t>) ･･･</a:t>
-            </a:r>
-            <a:r>
-              <a:rPr kumimoji="1" lang="ja-JP" altLang="en-US" dirty="0" smtClean="0"/>
-              <a:t>改行なし</a:t>
-            </a:r>
-            <a:endParaRPr kumimoji="1" lang="en-US" altLang="ja-JP" dirty="0" smtClean="0"/>
-          </a:p>
-          <a:p>
-            <a:pPr lvl="1"/>
-            <a:r>
-              <a:rPr kumimoji="1" lang="en-US" altLang="ja-JP" dirty="0" err="1" smtClean="0"/>
-              <a:t>Serial.println</a:t>
-            </a:r>
-            <a:r>
-              <a:rPr kumimoji="1" lang="en-US" altLang="ja-JP" dirty="0" smtClean="0"/>
-              <a:t>(</a:t>
-            </a:r>
-            <a:r>
-              <a:rPr kumimoji="1" lang="ja-JP" altLang="en-US" dirty="0" smtClean="0"/>
-              <a:t>変数</a:t>
-            </a:r>
-            <a:r>
-              <a:rPr kumimoji="1" lang="en-US" altLang="ja-JP" dirty="0" smtClean="0"/>
-              <a:t>) ･･･</a:t>
-            </a:r>
-            <a:r>
-              <a:rPr kumimoji="1" lang="ja-JP" altLang="en-US" dirty="0" smtClean="0"/>
-              <a:t>改行つき</a:t>
-            </a:r>
-            <a:endParaRPr kumimoji="1" lang="en-US" altLang="ja-JP" dirty="0" smtClean="0"/>
-          </a:p>
-          <a:p>
-            <a:pPr lvl="1"/>
-            <a:r>
-              <a:rPr kumimoji="1" lang="ja-JP" altLang="en-US" dirty="0" smtClean="0"/>
-              <a:t>変数には、整数</a:t>
-            </a:r>
-            <a:r>
-              <a:rPr kumimoji="1" lang="en-US" altLang="ja-JP" dirty="0" smtClean="0"/>
-              <a:t> char, </a:t>
-            </a:r>
-            <a:r>
-              <a:rPr kumimoji="1" lang="en-US" altLang="ja-JP" dirty="0" err="1" smtClean="0"/>
-              <a:t>int</a:t>
-            </a:r>
-            <a:r>
-              <a:rPr kumimoji="1" lang="en-US" altLang="ja-JP" dirty="0" smtClean="0"/>
-              <a:t>, long, </a:t>
-            </a:r>
-            <a:r>
-              <a:rPr kumimoji="1" lang="ja-JP" altLang="en-US" dirty="0" smtClean="0"/>
-              <a:t>浮動小数点数</a:t>
-            </a:r>
-            <a:r>
-              <a:rPr kumimoji="1" lang="en-US" altLang="ja-JP" dirty="0" smtClean="0"/>
-              <a:t> float </a:t>
-            </a:r>
-            <a:r>
-              <a:rPr kumimoji="1" lang="ja-JP" altLang="en-US" dirty="0" smtClean="0"/>
-              <a:t>が使える．整数の場合，二進</a:t>
-            </a:r>
-            <a:r>
-              <a:rPr kumimoji="1" lang="en-US" altLang="ja-JP" dirty="0" smtClean="0"/>
-              <a:t> DEC</a:t>
-            </a:r>
-            <a:r>
-              <a:rPr kumimoji="1" lang="ja-JP" altLang="en-US" dirty="0" smtClean="0"/>
-              <a:t>，十六進</a:t>
-            </a:r>
-            <a:r>
-              <a:rPr kumimoji="1" lang="en-US" altLang="ja-JP" dirty="0" smtClean="0"/>
-              <a:t> HEX </a:t>
-            </a:r>
-            <a:r>
-              <a:rPr kumimoji="1" lang="ja-JP" altLang="en-US" dirty="0" smtClean="0"/>
-              <a:t>など基数を指定できる</a:t>
-            </a:r>
-            <a:endParaRPr kumimoji="1" lang="ja-JP" altLang="en-US" dirty="0"/>
-          </a:p>
-        </p:txBody>
-      </p:sp>
+      <p:pic>
+        <p:nvPicPr>
+          <p:cNvPr id="7" name="図 6"/>
+          <p:cNvPicPr>
+            <a:picLocks noChangeAspect="1"/>
+          </p:cNvPicPr>
+          <p:nvPr/>
+        </p:nvPicPr>
+        <p:blipFill>
+          <a:blip r:embed="rId2"/>
+          <a:stretch>
+            <a:fillRect/>
+          </a:stretch>
+        </p:blipFill>
+        <p:spPr>
+          <a:xfrm>
+            <a:off x="1043608" y="4725144"/>
+            <a:ext cx="2540000" cy="1187450"/>
+          </a:xfrm>
+          <a:prstGeom prst="rect">
+            <a:avLst/>
+          </a:prstGeom>
+        </p:spPr>
+      </p:pic>
+      <p:grpSp>
+        <p:nvGrpSpPr>
+          <p:cNvPr id="8" name="図形グループ 7"/>
+          <p:cNvGrpSpPr/>
+          <p:nvPr/>
+        </p:nvGrpSpPr>
+        <p:grpSpPr>
+          <a:xfrm>
+            <a:off x="1187624" y="1844824"/>
+            <a:ext cx="3068662" cy="2520280"/>
+            <a:chOff x="1187624" y="1844824"/>
+            <a:chExt cx="3068662" cy="2520280"/>
+          </a:xfrm>
+        </p:grpSpPr>
+        <p:grpSp>
+          <p:nvGrpSpPr>
+            <p:cNvPr id="49" name="図形グループ 48"/>
+            <p:cNvGrpSpPr/>
+            <p:nvPr/>
+          </p:nvGrpSpPr>
+          <p:grpSpPr>
+            <a:xfrm flipH="1">
+              <a:off x="1187624" y="1844824"/>
+              <a:ext cx="2160236" cy="432048"/>
+              <a:chOff x="5580112" y="4509120"/>
+              <a:chExt cx="2160236" cy="432048"/>
+            </a:xfrm>
+          </p:grpSpPr>
+          <p:cxnSp>
+            <p:nvCxnSpPr>
+              <p:cNvPr id="59" name="直線コネクタ 58"/>
+              <p:cNvCxnSpPr/>
+              <p:nvPr/>
+            </p:nvCxnSpPr>
+            <p:spPr>
+              <a:xfrm>
+                <a:off x="5580112" y="4725144"/>
+                <a:ext cx="432048" cy="0"/>
+              </a:xfrm>
+              <a:prstGeom prst="line">
+                <a:avLst/>
+              </a:prstGeom>
+              <a:ln>
+                <a:solidFill>
+                  <a:srgbClr val="1F497D"/>
+                </a:solidFill>
+              </a:ln>
+            </p:spPr>
+            <p:style>
+              <a:lnRef idx="2">
+                <a:schemeClr val="accent1"/>
+              </a:lnRef>
+              <a:fillRef idx="0">
+                <a:schemeClr val="accent1"/>
+              </a:fillRef>
+              <a:effectRef idx="1">
+                <a:schemeClr val="accent1"/>
+              </a:effectRef>
+              <a:fontRef idx="minor">
+                <a:schemeClr val="tx1"/>
+              </a:fontRef>
+            </p:style>
+          </p:cxnSp>
+          <p:sp>
+            <p:nvSpPr>
+              <p:cNvPr id="60" name="フリーフォーム 59"/>
+              <p:cNvSpPr/>
+              <p:nvPr/>
+            </p:nvSpPr>
+            <p:spPr>
+              <a:xfrm rot="5400000" flipH="1">
+                <a:off x="6661246" y="3862065"/>
+                <a:ext cx="432048" cy="1726157"/>
+              </a:xfrm>
+              <a:custGeom>
+                <a:avLst/>
+                <a:gdLst>
+                  <a:gd name="connsiteX0" fmla="*/ 0 w 571500"/>
+                  <a:gd name="connsiteY0" fmla="*/ 0 h 273050"/>
+                  <a:gd name="connsiteX1" fmla="*/ 571500 w 571500"/>
+                  <a:gd name="connsiteY1" fmla="*/ 6350 h 273050"/>
+                  <a:gd name="connsiteX2" fmla="*/ 260350 w 571500"/>
+                  <a:gd name="connsiteY2" fmla="*/ 273050 h 273050"/>
+                  <a:gd name="connsiteX3" fmla="*/ 0 w 571500"/>
+                  <a:gd name="connsiteY3" fmla="*/ 0 h 273050"/>
+                  <a:gd name="connsiteX0" fmla="*/ 0 w 571500"/>
+                  <a:gd name="connsiteY0" fmla="*/ 0 h 266700"/>
+                  <a:gd name="connsiteX1" fmla="*/ 571500 w 571500"/>
+                  <a:gd name="connsiteY1" fmla="*/ 6350 h 266700"/>
+                  <a:gd name="connsiteX2" fmla="*/ 292100 w 571500"/>
+                  <a:gd name="connsiteY2" fmla="*/ 266700 h 266700"/>
+                  <a:gd name="connsiteX3" fmla="*/ 0 w 571500"/>
+                  <a:gd name="connsiteY3" fmla="*/ 0 h 266700"/>
+                  <a:gd name="connsiteX0" fmla="*/ 0 w 565150"/>
+                  <a:gd name="connsiteY0" fmla="*/ 74962 h 341662"/>
+                  <a:gd name="connsiteX1" fmla="*/ 565150 w 565150"/>
+                  <a:gd name="connsiteY1" fmla="*/ 0 h 341662"/>
+                  <a:gd name="connsiteX2" fmla="*/ 292100 w 565150"/>
+                  <a:gd name="connsiteY2" fmla="*/ 341662 h 341662"/>
+                  <a:gd name="connsiteX3" fmla="*/ 0 w 565150"/>
+                  <a:gd name="connsiteY3" fmla="*/ 74962 h 341662"/>
+                  <a:gd name="connsiteX0" fmla="*/ 0 w 488950"/>
+                  <a:gd name="connsiteY0" fmla="*/ 426 h 341662"/>
+                  <a:gd name="connsiteX1" fmla="*/ 488950 w 488950"/>
+                  <a:gd name="connsiteY1" fmla="*/ 0 h 341662"/>
+                  <a:gd name="connsiteX2" fmla="*/ 215900 w 488950"/>
+                  <a:gd name="connsiteY2" fmla="*/ 341662 h 341662"/>
+                  <a:gd name="connsiteX3" fmla="*/ 0 w 488950"/>
+                  <a:gd name="connsiteY3" fmla="*/ 426 h 341662"/>
+                  <a:gd name="connsiteX0" fmla="*/ 0 w 488950"/>
+                  <a:gd name="connsiteY0" fmla="*/ 426 h 343347"/>
+                  <a:gd name="connsiteX1" fmla="*/ 488950 w 488950"/>
+                  <a:gd name="connsiteY1" fmla="*/ 0 h 343347"/>
+                  <a:gd name="connsiteX2" fmla="*/ 244645 w 488950"/>
+                  <a:gd name="connsiteY2" fmla="*/ 343347 h 343347"/>
+                  <a:gd name="connsiteX3" fmla="*/ 0 w 488950"/>
+                  <a:gd name="connsiteY3" fmla="*/ 426 h 343347"/>
+                  <a:gd name="connsiteX0" fmla="*/ 0 w 488950"/>
+                  <a:gd name="connsiteY0" fmla="*/ 426 h 343347"/>
+                  <a:gd name="connsiteX1" fmla="*/ 488950 w 488950"/>
+                  <a:gd name="connsiteY1" fmla="*/ 0 h 343347"/>
+                  <a:gd name="connsiteX2" fmla="*/ 288435 w 488950"/>
+                  <a:gd name="connsiteY2" fmla="*/ 296371 h 343347"/>
+                  <a:gd name="connsiteX3" fmla="*/ 244645 w 488950"/>
+                  <a:gd name="connsiteY3" fmla="*/ 343347 h 343347"/>
+                  <a:gd name="connsiteX4" fmla="*/ 0 w 488950"/>
+                  <a:gd name="connsiteY4" fmla="*/ 426 h 343347"/>
+                  <a:gd name="connsiteX0" fmla="*/ 0 w 488950"/>
+                  <a:gd name="connsiteY0" fmla="*/ 426 h 343347"/>
+                  <a:gd name="connsiteX1" fmla="*/ 488950 w 488950"/>
+                  <a:gd name="connsiteY1" fmla="*/ 0 h 343347"/>
+                  <a:gd name="connsiteX2" fmla="*/ 482465 w 488950"/>
+                  <a:gd name="connsiteY2" fmla="*/ 170015 h 343347"/>
+                  <a:gd name="connsiteX3" fmla="*/ 244645 w 488950"/>
+                  <a:gd name="connsiteY3" fmla="*/ 343347 h 343347"/>
+                  <a:gd name="connsiteX4" fmla="*/ 0 w 488950"/>
+                  <a:gd name="connsiteY4" fmla="*/ 426 h 343347"/>
+                  <a:gd name="connsiteX0" fmla="*/ 0 w 488950"/>
+                  <a:gd name="connsiteY0" fmla="*/ 426 h 343347"/>
+                  <a:gd name="connsiteX1" fmla="*/ 488950 w 488950"/>
+                  <a:gd name="connsiteY1" fmla="*/ 0 h 343347"/>
+                  <a:gd name="connsiteX2" fmla="*/ 475278 w 488950"/>
+                  <a:gd name="connsiteY2" fmla="*/ 262676 h 343347"/>
+                  <a:gd name="connsiteX3" fmla="*/ 244645 w 488950"/>
+                  <a:gd name="connsiteY3" fmla="*/ 343347 h 343347"/>
+                  <a:gd name="connsiteX4" fmla="*/ 0 w 488950"/>
+                  <a:gd name="connsiteY4" fmla="*/ 426 h 343347"/>
+                  <a:gd name="connsiteX0" fmla="*/ 0 w 488950"/>
+                  <a:gd name="connsiteY0" fmla="*/ 426 h 343347"/>
+                  <a:gd name="connsiteX1" fmla="*/ 488950 w 488950"/>
+                  <a:gd name="connsiteY1" fmla="*/ 0 h 343347"/>
+                  <a:gd name="connsiteX2" fmla="*/ 475278 w 488950"/>
+                  <a:gd name="connsiteY2" fmla="*/ 262676 h 343347"/>
+                  <a:gd name="connsiteX3" fmla="*/ 244645 w 488950"/>
+                  <a:gd name="connsiteY3" fmla="*/ 343347 h 343347"/>
+                  <a:gd name="connsiteX4" fmla="*/ 151895 w 488950"/>
+                  <a:gd name="connsiteY4" fmla="*/ 202025 h 343347"/>
+                  <a:gd name="connsiteX5" fmla="*/ 0 w 488950"/>
+                  <a:gd name="connsiteY5" fmla="*/ 426 h 343347"/>
+                  <a:gd name="connsiteX0" fmla="*/ 0 w 488950"/>
+                  <a:gd name="connsiteY0" fmla="*/ 426 h 343347"/>
+                  <a:gd name="connsiteX1" fmla="*/ 488950 w 488950"/>
+                  <a:gd name="connsiteY1" fmla="*/ 0 h 343347"/>
+                  <a:gd name="connsiteX2" fmla="*/ 475278 w 488950"/>
+                  <a:gd name="connsiteY2" fmla="*/ 262676 h 343347"/>
+                  <a:gd name="connsiteX3" fmla="*/ 244645 w 488950"/>
+                  <a:gd name="connsiteY3" fmla="*/ 343347 h 343347"/>
+                  <a:gd name="connsiteX4" fmla="*/ 15354 w 488950"/>
+                  <a:gd name="connsiteY4" fmla="*/ 264361 h 343347"/>
+                  <a:gd name="connsiteX5" fmla="*/ 0 w 488950"/>
+                  <a:gd name="connsiteY5" fmla="*/ 426 h 343347"/>
+                  <a:gd name="connsiteX0" fmla="*/ 0 w 488950"/>
+                  <a:gd name="connsiteY0" fmla="*/ 426 h 343347"/>
+                  <a:gd name="connsiteX1" fmla="*/ 488950 w 488950"/>
+                  <a:gd name="connsiteY1" fmla="*/ 0 h 343347"/>
+                  <a:gd name="connsiteX2" fmla="*/ 484859 w 488950"/>
+                  <a:gd name="connsiteY2" fmla="*/ 294108 h 343347"/>
+                  <a:gd name="connsiteX3" fmla="*/ 244645 w 488950"/>
+                  <a:gd name="connsiteY3" fmla="*/ 343347 h 343347"/>
+                  <a:gd name="connsiteX4" fmla="*/ 15354 w 488950"/>
+                  <a:gd name="connsiteY4" fmla="*/ 264361 h 343347"/>
+                  <a:gd name="connsiteX5" fmla="*/ 0 w 488950"/>
+                  <a:gd name="connsiteY5" fmla="*/ 426 h 343347"/>
+                  <a:gd name="connsiteX0" fmla="*/ 0 w 488950"/>
+                  <a:gd name="connsiteY0" fmla="*/ 426 h 343347"/>
+                  <a:gd name="connsiteX1" fmla="*/ 488950 w 488950"/>
+                  <a:gd name="connsiteY1" fmla="*/ 0 h 343347"/>
+                  <a:gd name="connsiteX2" fmla="*/ 484859 w 488950"/>
+                  <a:gd name="connsiteY2" fmla="*/ 294108 h 343347"/>
+                  <a:gd name="connsiteX3" fmla="*/ 244645 w 488950"/>
+                  <a:gd name="connsiteY3" fmla="*/ 343347 h 343347"/>
+                  <a:gd name="connsiteX4" fmla="*/ 5772 w 488950"/>
+                  <a:gd name="connsiteY4" fmla="*/ 295793 h 343347"/>
+                  <a:gd name="connsiteX5" fmla="*/ 0 w 488950"/>
+                  <a:gd name="connsiteY5" fmla="*/ 426 h 343347"/>
+                </a:gdLst>
+                <a:ahLst/>
+                <a:cxnLst>
+                  <a:cxn ang="0">
+                    <a:pos x="connsiteX0" y="connsiteY0"/>
+                  </a:cxn>
+                  <a:cxn ang="0">
+                    <a:pos x="connsiteX1" y="connsiteY1"/>
+                  </a:cxn>
+                  <a:cxn ang="0">
+                    <a:pos x="connsiteX2" y="connsiteY2"/>
+                  </a:cxn>
+                  <a:cxn ang="0">
+                    <a:pos x="connsiteX3" y="connsiteY3"/>
+                  </a:cxn>
+                  <a:cxn ang="0">
+                    <a:pos x="connsiteX4" y="connsiteY4"/>
+                  </a:cxn>
+                  <a:cxn ang="0">
+                    <a:pos x="connsiteX5" y="connsiteY5"/>
+                  </a:cxn>
+                </a:cxnLst>
+                <a:rect l="l" t="t" r="r" b="b"/>
+                <a:pathLst>
+                  <a:path w="488950" h="343347">
+                    <a:moveTo>
+                      <a:pt x="0" y="426"/>
+                    </a:moveTo>
+                    <a:lnTo>
+                      <a:pt x="488950" y="0"/>
+                    </a:lnTo>
+                    <a:cubicBezTo>
+                      <a:pt x="487586" y="98036"/>
+                      <a:pt x="486223" y="196072"/>
+                      <a:pt x="484859" y="294108"/>
+                    </a:cubicBezTo>
+                    <a:lnTo>
+                      <a:pt x="244645" y="343347"/>
+                    </a:lnTo>
+                    <a:lnTo>
+                      <a:pt x="5772" y="295793"/>
+                    </a:lnTo>
+                    <a:lnTo>
+                      <a:pt x="0" y="426"/>
+                    </a:lnTo>
+                    <a:close/>
+                  </a:path>
+                </a:pathLst>
+              </a:custGeom>
+              <a:noFill/>
+              <a:ln w="28575" cmpd="sng">
+                <a:solidFill>
+                  <a:srgbClr val="1F497D"/>
+                </a:solidFill>
+              </a:ln>
+            </p:spPr>
+            <p:style>
+              <a:lnRef idx="1">
+                <a:schemeClr val="accent1"/>
+              </a:lnRef>
+              <a:fillRef idx="3">
+                <a:schemeClr val="accent1"/>
+              </a:fillRef>
+              <a:effectRef idx="2">
+                <a:schemeClr val="accent1"/>
+              </a:effectRef>
+              <a:fontRef idx="minor">
+                <a:schemeClr val="lt1"/>
+              </a:fontRef>
+            </p:style>
+            <p:txBody>
+              <a:bodyPr rtlCol="0" anchor="ctr"/>
+              <a:lstStyle/>
+              <a:p>
+                <a:pPr algn="ctr"/>
+                <a:endParaRPr kumimoji="1" lang="ja-JP" altLang="en-US"/>
+              </a:p>
+            </p:txBody>
+          </p:sp>
+        </p:grpSp>
+        <p:sp>
+          <p:nvSpPr>
+            <p:cNvPr id="50" name="テキスト ボックス 49"/>
+            <p:cNvSpPr txBox="1"/>
+            <p:nvPr/>
+          </p:nvSpPr>
+          <p:spPr>
+            <a:xfrm>
+              <a:off x="1259629" y="1844824"/>
+              <a:ext cx="1313180" cy="400110"/>
+            </a:xfrm>
+            <a:prstGeom prst="rect">
+              <a:avLst/>
+            </a:prstGeom>
+            <a:noFill/>
+          </p:spPr>
+          <p:txBody>
+            <a:bodyPr wrap="none" rtlCol="0">
+              <a:spAutoFit/>
+            </a:bodyPr>
+            <a:lstStyle/>
+            <a:p>
+              <a:r>
+                <a:rPr kumimoji="1" lang="en-US" altLang="ja-JP" sz="2000" dirty="0" smtClean="0">
+                  <a:solidFill>
+                    <a:srgbClr val="1F497D"/>
+                  </a:solidFill>
+                  <a:latin typeface="+mn-lt"/>
+                  <a:cs typeface="Verdana"/>
+                </a:rPr>
+                <a:t>DIGITAL </a:t>
+              </a:r>
+              <a:r>
+                <a:rPr lang="en-US" altLang="ja-JP" sz="2000" dirty="0" smtClean="0">
+                  <a:solidFill>
+                    <a:srgbClr val="1F497D"/>
+                  </a:solidFill>
+                  <a:latin typeface="+mn-lt"/>
+                  <a:cs typeface="Verdana"/>
+                </a:rPr>
+                <a:t>??</a:t>
+              </a:r>
+              <a:endParaRPr kumimoji="1" lang="ja-JP" altLang="en-US" sz="2000" dirty="0">
+                <a:solidFill>
+                  <a:srgbClr val="1F497D"/>
+                </a:solidFill>
+                <a:latin typeface="+mn-lt"/>
+                <a:cs typeface="Verdana"/>
+              </a:endParaRPr>
+            </a:p>
+          </p:txBody>
+        </p:sp>
+        <p:grpSp>
+          <p:nvGrpSpPr>
+            <p:cNvPr id="53" name="図形グループ 52"/>
+            <p:cNvGrpSpPr/>
+            <p:nvPr/>
+          </p:nvGrpSpPr>
+          <p:grpSpPr>
+            <a:xfrm>
+              <a:off x="3059829" y="3789040"/>
+              <a:ext cx="576064" cy="576064"/>
+              <a:chOff x="2915816" y="4437112"/>
+              <a:chExt cx="576064" cy="576064"/>
+            </a:xfrm>
+          </p:grpSpPr>
+          <p:cxnSp>
+            <p:nvCxnSpPr>
+              <p:cNvPr id="55" name="直線コネクタ 54"/>
+              <p:cNvCxnSpPr/>
+              <p:nvPr/>
+            </p:nvCxnSpPr>
+            <p:spPr>
+              <a:xfrm>
+                <a:off x="3203848" y="4437112"/>
+                <a:ext cx="0" cy="288032"/>
+              </a:xfrm>
+              <a:prstGeom prst="line">
+                <a:avLst/>
+              </a:prstGeom>
+              <a:ln>
+                <a:solidFill>
+                  <a:srgbClr val="1F497D"/>
+                </a:solidFill>
+              </a:ln>
+            </p:spPr>
+            <p:style>
+              <a:lnRef idx="2">
+                <a:schemeClr val="accent1"/>
+              </a:lnRef>
+              <a:fillRef idx="0">
+                <a:schemeClr val="accent1"/>
+              </a:fillRef>
+              <a:effectRef idx="1">
+                <a:schemeClr val="accent1"/>
+              </a:effectRef>
+              <a:fontRef idx="minor">
+                <a:schemeClr val="tx1"/>
+              </a:fontRef>
+            </p:style>
+          </p:cxnSp>
+          <p:cxnSp>
+            <p:nvCxnSpPr>
+              <p:cNvPr id="56" name="直線コネクタ 55"/>
+              <p:cNvCxnSpPr/>
+              <p:nvPr/>
+            </p:nvCxnSpPr>
+            <p:spPr>
+              <a:xfrm>
+                <a:off x="2915816" y="4725144"/>
+                <a:ext cx="576064" cy="0"/>
+              </a:xfrm>
+              <a:prstGeom prst="line">
+                <a:avLst/>
+              </a:prstGeom>
+              <a:ln>
+                <a:solidFill>
+                  <a:srgbClr val="1F497D"/>
+                </a:solidFill>
+              </a:ln>
+            </p:spPr>
+            <p:style>
+              <a:lnRef idx="2">
+                <a:schemeClr val="accent1"/>
+              </a:lnRef>
+              <a:fillRef idx="0">
+                <a:schemeClr val="accent1"/>
+              </a:fillRef>
+              <a:effectRef idx="1">
+                <a:schemeClr val="accent1"/>
+              </a:effectRef>
+              <a:fontRef idx="minor">
+                <a:schemeClr val="tx1"/>
+              </a:fontRef>
+            </p:style>
+          </p:cxnSp>
+          <p:cxnSp>
+            <p:nvCxnSpPr>
+              <p:cNvPr id="57" name="直線コネクタ 56"/>
+              <p:cNvCxnSpPr/>
+              <p:nvPr/>
+            </p:nvCxnSpPr>
+            <p:spPr>
+              <a:xfrm>
+                <a:off x="2987824" y="4869160"/>
+                <a:ext cx="432048" cy="0"/>
+              </a:xfrm>
+              <a:prstGeom prst="line">
+                <a:avLst/>
+              </a:prstGeom>
+              <a:ln>
+                <a:solidFill>
+                  <a:srgbClr val="1F497D"/>
+                </a:solidFill>
+              </a:ln>
+            </p:spPr>
+            <p:style>
+              <a:lnRef idx="2">
+                <a:schemeClr val="accent1"/>
+              </a:lnRef>
+              <a:fillRef idx="0">
+                <a:schemeClr val="accent1"/>
+              </a:fillRef>
+              <a:effectRef idx="1">
+                <a:schemeClr val="accent1"/>
+              </a:effectRef>
+              <a:fontRef idx="minor">
+                <a:schemeClr val="tx1"/>
+              </a:fontRef>
+            </p:style>
+          </p:cxnSp>
+          <p:cxnSp>
+            <p:nvCxnSpPr>
+              <p:cNvPr id="58" name="直線コネクタ 57"/>
+              <p:cNvCxnSpPr/>
+              <p:nvPr/>
+            </p:nvCxnSpPr>
+            <p:spPr>
+              <a:xfrm>
+                <a:off x="3059832" y="5013176"/>
+                <a:ext cx="288032" cy="0"/>
+              </a:xfrm>
+              <a:prstGeom prst="line">
+                <a:avLst/>
+              </a:prstGeom>
+              <a:ln>
+                <a:solidFill>
+                  <a:srgbClr val="1F497D"/>
+                </a:solidFill>
+              </a:ln>
+            </p:spPr>
+            <p:style>
+              <a:lnRef idx="2">
+                <a:schemeClr val="accent1"/>
+              </a:lnRef>
+              <a:fillRef idx="0">
+                <a:schemeClr val="accent1"/>
+              </a:fillRef>
+              <a:effectRef idx="1">
+                <a:schemeClr val="accent1"/>
+              </a:effectRef>
+              <a:fontRef idx="minor">
+                <a:schemeClr val="tx1"/>
+              </a:fontRef>
+            </p:style>
+          </p:cxnSp>
+        </p:grpSp>
+        <p:sp>
+          <p:nvSpPr>
+            <p:cNvPr id="65" name="テキスト ボックス 64"/>
+            <p:cNvSpPr txBox="1"/>
+            <p:nvPr/>
+          </p:nvSpPr>
+          <p:spPr>
+            <a:xfrm>
+              <a:off x="3491877" y="2348880"/>
+              <a:ext cx="312906" cy="400110"/>
+            </a:xfrm>
+            <a:prstGeom prst="rect">
+              <a:avLst/>
+            </a:prstGeom>
+            <a:noFill/>
+          </p:spPr>
+          <p:txBody>
+            <a:bodyPr wrap="none" rtlCol="0">
+              <a:spAutoFit/>
+            </a:bodyPr>
+            <a:lstStyle/>
+            <a:p>
+              <a:r>
+                <a:rPr kumimoji="1" lang="en-US" altLang="ja-JP" sz="2000" dirty="0" smtClean="0">
+                  <a:solidFill>
+                    <a:srgbClr val="1F497D"/>
+                  </a:solidFill>
+                  <a:latin typeface="+mn-lt"/>
+                </a:rPr>
+                <a:t>+</a:t>
+              </a:r>
+              <a:endParaRPr kumimoji="1" lang="ja-JP" altLang="en-US" sz="2000" dirty="0">
+                <a:solidFill>
+                  <a:srgbClr val="1F497D"/>
+                </a:solidFill>
+                <a:latin typeface="+mn-lt"/>
+              </a:endParaRPr>
+            </a:p>
+          </p:txBody>
+        </p:sp>
+        <p:sp>
+          <p:nvSpPr>
+            <p:cNvPr id="66" name="テキスト ボックス 65"/>
+            <p:cNvSpPr txBox="1"/>
+            <p:nvPr/>
+          </p:nvSpPr>
+          <p:spPr>
+            <a:xfrm>
+              <a:off x="3491877" y="3284984"/>
+              <a:ext cx="263188" cy="400110"/>
+            </a:xfrm>
+            <a:prstGeom prst="rect">
+              <a:avLst/>
+            </a:prstGeom>
+            <a:noFill/>
+          </p:spPr>
+          <p:txBody>
+            <a:bodyPr wrap="none" rtlCol="0">
+              <a:spAutoFit/>
+            </a:bodyPr>
+            <a:lstStyle/>
+            <a:p>
+              <a:r>
+                <a:rPr lang="en-US" altLang="ja-JP" sz="2000" dirty="0">
+                  <a:solidFill>
+                    <a:srgbClr val="1F497D"/>
+                  </a:solidFill>
+                  <a:latin typeface="+mn-lt"/>
+                </a:rPr>
+                <a:t>-</a:t>
+              </a:r>
+              <a:endParaRPr kumimoji="1" lang="ja-JP" altLang="en-US" sz="2000" dirty="0">
+                <a:solidFill>
+                  <a:srgbClr val="1F497D"/>
+                </a:solidFill>
+                <a:latin typeface="+mn-lt"/>
+              </a:endParaRPr>
+            </a:p>
+          </p:txBody>
+        </p:sp>
+        <p:cxnSp>
+          <p:nvCxnSpPr>
+            <p:cNvPr id="68" name="直線コネクタ 67"/>
+            <p:cNvCxnSpPr/>
+            <p:nvPr/>
+          </p:nvCxnSpPr>
+          <p:spPr>
+            <a:xfrm>
+              <a:off x="3347861" y="2060848"/>
+              <a:ext cx="0" cy="504056"/>
+            </a:xfrm>
+            <a:prstGeom prst="line">
+              <a:avLst/>
+            </a:prstGeom>
+            <a:ln>
+              <a:solidFill>
+                <a:srgbClr val="1F497D"/>
+              </a:solidFill>
+            </a:ln>
+          </p:spPr>
+          <p:style>
+            <a:lnRef idx="2">
+              <a:schemeClr val="accent1"/>
+            </a:lnRef>
+            <a:fillRef idx="0">
+              <a:schemeClr val="accent1"/>
+            </a:fillRef>
+            <a:effectRef idx="1">
+              <a:schemeClr val="accent1"/>
+            </a:effectRef>
+            <a:fontRef idx="minor">
+              <a:schemeClr val="tx1"/>
+            </a:fontRef>
+          </p:style>
+        </p:cxnSp>
+        <p:cxnSp>
+          <p:nvCxnSpPr>
+            <p:cNvPr id="70" name="直線コネクタ 69"/>
+            <p:cNvCxnSpPr/>
+            <p:nvPr/>
+          </p:nvCxnSpPr>
+          <p:spPr>
+            <a:xfrm>
+              <a:off x="3347861" y="3501008"/>
+              <a:ext cx="0" cy="288032"/>
+            </a:xfrm>
+            <a:prstGeom prst="line">
+              <a:avLst/>
+            </a:prstGeom>
+            <a:ln>
+              <a:solidFill>
+                <a:srgbClr val="1F497D"/>
+              </a:solidFill>
+            </a:ln>
+          </p:spPr>
+          <p:style>
+            <a:lnRef idx="2">
+              <a:schemeClr val="accent1"/>
+            </a:lnRef>
+            <a:fillRef idx="0">
+              <a:schemeClr val="accent1"/>
+            </a:fillRef>
+            <a:effectRef idx="1">
+              <a:schemeClr val="accent1"/>
+            </a:effectRef>
+            <a:fontRef idx="minor">
+              <a:schemeClr val="tx1"/>
+            </a:fontRef>
+          </p:style>
+        </p:cxnSp>
+        <p:grpSp>
+          <p:nvGrpSpPr>
+            <p:cNvPr id="71" name="図形グループ 70"/>
+            <p:cNvGrpSpPr/>
+            <p:nvPr/>
+          </p:nvGrpSpPr>
+          <p:grpSpPr>
+            <a:xfrm>
+              <a:off x="2987824" y="2564904"/>
+              <a:ext cx="1268462" cy="965200"/>
+              <a:chOff x="3563888" y="5157192"/>
+              <a:chExt cx="1268462" cy="965200"/>
+            </a:xfrm>
+          </p:grpSpPr>
+          <p:grpSp>
+            <p:nvGrpSpPr>
+              <p:cNvPr id="72" name="図形グループ 71"/>
+              <p:cNvGrpSpPr/>
+              <p:nvPr/>
+            </p:nvGrpSpPr>
+            <p:grpSpPr>
+              <a:xfrm>
+                <a:off x="3563888" y="5157192"/>
+                <a:ext cx="720080" cy="936104"/>
+                <a:chOff x="4788024" y="4293096"/>
+                <a:chExt cx="720080" cy="936104"/>
+              </a:xfrm>
+            </p:grpSpPr>
+            <p:cxnSp>
+              <p:nvCxnSpPr>
+                <p:cNvPr id="79" name="直線コネクタ 78"/>
+                <p:cNvCxnSpPr/>
+                <p:nvPr/>
+              </p:nvCxnSpPr>
+              <p:spPr>
+                <a:xfrm>
+                  <a:off x="5148064" y="5013176"/>
+                  <a:ext cx="0" cy="216024"/>
+                </a:xfrm>
+                <a:prstGeom prst="line">
+                  <a:avLst/>
+                </a:prstGeom>
+                <a:ln>
+                  <a:solidFill>
+                    <a:schemeClr val="tx2"/>
+                  </a:solidFill>
+                </a:ln>
+              </p:spPr>
+              <p:style>
+                <a:lnRef idx="2">
+                  <a:schemeClr val="accent1"/>
+                </a:lnRef>
+                <a:fillRef idx="0">
+                  <a:schemeClr val="accent1"/>
+                </a:fillRef>
+                <a:effectRef idx="1">
+                  <a:schemeClr val="accent1"/>
+                </a:effectRef>
+                <a:fontRef idx="minor">
+                  <a:schemeClr val="tx1"/>
+                </a:fontRef>
+              </p:style>
+            </p:cxnSp>
+            <p:sp>
+              <p:nvSpPr>
+                <p:cNvPr id="85" name="フリーフォーム 84"/>
+                <p:cNvSpPr/>
+                <p:nvPr/>
+              </p:nvSpPr>
+              <p:spPr>
+                <a:xfrm>
+                  <a:off x="4860032" y="4653136"/>
+                  <a:ext cx="576064" cy="216024"/>
+                </a:xfrm>
+                <a:custGeom>
+                  <a:avLst/>
+                  <a:gdLst>
+                    <a:gd name="connsiteX0" fmla="*/ 0 w 965200"/>
+                    <a:gd name="connsiteY0" fmla="*/ 16933 h 2463800"/>
+                    <a:gd name="connsiteX1" fmla="*/ 0 w 965200"/>
+                    <a:gd name="connsiteY1" fmla="*/ 2455333 h 2463800"/>
+                    <a:gd name="connsiteX2" fmla="*/ 965200 w 965200"/>
+                    <a:gd name="connsiteY2" fmla="*/ 2463800 h 2463800"/>
+                    <a:gd name="connsiteX3" fmla="*/ 965200 w 965200"/>
+                    <a:gd name="connsiteY3" fmla="*/ 0 h 2463800"/>
+                    <a:gd name="connsiteX4" fmla="*/ 0 w 965200"/>
+                    <a:gd name="connsiteY4" fmla="*/ 16933 h 2463800"/>
+                    <a:gd name="connsiteX0" fmla="*/ 0 w 965200"/>
+                    <a:gd name="connsiteY0" fmla="*/ 0 h 2446867"/>
+                    <a:gd name="connsiteX1" fmla="*/ 0 w 965200"/>
+                    <a:gd name="connsiteY1" fmla="*/ 2438400 h 2446867"/>
+                    <a:gd name="connsiteX2" fmla="*/ 965200 w 965200"/>
+                    <a:gd name="connsiteY2" fmla="*/ 2446867 h 2446867"/>
+                    <a:gd name="connsiteX3" fmla="*/ 965200 w 965200"/>
+                    <a:gd name="connsiteY3" fmla="*/ 8467 h 2446867"/>
+                    <a:gd name="connsiteX4" fmla="*/ 0 w 965200"/>
+                    <a:gd name="connsiteY4" fmla="*/ 0 h 2446867"/>
+                    <a:gd name="connsiteX0" fmla="*/ 0 w 965200"/>
+                    <a:gd name="connsiteY0" fmla="*/ 0 h 2438400"/>
+                    <a:gd name="connsiteX1" fmla="*/ 0 w 965200"/>
+                    <a:gd name="connsiteY1" fmla="*/ 2429933 h 2438400"/>
+                    <a:gd name="connsiteX2" fmla="*/ 965200 w 965200"/>
+                    <a:gd name="connsiteY2" fmla="*/ 2438400 h 2438400"/>
+                    <a:gd name="connsiteX3" fmla="*/ 965200 w 965200"/>
+                    <a:gd name="connsiteY3" fmla="*/ 0 h 2438400"/>
+                    <a:gd name="connsiteX4" fmla="*/ 0 w 965200"/>
+                    <a:gd name="connsiteY4" fmla="*/ 0 h 2438400"/>
+                  </a:gdLst>
+                  <a:ahLst/>
+                  <a:cxnLst>
+                    <a:cxn ang="0">
+                      <a:pos x="connsiteX0" y="connsiteY0"/>
+                    </a:cxn>
+                    <a:cxn ang="0">
+                      <a:pos x="connsiteX1" y="connsiteY1"/>
+                    </a:cxn>
+                    <a:cxn ang="0">
+                      <a:pos x="connsiteX2" y="connsiteY2"/>
+                    </a:cxn>
+                    <a:cxn ang="0">
+                      <a:pos x="connsiteX3" y="connsiteY3"/>
+                    </a:cxn>
+                    <a:cxn ang="0">
+                      <a:pos x="connsiteX4" y="connsiteY4"/>
+                    </a:cxn>
+                  </a:cxnLst>
+                  <a:rect l="l" t="t" r="r" b="b"/>
+                  <a:pathLst>
+                    <a:path w="965200" h="2438400">
+                      <a:moveTo>
+                        <a:pt x="0" y="0"/>
+                      </a:moveTo>
+                      <a:lnTo>
+                        <a:pt x="0" y="2429933"/>
+                      </a:lnTo>
+                      <a:lnTo>
+                        <a:pt x="965200" y="2438400"/>
+                      </a:lnTo>
+                      <a:lnTo>
+                        <a:pt x="965200" y="0"/>
+                      </a:lnTo>
+                      <a:lnTo>
+                        <a:pt x="0" y="0"/>
+                      </a:lnTo>
+                      <a:close/>
+                    </a:path>
+                  </a:pathLst>
+                </a:custGeom>
+                <a:noFill/>
+                <a:ln w="28575" cmpd="sng">
+                  <a:solidFill>
+                    <a:schemeClr val="tx2"/>
+                  </a:solidFill>
+                </a:ln>
+              </p:spPr>
+              <p:style>
+                <a:lnRef idx="1">
+                  <a:schemeClr val="accent1"/>
+                </a:lnRef>
+                <a:fillRef idx="3">
+                  <a:schemeClr val="accent1"/>
+                </a:fillRef>
+                <a:effectRef idx="2">
+                  <a:schemeClr val="accent1"/>
+                </a:effectRef>
+                <a:fontRef idx="minor">
+                  <a:schemeClr val="lt1"/>
+                </a:fontRef>
+              </p:style>
+              <p:txBody>
+                <a:bodyPr rtlCol="0" anchor="ctr"/>
+                <a:lstStyle/>
+                <a:p>
+                  <a:pPr algn="ctr"/>
+                  <a:endParaRPr kumimoji="1" lang="ja-JP" altLang="en-US"/>
+                </a:p>
+              </p:txBody>
+            </p:sp>
+            <p:cxnSp>
+              <p:nvCxnSpPr>
+                <p:cNvPr id="86" name="直線コネクタ 85"/>
+                <p:cNvCxnSpPr/>
+                <p:nvPr/>
+              </p:nvCxnSpPr>
+              <p:spPr>
+                <a:xfrm>
+                  <a:off x="5148064" y="4293096"/>
+                  <a:ext cx="0" cy="216024"/>
+                </a:xfrm>
+                <a:prstGeom prst="line">
+                  <a:avLst/>
+                </a:prstGeom>
+                <a:ln>
+                  <a:solidFill>
+                    <a:schemeClr val="tx2"/>
+                  </a:solidFill>
+                </a:ln>
+              </p:spPr>
+              <p:style>
+                <a:lnRef idx="2">
+                  <a:schemeClr val="accent1"/>
+                </a:lnRef>
+                <a:fillRef idx="0">
+                  <a:schemeClr val="accent1"/>
+                </a:fillRef>
+                <a:effectRef idx="1">
+                  <a:schemeClr val="accent1"/>
+                </a:effectRef>
+                <a:fontRef idx="minor">
+                  <a:schemeClr val="tx1"/>
+                </a:fontRef>
+              </p:style>
+            </p:cxnSp>
+            <p:cxnSp>
+              <p:nvCxnSpPr>
+                <p:cNvPr id="87" name="直線コネクタ 86"/>
+                <p:cNvCxnSpPr/>
+                <p:nvPr/>
+              </p:nvCxnSpPr>
+              <p:spPr>
+                <a:xfrm>
+                  <a:off x="4788024" y="4509120"/>
+                  <a:ext cx="720080" cy="0"/>
+                </a:xfrm>
+                <a:prstGeom prst="line">
+                  <a:avLst/>
+                </a:prstGeom>
+                <a:ln>
+                  <a:solidFill>
+                    <a:schemeClr val="tx2"/>
+                  </a:solidFill>
+                </a:ln>
+              </p:spPr>
+              <p:style>
+                <a:lnRef idx="2">
+                  <a:schemeClr val="accent1"/>
+                </a:lnRef>
+                <a:fillRef idx="0">
+                  <a:schemeClr val="accent1"/>
+                </a:fillRef>
+                <a:effectRef idx="1">
+                  <a:schemeClr val="accent1"/>
+                </a:effectRef>
+                <a:fontRef idx="minor">
+                  <a:schemeClr val="tx1"/>
+                </a:fontRef>
+              </p:style>
+            </p:cxnSp>
+            <p:cxnSp>
+              <p:nvCxnSpPr>
+                <p:cNvPr id="88" name="直線コネクタ 87"/>
+                <p:cNvCxnSpPr/>
+                <p:nvPr/>
+              </p:nvCxnSpPr>
+              <p:spPr>
+                <a:xfrm>
+                  <a:off x="4788024" y="5013176"/>
+                  <a:ext cx="720080" cy="0"/>
+                </a:xfrm>
+                <a:prstGeom prst="line">
+                  <a:avLst/>
+                </a:prstGeom>
+                <a:ln>
+                  <a:solidFill>
+                    <a:schemeClr val="tx2"/>
+                  </a:solidFill>
+                </a:ln>
+              </p:spPr>
+              <p:style>
+                <a:lnRef idx="2">
+                  <a:schemeClr val="accent1"/>
+                </a:lnRef>
+                <a:fillRef idx="0">
+                  <a:schemeClr val="accent1"/>
+                </a:fillRef>
+                <a:effectRef idx="1">
+                  <a:schemeClr val="accent1"/>
+                </a:effectRef>
+                <a:fontRef idx="minor">
+                  <a:schemeClr val="tx1"/>
+                </a:fontRef>
+              </p:style>
+            </p:cxnSp>
+          </p:grpSp>
+          <p:sp>
+            <p:nvSpPr>
+              <p:cNvPr id="76" name="フリーフォーム 75"/>
+              <p:cNvSpPr/>
+              <p:nvPr/>
+            </p:nvSpPr>
+            <p:spPr>
+              <a:xfrm>
+                <a:off x="4572000" y="5157192"/>
+                <a:ext cx="260350" cy="965200"/>
+              </a:xfrm>
+              <a:custGeom>
+                <a:avLst/>
+                <a:gdLst>
+                  <a:gd name="connsiteX0" fmla="*/ 0 w 279400"/>
+                  <a:gd name="connsiteY0" fmla="*/ 304800 h 952500"/>
+                  <a:gd name="connsiteX1" fmla="*/ 279400 w 279400"/>
+                  <a:gd name="connsiteY1" fmla="*/ 0 h 952500"/>
+                  <a:gd name="connsiteX2" fmla="*/ 266700 w 279400"/>
+                  <a:gd name="connsiteY2" fmla="*/ 952500 h 952500"/>
+                  <a:gd name="connsiteX3" fmla="*/ 12700 w 279400"/>
+                  <a:gd name="connsiteY3" fmla="*/ 622300 h 952500"/>
+                  <a:gd name="connsiteX4" fmla="*/ 0 w 279400"/>
+                  <a:gd name="connsiteY4" fmla="*/ 304800 h 952500"/>
+                  <a:gd name="connsiteX0" fmla="*/ 0 w 273050"/>
+                  <a:gd name="connsiteY0" fmla="*/ 317500 h 965200"/>
+                  <a:gd name="connsiteX1" fmla="*/ 273050 w 273050"/>
+                  <a:gd name="connsiteY1" fmla="*/ 0 h 965200"/>
+                  <a:gd name="connsiteX2" fmla="*/ 266700 w 273050"/>
+                  <a:gd name="connsiteY2" fmla="*/ 965200 h 965200"/>
+                  <a:gd name="connsiteX3" fmla="*/ 12700 w 273050"/>
+                  <a:gd name="connsiteY3" fmla="*/ 635000 h 965200"/>
+                  <a:gd name="connsiteX4" fmla="*/ 0 w 273050"/>
+                  <a:gd name="connsiteY4" fmla="*/ 317500 h 965200"/>
+                  <a:gd name="connsiteX0" fmla="*/ 6350 w 260350"/>
+                  <a:gd name="connsiteY0" fmla="*/ 304800 h 965200"/>
+                  <a:gd name="connsiteX1" fmla="*/ 260350 w 260350"/>
+                  <a:gd name="connsiteY1" fmla="*/ 0 h 965200"/>
+                  <a:gd name="connsiteX2" fmla="*/ 254000 w 260350"/>
+                  <a:gd name="connsiteY2" fmla="*/ 965200 h 965200"/>
+                  <a:gd name="connsiteX3" fmla="*/ 0 w 260350"/>
+                  <a:gd name="connsiteY3" fmla="*/ 635000 h 965200"/>
+                  <a:gd name="connsiteX4" fmla="*/ 6350 w 260350"/>
+                  <a:gd name="connsiteY4" fmla="*/ 304800 h 965200"/>
+                  <a:gd name="connsiteX0" fmla="*/ 6350 w 260350"/>
+                  <a:gd name="connsiteY0" fmla="*/ 285750 h 965200"/>
+                  <a:gd name="connsiteX1" fmla="*/ 260350 w 260350"/>
+                  <a:gd name="connsiteY1" fmla="*/ 0 h 965200"/>
+                  <a:gd name="connsiteX2" fmla="*/ 254000 w 260350"/>
+                  <a:gd name="connsiteY2" fmla="*/ 965200 h 965200"/>
+                  <a:gd name="connsiteX3" fmla="*/ 0 w 260350"/>
+                  <a:gd name="connsiteY3" fmla="*/ 635000 h 965200"/>
+                  <a:gd name="connsiteX4" fmla="*/ 6350 w 260350"/>
+                  <a:gd name="connsiteY4" fmla="*/ 285750 h 965200"/>
+                </a:gdLst>
+                <a:ahLst/>
+                <a:cxnLst>
+                  <a:cxn ang="0">
+                    <a:pos x="connsiteX0" y="connsiteY0"/>
+                  </a:cxn>
+                  <a:cxn ang="0">
+                    <a:pos x="connsiteX1" y="connsiteY1"/>
+                  </a:cxn>
+                  <a:cxn ang="0">
+                    <a:pos x="connsiteX2" y="connsiteY2"/>
+                  </a:cxn>
+                  <a:cxn ang="0">
+                    <a:pos x="connsiteX3" y="connsiteY3"/>
+                  </a:cxn>
+                  <a:cxn ang="0">
+                    <a:pos x="connsiteX4" y="connsiteY4"/>
+                  </a:cxn>
+                </a:cxnLst>
+                <a:rect l="l" t="t" r="r" b="b"/>
+                <a:pathLst>
+                  <a:path w="260350" h="965200">
+                    <a:moveTo>
+                      <a:pt x="6350" y="285750"/>
+                    </a:moveTo>
+                    <a:lnTo>
+                      <a:pt x="260350" y="0"/>
+                    </a:lnTo>
+                    <a:cubicBezTo>
+                      <a:pt x="258233" y="321733"/>
+                      <a:pt x="256117" y="643467"/>
+                      <a:pt x="254000" y="965200"/>
+                    </a:cubicBezTo>
+                    <a:lnTo>
+                      <a:pt x="0" y="635000"/>
+                    </a:lnTo>
+                    <a:lnTo>
+                      <a:pt x="6350" y="285750"/>
+                    </a:lnTo>
+                    <a:close/>
+                  </a:path>
+                </a:pathLst>
+              </a:custGeom>
+              <a:noFill/>
+              <a:ln w="28575" cmpd="sng">
+                <a:solidFill>
+                  <a:schemeClr val="tx2"/>
+                </a:solidFill>
+              </a:ln>
+            </p:spPr>
+            <p:style>
+              <a:lnRef idx="1">
+                <a:schemeClr val="accent1"/>
+              </a:lnRef>
+              <a:fillRef idx="3">
+                <a:schemeClr val="accent1"/>
+              </a:fillRef>
+              <a:effectRef idx="2">
+                <a:schemeClr val="accent1"/>
+              </a:effectRef>
+              <a:fontRef idx="minor">
+                <a:schemeClr val="lt1"/>
+              </a:fontRef>
+            </p:style>
+            <p:txBody>
+              <a:bodyPr rtlCol="0" anchor="ctr"/>
+              <a:lstStyle/>
+              <a:p>
+                <a:pPr algn="ctr"/>
+                <a:endParaRPr kumimoji="1" lang="ja-JP" altLang="en-US"/>
+              </a:p>
+            </p:txBody>
+          </p:sp>
+          <p:sp>
+            <p:nvSpPr>
+              <p:cNvPr id="77" name="正方形/長方形 76"/>
+              <p:cNvSpPr/>
+              <p:nvPr/>
+            </p:nvSpPr>
+            <p:spPr>
+              <a:xfrm>
+                <a:off x="4355976" y="5445224"/>
+                <a:ext cx="216024" cy="360040"/>
+              </a:xfrm>
+              <a:prstGeom prst="rect">
+                <a:avLst/>
+              </a:prstGeom>
+              <a:noFill/>
+              <a:ln w="28575" cmpd="sng">
+                <a:solidFill>
+                  <a:srgbClr val="1F497D"/>
+                </a:solidFill>
+              </a:ln>
+            </p:spPr>
+            <p:style>
+              <a:lnRef idx="1">
+                <a:schemeClr val="accent1"/>
+              </a:lnRef>
+              <a:fillRef idx="3">
+                <a:schemeClr val="accent1"/>
+              </a:fillRef>
+              <a:effectRef idx="2">
+                <a:schemeClr val="accent1"/>
+              </a:effectRef>
+              <a:fontRef idx="minor">
+                <a:schemeClr val="lt1"/>
+              </a:fontRef>
+            </p:style>
+            <p:txBody>
+              <a:bodyPr rtlCol="0" anchor="ctr"/>
+              <a:lstStyle/>
+              <a:p>
+                <a:pPr algn="ctr"/>
+                <a:endParaRPr kumimoji="1" lang="ja-JP" altLang="en-US"/>
+              </a:p>
+            </p:txBody>
+          </p:sp>
+        </p:grpSp>
+      </p:grpSp>
+      <p:pic>
+        <p:nvPicPr>
+          <p:cNvPr id="9" name="図 8"/>
+          <p:cNvPicPr>
+            <a:picLocks noChangeAspect="1"/>
+          </p:cNvPicPr>
+          <p:nvPr/>
+        </p:nvPicPr>
+        <p:blipFill>
+          <a:blip r:embed="rId3"/>
+          <a:stretch>
+            <a:fillRect/>
+          </a:stretch>
+        </p:blipFill>
+        <p:spPr>
+          <a:xfrm>
+            <a:off x="3635896" y="4725144"/>
+            <a:ext cx="1644650" cy="1231900"/>
+          </a:xfrm>
+          <a:prstGeom prst="rect">
+            <a:avLst/>
+          </a:prstGeom>
+        </p:spPr>
+      </p:pic>
     </p:spTree>
     <p:extLst>
       <p:ext uri="{BB962C8B-B14F-4D97-AF65-F5344CB8AC3E}">
-        <p14:creationId xmlns:p14="http://schemas.microsoft.com/office/powerpoint/2010/main" val="1754774250"/>
+        <p14:creationId xmlns:p14="http://schemas.microsoft.com/office/powerpoint/2010/main" val="689771979"/>
       </p:ext>
     </p:extLst>
   </p:cSld>
   <p:clrMapOvr>
     <a:masterClrMapping/>
   </p:clrMapOvr>
-  <p:transition spd="slow">
+  <p:transition xmlns:p14="http://schemas.microsoft.com/office/powerpoint/2010/main" spd="slow">
     <p:wipe dir="d"/>
   </p:transition>
-  <p:timing>
-    <p:tnLst>
-      <p:par>
-        <p:cTn id="1" dur="indefinite" restart="never" nodeType="tmRoot"/>
-      </p:par>
-    </p:tnLst>
-  </p:timing>
 </p:sld>
 </file>
 
@@ -25133,7 +30590,7 @@
           <a:p>
             <a:r>
               <a:rPr kumimoji="1" lang="ja-JP" altLang="en-US" dirty="0" smtClean="0"/>
-              <a:t>８．シリアルポートを使ったプログラム</a:t>
+              <a:t>５．デジタル出力１ビットでできること</a:t>
             </a:r>
             <a:endParaRPr kumimoji="1" lang="ja-JP" altLang="en-US" dirty="0"/>
           </a:p>
@@ -25149,103 +30606,95 @@
             <p:ph idx="1"/>
           </p:nvPr>
         </p:nvSpPr>
-        <p:spPr/>
+        <p:spPr>
+          <a:xfrm>
+            <a:off x="762000" y="1596413"/>
+            <a:ext cx="8077200" cy="5072947"/>
+          </a:xfrm>
+        </p:spPr>
         <p:txBody>
           <a:bodyPr>
             <a:normAutofit/>
           </a:bodyPr>
           <a:lstStyle/>
           <a:p>
+            <a:pPr>
+              <a:buFont typeface="+mj-ea"/>
+              <a:buAutoNum type="circleNumDbPlain"/>
+            </a:pPr>
             <a:r>
               <a:rPr kumimoji="1" lang="ja-JP" altLang="en-US" dirty="0" smtClean="0"/>
-              <a:t>シリアルモニタに</a:t>
-            </a:r>
-            <a:r>
-              <a:rPr kumimoji="1" lang="en-US" altLang="ja-JP" dirty="0" smtClean="0"/>
-              <a:t> Hello world! </a:t>
-            </a:r>
-            <a:r>
-              <a:rPr kumimoji="1" lang="ja-JP" altLang="en-US" dirty="0" smtClean="0"/>
-              <a:t>と出力するプログラムを書いて</a:t>
-            </a:r>
-            <a:r>
-              <a:rPr kumimoji="1" lang="ja-JP" altLang="en-US" dirty="0" smtClean="0"/>
-              <a:t>みよ</a:t>
-            </a:r>
-            <a:r>
-              <a:rPr kumimoji="1" lang="ja-JP" altLang="en-US" dirty="0"/>
-              <a:t>う</a:t>
+              <a:t>スイッチＯＮ／ＯＦＦ</a:t>
             </a:r>
             <a:endParaRPr kumimoji="1" lang="en-US" altLang="ja-JP" dirty="0" smtClean="0"/>
           </a:p>
           <a:p>
-            <a:pPr lvl="1"/>
-            <a:r>
-              <a:rPr kumimoji="1" lang="ja-JP" altLang="en-US" smtClean="0"/>
-              <a:t>計算</a:t>
-            </a:r>
+            <a:pPr>
+              <a:buFont typeface="+mj-ea"/>
+              <a:buAutoNum type="circleNumDbPlain"/>
+            </a:pPr>
             <a:r>
               <a:rPr kumimoji="1" lang="ja-JP" altLang="en-US" dirty="0" smtClean="0"/>
-              <a:t>の結果を出力したり、</a:t>
-            </a:r>
-            <a:r>
-              <a:rPr kumimoji="1" lang="en-US" altLang="ja-JP" dirty="0" smtClean="0"/>
-              <a:t/>
-            </a:r>
-            <a:br>
-              <a:rPr kumimoji="1" lang="en-US" altLang="ja-JP" dirty="0" smtClean="0"/>
-            </a:br>
-            <a:r>
-              <a:rPr kumimoji="1" lang="ja-JP" altLang="en-US" dirty="0" smtClean="0"/>
-              <a:t>ミリ秒カウンタの値を出力してみよう</a:t>
+              <a:t>電飾の点滅、映像の描画</a:t>
             </a:r>
             <a:endParaRPr kumimoji="1" lang="en-US" altLang="ja-JP" dirty="0" smtClean="0"/>
           </a:p>
           <a:p>
+            <a:pPr>
+              <a:buFont typeface="+mj-ea"/>
+              <a:buAutoNum type="circleNumDbPlain"/>
+            </a:pPr>
             <a:r>
               <a:rPr kumimoji="1" lang="ja-JP" altLang="en-US" dirty="0" smtClean="0"/>
-              <a:t>受信の手順をサンプルでみてみよう</a:t>
+              <a:t>赤外線リモコンなど、信号の送信</a:t>
             </a:r>
             <a:endParaRPr kumimoji="1" lang="en-US" altLang="ja-JP" dirty="0" smtClean="0"/>
           </a:p>
           <a:p>
-            <a:pPr lvl="1"/>
-            <a:r>
-              <a:rPr kumimoji="1" lang="en-US" altLang="ja-JP" dirty="0" err="1" smtClean="0"/>
-              <a:t>MorseCoder</a:t>
+            <a:pPr>
+              <a:buFont typeface="+mj-ea"/>
+              <a:buAutoNum type="circleNumDbPlain"/>
+            </a:pPr>
+            <a:r>
+              <a:rPr kumimoji="1" lang="ja-JP" altLang="en-US" dirty="0" smtClean="0"/>
+              <a:t>パルス幅変調</a:t>
             </a:r>
             <a:r>
               <a:rPr kumimoji="1" lang="en-US" altLang="ja-JP" dirty="0" smtClean="0"/>
-              <a:t> ･･･</a:t>
+              <a:t>･･･</a:t>
             </a:r>
             <a:r>
               <a:rPr kumimoji="1" lang="ja-JP" altLang="en-US" dirty="0" smtClean="0"/>
-              <a:t>受け取った文字のモールス信号を光と音で発信</a:t>
+              <a:t>明るさ調整、モーター回転数（力）の制御、サーボモーター（位置）制御</a:t>
             </a:r>
             <a:endParaRPr kumimoji="1" lang="en-US" altLang="ja-JP" dirty="0" smtClean="0"/>
+          </a:p>
+          <a:p>
+            <a:pPr>
+              <a:buFont typeface="+mj-ea"/>
+              <a:buAutoNum type="circleNumDbPlain"/>
+            </a:pPr>
+            <a:r>
+              <a:rPr kumimoji="1" lang="ja-JP" altLang="en-US" dirty="0" smtClean="0"/>
+              <a:t>音の発生：ブザー、電子音（矩形波）</a:t>
+            </a:r>
+            <a:endParaRPr kumimoji="1" lang="en-US" altLang="ja-JP" dirty="0"/>
           </a:p>
         </p:txBody>
       </p:sp>
     </p:spTree>
     <p:extLst>
       <p:ext uri="{BB962C8B-B14F-4D97-AF65-F5344CB8AC3E}">
-        <p14:creationId xmlns:p14="http://schemas.microsoft.com/office/powerpoint/2010/main" val="3112854070"/>
+        <p14:creationId xmlns:p14="http://schemas.microsoft.com/office/powerpoint/2010/main" val="4088840200"/>
       </p:ext>
     </p:extLst>
   </p:cSld>
   <p:clrMapOvr>
     <a:masterClrMapping/>
   </p:clrMapOvr>
-  <p:transition spd="slow">
+  <p:transition xmlns:p14="http://schemas.microsoft.com/office/powerpoint/2010/main" spd="slow">
     <p:wipe dir="d"/>
   </p:transition>
-  <p:timing>
-    <p:tnLst>
-      <p:par>
-        <p:cTn id="1" dur="indefinite" restart="never" nodeType="tmRoot"/>
-      </p:par>
-    </p:tnLst>
-  </p:timing>
 </p:sld>
 </file>
 
